--- a/_site/slides/week01/lecture.pptx
+++ b/_site/slides/week01/lecture.pptx
@@ -304,7 +304,7 @@
             <a:fld id="{241EB5C9-1307-BA42-ABA2-0BC069CD8E7F}" type="datetimeFigureOut">
               <a:rPr lang="en-US" smtClean="0"/>
               <a:pPr/>
-              <a:t>9/30/22</a:t>
+              <a:t>9/24/23</a:t>
             </a:fld>
             <a:endParaRPr lang="en-US" dirty="0"/>
           </a:p>
@@ -397,10 +397,10 @@
       </p:sp>
       <p:pic>
         <p:nvPicPr>
-          <p:cNvPr id="7" name="Picture 6" descr="A picture containing text, primate, monitor, indoor&#10;&#10;Description automatically generated">
-            <a:extLst>
-              <a:ext uri="{FF2B5EF4-FFF2-40B4-BE49-F238E27FC236}">
-                <a16:creationId xmlns:a16="http://schemas.microsoft.com/office/drawing/2014/main" id="{B6FBD17D-F718-95C1-DDB9-BB5B65FE2BD9}"/>
+          <p:cNvPr id="9" name="Picture 8" descr="A cartoon monkey holding a magnifying glass&#10;&#10;Description automatically generated">
+            <a:extLst>
+              <a:ext uri="{FF2B5EF4-FFF2-40B4-BE49-F238E27FC236}">
+                <a16:creationId xmlns:a16="http://schemas.microsoft.com/office/drawing/2014/main" id="{E0280DB6-DDF3-4C1F-AC17-984168E43E44}"/>
               </a:ext>
             </a:extLst>
           </p:cNvPr>
@@ -417,8 +417,8 @@
         </p:blipFill>
         <p:spPr>
           <a:xfrm>
-            <a:off x="10913450" y="151609"/>
-            <a:ext cx="1063580" cy="1220148"/>
+            <a:off x="10668000" y="77267"/>
+            <a:ext cx="1524000" cy="1524000"/>
           </a:xfrm>
           <a:prstGeom prst="rect">
             <a:avLst/>
@@ -647,7 +647,7 @@
             <a:fld id="{241EB5C9-1307-BA42-ABA2-0BC069CD8E7F}" type="datetimeFigureOut">
               <a:rPr lang="en-US" smtClean="0"/>
               <a:pPr/>
-              <a:t>9/30/22</a:t>
+              <a:t>9/24/23</a:t>
             </a:fld>
             <a:endParaRPr lang="en-US"/>
           </a:p>
@@ -965,7 +965,7 @@
             <a:fld id="{241EB5C9-1307-BA42-ABA2-0BC069CD8E7F}" type="datetimeFigureOut">
               <a:rPr lang="en-US" smtClean="0"/>
               <a:pPr/>
-              <a:t>9/30/22</a:t>
+              <a:t>9/24/23</a:t>
             </a:fld>
             <a:endParaRPr lang="en-US"/>
           </a:p>
@@ -1281,7 +1281,7 @@
           <a:p>
             <a:fld id="{241EB5C9-1307-BA42-ABA2-0BC069CD8E7F}" type="datetimeFigureOut">
               <a:rPr lang="en-US" smtClean="0"/>
-              <a:t>9/30/22</a:t>
+              <a:t>9/24/23</a:t>
             </a:fld>
             <a:endParaRPr lang="en-US"/>
           </a:p>
@@ -1351,7 +1351,7 @@
       </p:sp>
       <p:pic>
         <p:nvPicPr>
-          <p:cNvPr id="7" name="Picture 6" descr="A picture containing text, primate, monitor, indoor&#10;&#10;Description automatically generated">
+          <p:cNvPr id="7" name="Picture 6">
             <a:extLst>
               <a:ext uri="{FF2B5EF4-FFF2-40B4-BE49-F238E27FC236}">
                 <a16:creationId xmlns:a16="http://schemas.microsoft.com/office/drawing/2014/main" id="{F4EFD39C-D04F-D648-B6B2-07092A492153}"/>
@@ -1365,14 +1365,13 @@
         </p:nvPicPr>
         <p:blipFill>
           <a:blip r:embed="rId2"/>
-          <a:stretch>
-            <a:fillRect/>
-          </a:stretch>
+          <a:srcRect/>
+          <a:stretch/>
         </p:blipFill>
         <p:spPr>
           <a:xfrm>
-            <a:off x="10964250" y="158272"/>
-            <a:ext cx="1063580" cy="1220148"/>
+            <a:off x="10964250" y="236556"/>
+            <a:ext cx="1063580" cy="1063580"/>
           </a:xfrm>
           <a:prstGeom prst="rect">
             <a:avLst/>
@@ -1628,7 +1627,7 @@
             <a:fld id="{241EB5C9-1307-BA42-ABA2-0BC069CD8E7F}" type="datetimeFigureOut">
               <a:rPr lang="en-US" smtClean="0"/>
               <a:pPr/>
-              <a:t>9/30/22</a:t>
+              <a:t>9/24/23</a:t>
             </a:fld>
             <a:endParaRPr lang="en-US"/>
           </a:p>
@@ -1821,7 +1820,7 @@
           <a:p>
             <a:fld id="{241EB5C9-1307-BA42-ABA2-0BC069CD8E7F}" type="datetimeFigureOut">
               <a:rPr lang="en-US" smtClean="0"/>
-              <a:t>9/30/22</a:t>
+              <a:t>9/24/23</a:t>
             </a:fld>
             <a:endParaRPr lang="en-US"/>
           </a:p>
@@ -1891,7 +1890,7 @@
       </p:sp>
       <p:pic>
         <p:nvPicPr>
-          <p:cNvPr id="3" name="Picture 2" descr="A picture containing text, primate, monitor, indoor&#10;&#10;Description automatically generated">
+          <p:cNvPr id="3" name="Picture 2">
             <a:extLst>
               <a:ext uri="{FF2B5EF4-FFF2-40B4-BE49-F238E27FC236}">
                 <a16:creationId xmlns:a16="http://schemas.microsoft.com/office/drawing/2014/main" id="{A8EB6A88-2E41-552F-6E71-A9DFA92F0663}"/>
@@ -1905,14 +1904,13 @@
         </p:nvPicPr>
         <p:blipFill>
           <a:blip r:embed="rId2"/>
-          <a:stretch>
-            <a:fillRect/>
-          </a:stretch>
+          <a:srcRect/>
+          <a:stretch/>
         </p:blipFill>
         <p:spPr>
           <a:xfrm>
-            <a:off x="10994730" y="131289"/>
-            <a:ext cx="1063580" cy="1220148"/>
+            <a:off x="10994730" y="209573"/>
+            <a:ext cx="1063580" cy="1063580"/>
           </a:xfrm>
           <a:prstGeom prst="rect">
             <a:avLst/>
@@ -2340,7 +2338,7 @@
             <a:fld id="{241EB5C9-1307-BA42-ABA2-0BC069CD8E7F}" type="datetimeFigureOut">
               <a:rPr lang="en-US" smtClean="0"/>
               <a:pPr/>
-              <a:t>9/30/22</a:t>
+              <a:t>9/24/23</a:t>
             </a:fld>
             <a:endParaRPr lang="en-US"/>
           </a:p>
@@ -2993,7 +2991,7 @@
             <a:fld id="{241EB5C9-1307-BA42-ABA2-0BC069CD8E7F}" type="datetimeFigureOut">
               <a:rPr lang="en-US" smtClean="0"/>
               <a:pPr/>
-              <a:t>9/30/22</a:t>
+              <a:t>9/24/23</a:t>
             </a:fld>
             <a:endParaRPr lang="en-US"/>
           </a:p>
@@ -3197,7 +3195,7 @@
             <a:fld id="{241EB5C9-1307-BA42-ABA2-0BC069CD8E7F}" type="datetimeFigureOut">
               <a:rPr lang="en-US" smtClean="0"/>
               <a:pPr/>
-              <a:t>9/30/22</a:t>
+              <a:t>9/24/23</a:t>
             </a:fld>
             <a:endParaRPr lang="en-US"/>
           </a:p>
@@ -3290,7 +3288,7 @@
       </p:sp>
       <p:pic>
         <p:nvPicPr>
-          <p:cNvPr id="6" name="Picture 5" descr="A picture containing text, primate, monitor, indoor&#10;&#10;Description automatically generated">
+          <p:cNvPr id="6" name="Picture 5">
             <a:extLst>
               <a:ext uri="{FF2B5EF4-FFF2-40B4-BE49-F238E27FC236}">
                 <a16:creationId xmlns:a16="http://schemas.microsoft.com/office/drawing/2014/main" id="{0D355E77-5B2E-A2EF-706B-9C4916EA9A9E}"/>
@@ -3304,14 +3302,13 @@
         </p:nvPicPr>
         <p:blipFill>
           <a:blip r:embed="rId2"/>
-          <a:stretch>
-            <a:fillRect/>
-          </a:stretch>
+          <a:srcRect/>
+          <a:stretch/>
         </p:blipFill>
         <p:spPr>
           <a:xfrm>
-            <a:off x="10994730" y="161769"/>
-            <a:ext cx="1063580" cy="1220148"/>
+            <a:off x="10994730" y="240053"/>
+            <a:ext cx="1063580" cy="1063580"/>
           </a:xfrm>
           <a:prstGeom prst="rect">
             <a:avLst/>
@@ -3371,7 +3368,7 @@
           <a:p>
             <a:fld id="{241EB5C9-1307-BA42-ABA2-0BC069CD8E7F}" type="datetimeFigureOut">
               <a:rPr lang="en-US" smtClean="0"/>
-              <a:t>9/30/22</a:t>
+              <a:t>9/24/23</a:t>
             </a:fld>
             <a:endParaRPr lang="en-US"/>
           </a:p>
@@ -3790,7 +3787,7 @@
             <a:fld id="{241EB5C9-1307-BA42-ABA2-0BC069CD8E7F}" type="datetimeFigureOut">
               <a:rPr lang="en-US" smtClean="0"/>
               <a:pPr/>
-              <a:t>9/30/22</a:t>
+              <a:t>9/24/23</a:t>
             </a:fld>
             <a:endParaRPr lang="en-US"/>
           </a:p>
@@ -4154,7 +4151,7 @@
             <a:fld id="{241EB5C9-1307-BA42-ABA2-0BC069CD8E7F}" type="datetimeFigureOut">
               <a:rPr lang="en-US" smtClean="0"/>
               <a:pPr/>
-              <a:t>9/30/22</a:t>
+              <a:t>9/24/23</a:t>
             </a:fld>
             <a:endParaRPr lang="en-US"/>
           </a:p>
@@ -4398,7 +4395,7 @@
             <a:fld id="{241EB5C9-1307-BA42-ABA2-0BC069CD8E7F}" type="datetimeFigureOut">
               <a:rPr lang="en-US" smtClean="0"/>
               <a:pPr/>
-              <a:t>9/30/22</a:t>
+              <a:t>9/24/23</a:t>
             </a:fld>
             <a:endParaRPr lang="en-US"/>
           </a:p>

--- a/_site/slides/week01/lecture.pptx
+++ b/_site/slides/week01/lecture.pptx
@@ -11,6 +11,45 @@
     <p:sldId id="259" r:id="rId5"/>
     <p:sldId id="260" r:id="rId6"/>
     <p:sldId id="261" r:id="rId7"/>
+    <p:sldId id="262" r:id="rId8"/>
+    <p:sldId id="263" r:id="rId9"/>
+    <p:sldId id="264" r:id="rId10"/>
+    <p:sldId id="265" r:id="rId11"/>
+    <p:sldId id="266" r:id="rId12"/>
+    <p:sldId id="267" r:id="rId13"/>
+    <p:sldId id="268" r:id="rId14"/>
+    <p:sldId id="269" r:id="rId15"/>
+    <p:sldId id="270" r:id="rId16"/>
+    <p:sldId id="271" r:id="rId17"/>
+    <p:sldId id="272" r:id="rId18"/>
+    <p:sldId id="273" r:id="rId19"/>
+    <p:sldId id="274" r:id="rId20"/>
+    <p:sldId id="275" r:id="rId21"/>
+    <p:sldId id="276" r:id="rId22"/>
+    <p:sldId id="277" r:id="rId23"/>
+    <p:sldId id="278" r:id="rId24"/>
+    <p:sldId id="279" r:id="rId25"/>
+    <p:sldId id="280" r:id="rId26"/>
+    <p:sldId id="281" r:id="rId27"/>
+    <p:sldId id="282" r:id="rId28"/>
+    <p:sldId id="283" r:id="rId29"/>
+    <p:sldId id="284" r:id="rId30"/>
+    <p:sldId id="285" r:id="rId31"/>
+    <p:sldId id="286" r:id="rId32"/>
+    <p:sldId id="287" r:id="rId33"/>
+    <p:sldId id="288" r:id="rId34"/>
+    <p:sldId id="289" r:id="rId35"/>
+    <p:sldId id="290" r:id="rId36"/>
+    <p:sldId id="291" r:id="rId37"/>
+    <p:sldId id="292" r:id="rId38"/>
+    <p:sldId id="293" r:id="rId39"/>
+    <p:sldId id="294" r:id="rId40"/>
+    <p:sldId id="295" r:id="rId41"/>
+    <p:sldId id="296" r:id="rId42"/>
+    <p:sldId id="297" r:id="rId43"/>
+    <p:sldId id="298" r:id="rId44"/>
+    <p:sldId id="299" r:id="rId45"/>
+    <p:sldId id="300" r:id="rId46"/>
   </p:sldIdLst>
   <p:sldSz cx="12192000" cy="6858000"/>
   <p:notesSz cx="6858000" cy="9144000"/>
@@ -4974,6 +5013,2215 @@
 </p:sld>
 </file>
 
+<file path=ppt/slides/slide10.xml><?xml version="1.0" encoding="utf-8"?>
+<p:sld xmlns:a="http://schemas.openxmlformats.org/drawingml/2006/main" xmlns:r="http://schemas.openxmlformats.org/officeDocument/2006/relationships" xmlns:p="http://schemas.openxmlformats.org/presentationml/2006/main">
+  <p:cSld>
+    <p:spTree>
+      <p:nvGrpSpPr>
+        <p:cNvPr id="1" name=""/>
+        <p:cNvGrpSpPr/>
+        <p:nvPr/>
+      </p:nvGrpSpPr>
+      <p:grpSpPr>
+        <a:xfrm>
+          <a:off x="0" y="0"/>
+          <a:ext cx="0" cy="0"/>
+          <a:chOff x="0" y="0"/>
+          <a:chExt cx="0" cy="0"/>
+        </a:xfrm>
+      </p:grpSpPr>
+      <p:sp>
+        <p:nvSpPr>
+          <p:cNvPr id="3" name="Content Placeholder 2">
+            <a:extLst>
+              <a:ext uri="{FF2B5EF4-FFF2-40B4-BE49-F238E27FC236}">
+                <a16:creationId xmlns:a16="http://schemas.microsoft.com/office/drawing/2014/main" id="{A4EB24F9-04F1-C843-9D71-56C5C024552B}"/>
+              </a:ext>
+            </a:extLst>
+          </p:cNvPr>
+          <p:cNvSpPr>
+            <a:spLocks noGrp="1"/>
+          </p:cNvSpPr>
+          <p:nvPr>
+            <p:ph idx="1"/>
+          </p:nvPr>
+        </p:nvSpPr>
+        <p:spPr/>
+        <p:txBody>
+          <a:bodyPr/>
+          <a:lstStyle/>
+          <a:p>
+            <a:pPr lvl="0" indent="0" marL="0">
+              <a:buNone/>
+            </a:pPr>
+            <a:r>
+              <a:rPr/>
+              <a:t>Naufel, K. Z., Appleby, D. C., Young, J., Van Kirk, J. F., Spencer, S. M., Rudmann, J., …Richmond, A. S. (2018).The skillful psychology student: Prepared for success in the 21st century workplace. Retrieved from: </a:t>
+            </a:r>
+            <a:r>
+              <a:rPr>
+                <a:hlinkClick r:id="rId2"/>
+              </a:rPr>
+              <a:t>https://www.apa.org/careers/resources/guides/transferable-skills.pdf</a:t>
+            </a:r>
+          </a:p>
+        </p:txBody>
+      </p:sp>
+    </p:spTree>
+  </p:cSld>
+</p:sld>
+</file>
+
+<file path=ppt/slides/slide11.xml><?xml version="1.0" encoding="utf-8"?>
+<p:sld xmlns:a="http://schemas.openxmlformats.org/drawingml/2006/main" xmlns:r="http://schemas.openxmlformats.org/officeDocument/2006/relationships" xmlns:p="http://schemas.openxmlformats.org/presentationml/2006/main">
+  <p:cSld>
+    <p:spTree>
+      <p:nvGrpSpPr>
+        <p:cNvPr id="1" name=""/>
+        <p:cNvGrpSpPr/>
+        <p:nvPr/>
+      </p:nvGrpSpPr>
+      <p:grpSpPr>
+        <a:xfrm>
+          <a:off x="0" y="0"/>
+          <a:ext cx="0" cy="0"/>
+          <a:chOff x="0" y="0"/>
+          <a:chExt cx="0" cy="0"/>
+        </a:xfrm>
+      </p:grpSpPr>
+      <p:sp>
+        <p:nvSpPr>
+          <p:cNvPr id="2" name="Title 1">
+            <a:extLst>
+              <a:ext uri="{FF2B5EF4-FFF2-40B4-BE49-F238E27FC236}">
+                <a16:creationId xmlns:a16="http://schemas.microsoft.com/office/drawing/2014/main" id="{DD9B8E45-0772-954C-8D4B-6E6808DFEDED}"/>
+              </a:ext>
+            </a:extLst>
+          </p:cNvPr>
+          <p:cNvSpPr>
+            <a:spLocks noGrp="1"/>
+          </p:cNvSpPr>
+          <p:nvPr>
+            <p:ph type="title"/>
+          </p:nvPr>
+        </p:nvSpPr>
+        <p:spPr>
+          <a:xfrm>
+            <a:off x="838200" y="365129"/>
+            <a:ext cx="10002520" cy="1325563"/>
+          </a:xfrm>
+          <a:prstGeom prst="rect">
+            <a:avLst/>
+          </a:prstGeom>
+        </p:spPr>
+        <p:txBody>
+          <a:bodyPr/>
+          <a:lstStyle/>
+          <a:p>
+            <a:pPr lvl="0" indent="0" marL="0">
+              <a:buNone/>
+            </a:pPr>
+            <a:r>
+              <a:rPr/>
+              <a:t>Cognitive Skills</a:t>
+            </a:r>
+          </a:p>
+        </p:txBody>
+      </p:sp>
+      <p:pic>
+        <p:nvPicPr>
+          <p:cNvPr descr="images/paste-B0779020.png" id="0" name="Picture 1"/>
+          <p:cNvPicPr>
+            <a:picLocks noGrp="1" noChangeAspect="1"/>
+          </p:cNvPicPr>
+          <p:nvPr/>
+        </p:nvPicPr>
+        <p:blipFill>
+          <a:blip r:embed="rId2"/>
+          <a:stretch>
+            <a:fillRect/>
+          </a:stretch>
+        </p:blipFill>
+        <p:spPr bwMode="auto">
+          <a:xfrm>
+            <a:off x="838200" y="2578100"/>
+            <a:ext cx="10515600" cy="2806700"/>
+          </a:xfrm>
+          <a:prstGeom prst="rect">
+            <a:avLst/>
+          </a:prstGeom>
+          <a:noFill/>
+          <a:ln w="9525">
+            <a:noFill/>
+            <a:headEnd/>
+            <a:tailEnd/>
+          </a:ln>
+        </p:spPr>
+      </p:pic>
+    </p:spTree>
+  </p:cSld>
+</p:sld>
+</file>
+
+<file path=ppt/slides/slide12.xml><?xml version="1.0" encoding="utf-8"?>
+<p:sld xmlns:a="http://schemas.openxmlformats.org/drawingml/2006/main" xmlns:r="http://schemas.openxmlformats.org/officeDocument/2006/relationships" xmlns:p="http://schemas.openxmlformats.org/presentationml/2006/main">
+  <p:cSld>
+    <p:spTree>
+      <p:nvGrpSpPr>
+        <p:cNvPr id="1" name=""/>
+        <p:cNvGrpSpPr/>
+        <p:nvPr/>
+      </p:nvGrpSpPr>
+      <p:grpSpPr>
+        <a:xfrm>
+          <a:off x="0" y="0"/>
+          <a:ext cx="0" cy="0"/>
+          <a:chOff x="0" y="0"/>
+          <a:chExt cx="0" cy="0"/>
+        </a:xfrm>
+      </p:grpSpPr>
+      <p:sp>
+        <p:nvSpPr>
+          <p:cNvPr id="2" name="Title 1">
+            <a:extLst>
+              <a:ext uri="{FF2B5EF4-FFF2-40B4-BE49-F238E27FC236}">
+                <a16:creationId xmlns:a16="http://schemas.microsoft.com/office/drawing/2014/main" id="{DD9B8E45-0772-954C-8D4B-6E6808DFEDED}"/>
+              </a:ext>
+            </a:extLst>
+          </p:cNvPr>
+          <p:cNvSpPr>
+            <a:spLocks noGrp="1"/>
+          </p:cNvSpPr>
+          <p:nvPr>
+            <p:ph type="title"/>
+          </p:nvPr>
+        </p:nvSpPr>
+        <p:spPr>
+          <a:xfrm>
+            <a:off x="838200" y="365129"/>
+            <a:ext cx="10002520" cy="1325563"/>
+          </a:xfrm>
+          <a:prstGeom prst="rect">
+            <a:avLst/>
+          </a:prstGeom>
+        </p:spPr>
+        <p:txBody>
+          <a:bodyPr/>
+          <a:lstStyle/>
+          <a:p>
+            <a:pPr lvl="0" indent="0" marL="0">
+              <a:buNone/>
+            </a:pPr>
+            <a:r>
+              <a:rPr/>
+              <a:t>Communication Skills</a:t>
+            </a:r>
+          </a:p>
+        </p:txBody>
+      </p:sp>
+      <p:pic>
+        <p:nvPicPr>
+          <p:cNvPr descr="images/paste-B710C4C4.png" id="0" name="Picture 1"/>
+          <p:cNvPicPr>
+            <a:picLocks noGrp="1" noChangeAspect="1"/>
+          </p:cNvPicPr>
+          <p:nvPr/>
+        </p:nvPicPr>
+        <p:blipFill>
+          <a:blip r:embed="rId2"/>
+          <a:stretch>
+            <a:fillRect/>
+          </a:stretch>
+        </p:blipFill>
+        <p:spPr bwMode="auto">
+          <a:xfrm>
+            <a:off x="838200" y="3073400"/>
+            <a:ext cx="10515600" cy="1828800"/>
+          </a:xfrm>
+          <a:prstGeom prst="rect">
+            <a:avLst/>
+          </a:prstGeom>
+          <a:noFill/>
+          <a:ln w="9525">
+            <a:noFill/>
+            <a:headEnd/>
+            <a:tailEnd/>
+          </a:ln>
+        </p:spPr>
+      </p:pic>
+    </p:spTree>
+  </p:cSld>
+</p:sld>
+</file>
+
+<file path=ppt/slides/slide13.xml><?xml version="1.0" encoding="utf-8"?>
+<p:sld xmlns:a="http://schemas.openxmlformats.org/drawingml/2006/main" xmlns:r="http://schemas.openxmlformats.org/officeDocument/2006/relationships" xmlns:p="http://schemas.openxmlformats.org/presentationml/2006/main">
+  <p:cSld>
+    <p:spTree>
+      <p:nvGrpSpPr>
+        <p:cNvPr id="1" name=""/>
+        <p:cNvGrpSpPr/>
+        <p:nvPr/>
+      </p:nvGrpSpPr>
+      <p:grpSpPr>
+        <a:xfrm>
+          <a:off x="0" y="0"/>
+          <a:ext cx="0" cy="0"/>
+          <a:chOff x="0" y="0"/>
+          <a:chExt cx="0" cy="0"/>
+        </a:xfrm>
+      </p:grpSpPr>
+      <p:sp>
+        <p:nvSpPr>
+          <p:cNvPr id="2" name="Title 1">
+            <a:extLst>
+              <a:ext uri="{FF2B5EF4-FFF2-40B4-BE49-F238E27FC236}">
+                <a16:creationId xmlns:a16="http://schemas.microsoft.com/office/drawing/2014/main" id="{DD9B8E45-0772-954C-8D4B-6E6808DFEDED}"/>
+              </a:ext>
+            </a:extLst>
+          </p:cNvPr>
+          <p:cNvSpPr>
+            <a:spLocks noGrp="1"/>
+          </p:cNvSpPr>
+          <p:nvPr>
+            <p:ph type="title"/>
+          </p:nvPr>
+        </p:nvSpPr>
+        <p:spPr>
+          <a:xfrm>
+            <a:off x="838200" y="365129"/>
+            <a:ext cx="10002520" cy="1325563"/>
+          </a:xfrm>
+          <a:prstGeom prst="rect">
+            <a:avLst/>
+          </a:prstGeom>
+        </p:spPr>
+        <p:txBody>
+          <a:bodyPr/>
+          <a:lstStyle/>
+          <a:p>
+            <a:pPr lvl="0" indent="0" marL="0">
+              <a:buNone/>
+            </a:pPr>
+            <a:r>
+              <a:rPr/>
+              <a:t>Personal Skills</a:t>
+            </a:r>
+          </a:p>
+        </p:txBody>
+      </p:sp>
+      <p:pic>
+        <p:nvPicPr>
+          <p:cNvPr descr="images/paste-839343D0.png" id="0" name="Picture 1"/>
+          <p:cNvPicPr>
+            <a:picLocks noGrp="1" noChangeAspect="1"/>
+          </p:cNvPicPr>
+          <p:nvPr/>
+        </p:nvPicPr>
+        <p:blipFill>
+          <a:blip r:embed="rId2"/>
+          <a:stretch>
+            <a:fillRect/>
+          </a:stretch>
+        </p:blipFill>
+        <p:spPr bwMode="auto">
+          <a:xfrm>
+            <a:off x="838200" y="2946400"/>
+            <a:ext cx="10515600" cy="2095500"/>
+          </a:xfrm>
+          <a:prstGeom prst="rect">
+            <a:avLst/>
+          </a:prstGeom>
+          <a:noFill/>
+          <a:ln w="9525">
+            <a:noFill/>
+            <a:headEnd/>
+            <a:tailEnd/>
+          </a:ln>
+        </p:spPr>
+      </p:pic>
+    </p:spTree>
+  </p:cSld>
+</p:sld>
+</file>
+
+<file path=ppt/slides/slide14.xml><?xml version="1.0" encoding="utf-8"?>
+<p:sld xmlns:a="http://schemas.openxmlformats.org/drawingml/2006/main" xmlns:r="http://schemas.openxmlformats.org/officeDocument/2006/relationships" xmlns:p="http://schemas.openxmlformats.org/presentationml/2006/main">
+  <p:cSld>
+    <p:spTree>
+      <p:nvGrpSpPr>
+        <p:cNvPr id="1" name=""/>
+        <p:cNvGrpSpPr/>
+        <p:nvPr/>
+      </p:nvGrpSpPr>
+      <p:grpSpPr>
+        <a:xfrm>
+          <a:off x="0" y="0"/>
+          <a:ext cx="0" cy="0"/>
+          <a:chOff x="0" y="0"/>
+          <a:chExt cx="0" cy="0"/>
+        </a:xfrm>
+      </p:grpSpPr>
+      <p:sp>
+        <p:nvSpPr>
+          <p:cNvPr id="2" name="Title 1">
+            <a:extLst>
+              <a:ext uri="{FF2B5EF4-FFF2-40B4-BE49-F238E27FC236}">
+                <a16:creationId xmlns:a16="http://schemas.microsoft.com/office/drawing/2014/main" id="{DD9B8E45-0772-954C-8D4B-6E6808DFEDED}"/>
+              </a:ext>
+            </a:extLst>
+          </p:cNvPr>
+          <p:cNvSpPr>
+            <a:spLocks noGrp="1"/>
+          </p:cNvSpPr>
+          <p:nvPr>
+            <p:ph type="title"/>
+          </p:nvPr>
+        </p:nvSpPr>
+        <p:spPr>
+          <a:xfrm>
+            <a:off x="838200" y="365129"/>
+            <a:ext cx="10002520" cy="1325563"/>
+          </a:xfrm>
+          <a:prstGeom prst="rect">
+            <a:avLst/>
+          </a:prstGeom>
+        </p:spPr>
+        <p:txBody>
+          <a:bodyPr/>
+          <a:lstStyle/>
+          <a:p>
+            <a:pPr lvl="0" indent="0" marL="0">
+              <a:buNone/>
+            </a:pPr>
+            <a:r>
+              <a:rPr/>
+              <a:t>Social Skills</a:t>
+            </a:r>
+          </a:p>
+        </p:txBody>
+      </p:sp>
+      <p:pic>
+        <p:nvPicPr>
+          <p:cNvPr descr="images/paste-245BC02C.png" id="0" name="Picture 1"/>
+          <p:cNvPicPr>
+            <a:picLocks noGrp="1" noChangeAspect="1"/>
+          </p:cNvPicPr>
+          <p:nvPr/>
+        </p:nvPicPr>
+        <p:blipFill>
+          <a:blip r:embed="rId2"/>
+          <a:stretch>
+            <a:fillRect/>
+          </a:stretch>
+        </p:blipFill>
+        <p:spPr bwMode="auto">
+          <a:xfrm>
+            <a:off x="838200" y="2362200"/>
+            <a:ext cx="10515600" cy="3251200"/>
+          </a:xfrm>
+          <a:prstGeom prst="rect">
+            <a:avLst/>
+          </a:prstGeom>
+          <a:noFill/>
+          <a:ln w="9525">
+            <a:noFill/>
+            <a:headEnd/>
+            <a:tailEnd/>
+          </a:ln>
+        </p:spPr>
+      </p:pic>
+    </p:spTree>
+  </p:cSld>
+</p:sld>
+</file>
+
+<file path=ppt/slides/slide15.xml><?xml version="1.0" encoding="utf-8"?>
+<p:sld xmlns:a="http://schemas.openxmlformats.org/drawingml/2006/main" xmlns:r="http://schemas.openxmlformats.org/officeDocument/2006/relationships" xmlns:p="http://schemas.openxmlformats.org/presentationml/2006/main">
+  <p:cSld>
+    <p:spTree>
+      <p:nvGrpSpPr>
+        <p:cNvPr id="1" name=""/>
+        <p:cNvGrpSpPr/>
+        <p:nvPr/>
+      </p:nvGrpSpPr>
+      <p:grpSpPr>
+        <a:xfrm>
+          <a:off x="0" y="0"/>
+          <a:ext cx="0" cy="0"/>
+          <a:chOff x="0" y="0"/>
+          <a:chExt cx="0" cy="0"/>
+        </a:xfrm>
+      </p:grpSpPr>
+      <p:sp>
+        <p:nvSpPr>
+          <p:cNvPr id="2" name="Title 1">
+            <a:extLst>
+              <a:ext uri="{FF2B5EF4-FFF2-40B4-BE49-F238E27FC236}">
+                <a16:creationId xmlns:a16="http://schemas.microsoft.com/office/drawing/2014/main" id="{DD9B8E45-0772-954C-8D4B-6E6808DFEDED}"/>
+              </a:ext>
+            </a:extLst>
+          </p:cNvPr>
+          <p:cNvSpPr>
+            <a:spLocks noGrp="1"/>
+          </p:cNvSpPr>
+          <p:nvPr>
+            <p:ph type="title"/>
+          </p:nvPr>
+        </p:nvSpPr>
+        <p:spPr>
+          <a:xfrm>
+            <a:off x="838200" y="365129"/>
+            <a:ext cx="10002520" cy="1325563"/>
+          </a:xfrm>
+          <a:prstGeom prst="rect">
+            <a:avLst/>
+          </a:prstGeom>
+        </p:spPr>
+        <p:txBody>
+          <a:bodyPr/>
+          <a:lstStyle/>
+          <a:p>
+            <a:pPr lvl="0" indent="0" marL="0">
+              <a:buNone/>
+            </a:pPr>
+            <a:r>
+              <a:rPr/>
+              <a:t>Technological Skills</a:t>
+            </a:r>
+          </a:p>
+        </p:txBody>
+      </p:sp>
+      <p:pic>
+        <p:nvPicPr>
+          <p:cNvPr descr="images/paste-2BE97958.png" id="0" name="Picture 1"/>
+          <p:cNvPicPr>
+            <a:picLocks noGrp="1" noChangeAspect="1"/>
+          </p:cNvPicPr>
+          <p:nvPr/>
+        </p:nvPicPr>
+        <p:blipFill>
+          <a:blip r:embed="rId2"/>
+          <a:stretch>
+            <a:fillRect/>
+          </a:stretch>
+        </p:blipFill>
+        <p:spPr bwMode="auto">
+          <a:xfrm>
+            <a:off x="838200" y="3086100"/>
+            <a:ext cx="10515600" cy="1790700"/>
+          </a:xfrm>
+          <a:prstGeom prst="rect">
+            <a:avLst/>
+          </a:prstGeom>
+          <a:noFill/>
+          <a:ln w="9525">
+            <a:noFill/>
+            <a:headEnd/>
+            <a:tailEnd/>
+          </a:ln>
+        </p:spPr>
+      </p:pic>
+    </p:spTree>
+  </p:cSld>
+</p:sld>
+</file>
+
+<file path=ppt/slides/slide16.xml><?xml version="1.0" encoding="utf-8"?>
+<p:sld xmlns:a="http://schemas.openxmlformats.org/drawingml/2006/main" xmlns:r="http://schemas.openxmlformats.org/officeDocument/2006/relationships" xmlns:p="http://schemas.openxmlformats.org/presentationml/2006/main">
+  <p:cSld>
+    <p:spTree>
+      <p:nvGrpSpPr>
+        <p:cNvPr id="1" name=""/>
+        <p:cNvGrpSpPr/>
+        <p:nvPr/>
+      </p:nvGrpSpPr>
+      <p:grpSpPr>
+        <a:xfrm>
+          <a:off x="0" y="0"/>
+          <a:ext cx="0" cy="0"/>
+          <a:chOff x="0" y="0"/>
+          <a:chExt cx="0" cy="0"/>
+        </a:xfrm>
+      </p:grpSpPr>
+      <p:sp>
+        <p:nvSpPr>
+          <p:cNvPr id="2" name="Title 1">
+            <a:extLst>
+              <a:ext uri="{FF2B5EF4-FFF2-40B4-BE49-F238E27FC236}">
+                <a16:creationId xmlns:a16="http://schemas.microsoft.com/office/drawing/2014/main" id="{DD9B8E45-0772-954C-8D4B-6E6808DFEDED}"/>
+              </a:ext>
+            </a:extLst>
+          </p:cNvPr>
+          <p:cNvSpPr>
+            <a:spLocks noGrp="1"/>
+          </p:cNvSpPr>
+          <p:nvPr>
+            <p:ph type="title"/>
+          </p:nvPr>
+        </p:nvSpPr>
+        <p:spPr>
+          <a:xfrm>
+            <a:off x="838200" y="365129"/>
+            <a:ext cx="10002520" cy="1325563"/>
+          </a:xfrm>
+          <a:prstGeom prst="rect">
+            <a:avLst/>
+          </a:prstGeom>
+        </p:spPr>
+        <p:txBody>
+          <a:bodyPr/>
+          <a:lstStyle/>
+          <a:p>
+            <a:pPr lvl="0" indent="0" marL="0">
+              <a:buNone/>
+            </a:pPr>
+            <a:r>
+              <a:rPr/>
+              <a:t>These are valuable skills</a:t>
+            </a:r>
+          </a:p>
+        </p:txBody>
+      </p:sp>
+      <p:sp>
+        <p:nvSpPr>
+          <p:cNvPr id="3" name="Content Placeholder 2">
+            <a:extLst>
+              <a:ext uri="{FF2B5EF4-FFF2-40B4-BE49-F238E27FC236}">
+                <a16:creationId xmlns:a16="http://schemas.microsoft.com/office/drawing/2014/main" id="{A4EB24F9-04F1-C843-9D71-56C5C024552B}"/>
+              </a:ext>
+            </a:extLst>
+          </p:cNvPr>
+          <p:cNvSpPr>
+            <a:spLocks noGrp="1"/>
+          </p:cNvSpPr>
+          <p:nvPr>
+            <p:ph idx="1"/>
+          </p:nvPr>
+        </p:nvSpPr>
+        <p:spPr/>
+        <p:txBody>
+          <a:bodyPr/>
+          <a:lstStyle/>
+          <a:p>
+            <a:pPr lvl="0" indent="0" marL="0">
+              <a:buNone/>
+            </a:pPr>
+            <a:r>
+              <a:rPr/>
+              <a:t>I’m going to try to ‘connect the dots’ for you along the way</a:t>
+            </a:r>
+          </a:p>
+          <a:p>
+            <a:pPr lvl="0"/>
+            <a:r>
+              <a:rPr/>
+              <a:t>Cognitive (e.g., creativity and information management).</a:t>
+            </a:r>
+          </a:p>
+          <a:p>
+            <a:pPr lvl="0"/>
+            <a:r>
+              <a:rPr/>
+              <a:t>Communication (e.g., active listening and public speaking).</a:t>
+            </a:r>
+          </a:p>
+          <a:p>
+            <a:pPr lvl="0"/>
+            <a:r>
+              <a:rPr/>
+              <a:t>Personal (e.g., conscientiousness and integrity).</a:t>
+            </a:r>
+          </a:p>
+          <a:p>
+            <a:pPr lvl="0"/>
+            <a:r>
+              <a:rPr/>
+              <a:t>Social (e.g., collaboration and leadership abilities).</a:t>
+            </a:r>
+          </a:p>
+          <a:p>
+            <a:pPr lvl="0"/>
+            <a:r>
+              <a:rPr/>
+              <a:t>Technological (e.g., flexibility and familiarity with hardware and software).</a:t>
+            </a:r>
+          </a:p>
+          <a:p>
+            <a:pPr lvl="0"/>
+            <a:r>
+              <a:rPr/>
+              <a:t>No actual mention of the ‘content’ - </a:t>
+            </a:r>
+            <a:r>
+              <a:rPr b="1"/>
+              <a:t>Psychology</a:t>
+            </a:r>
+            <a:r>
+              <a:rPr/>
+              <a:t> or </a:t>
+            </a:r>
+            <a:r>
+              <a:rPr b="1"/>
+              <a:t>Research</a:t>
+            </a:r>
+          </a:p>
+        </p:txBody>
+      </p:sp>
+    </p:spTree>
+  </p:cSld>
+  <p:timing>
+    <p:tnLst>
+      <p:par>
+        <p:cTn id="1" dur="indefinite" restart="never" nodeType="tmRoot">
+          <p:childTnLst>
+            <p:seq concurrent="1" nextAc="seek">
+              <p:cTn id="2" dur="indefinite" nodeType="mainSeq">
+                <p:childTnLst>
+                  <p:par>
+                    <p:cTn id="3" fill="hold">
+                      <p:stCondLst>
+                        <p:cond delay="indefinite"/>
+                      </p:stCondLst>
+                      <p:childTnLst>
+                        <p:par>
+                          <p:cTn id="4" fill="hold">
+                            <p:stCondLst>
+                              <p:cond delay="0"/>
+                            </p:stCondLst>
+                            <p:childTnLst>
+                              <p:par>
+                                <p:cTn id="5" presetID="1" presetClass="entr" presetSubtype="0" fill="hold" grpId="0" nodeType="clickEffect">
+                                  <p:stCondLst>
+                                    <p:cond delay="0"/>
+                                  </p:stCondLst>
+                                  <p:childTnLst>
+                                    <p:set>
+                                      <p:cBhvr>
+                                        <p:cTn id="6" dur="1" fill="hold">
+                                          <p:stCondLst>
+                                            <p:cond delay="0"/>
+                                          </p:stCondLst>
+                                        </p:cTn>
+                                        <p:tgtEl>
+                                          <p:spTgt spid="3">
+                                            <p:txEl>
+                                              <p:pRg st="1" end="1"/>
+                                            </p:txEl>
+                                          </p:spTgt>
+                                        </p:tgtEl>
+                                        <p:attrNameLst>
+                                          <p:attrName>style.visibility</p:attrName>
+                                        </p:attrNameLst>
+                                      </p:cBhvr>
+                                      <p:to>
+                                        <p:strVal val="visible"/>
+                                      </p:to>
+                                    </p:set>
+                                  </p:childTnLst>
+                                </p:cTn>
+                              </p:par>
+                            </p:childTnLst>
+                          </p:cTn>
+                        </p:par>
+                      </p:childTnLst>
+                    </p:cTn>
+                  </p:par>
+                  <p:par>
+                    <p:cTn id="7" fill="hold">
+                      <p:stCondLst>
+                        <p:cond delay="indefinite"/>
+                      </p:stCondLst>
+                      <p:childTnLst>
+                        <p:par>
+                          <p:cTn id="8" fill="hold">
+                            <p:stCondLst>
+                              <p:cond delay="0"/>
+                            </p:stCondLst>
+                            <p:childTnLst>
+                              <p:par>
+                                <p:cTn id="9" presetID="1" presetClass="entr" presetSubtype="0" fill="hold" grpId="0" nodeType="clickEffect">
+                                  <p:stCondLst>
+                                    <p:cond delay="0"/>
+                                  </p:stCondLst>
+                                  <p:childTnLst>
+                                    <p:set>
+                                      <p:cBhvr>
+                                        <p:cTn id="10" dur="1" fill="hold">
+                                          <p:stCondLst>
+                                            <p:cond delay="0"/>
+                                          </p:stCondLst>
+                                        </p:cTn>
+                                        <p:tgtEl>
+                                          <p:spTgt spid="3">
+                                            <p:txEl>
+                                              <p:pRg st="2" end="2"/>
+                                            </p:txEl>
+                                          </p:spTgt>
+                                        </p:tgtEl>
+                                        <p:attrNameLst>
+                                          <p:attrName>style.visibility</p:attrName>
+                                        </p:attrNameLst>
+                                      </p:cBhvr>
+                                      <p:to>
+                                        <p:strVal val="visible"/>
+                                      </p:to>
+                                    </p:set>
+                                  </p:childTnLst>
+                                </p:cTn>
+                              </p:par>
+                            </p:childTnLst>
+                          </p:cTn>
+                        </p:par>
+                      </p:childTnLst>
+                    </p:cTn>
+                  </p:par>
+                  <p:par>
+                    <p:cTn id="11" fill="hold">
+                      <p:stCondLst>
+                        <p:cond delay="indefinite"/>
+                      </p:stCondLst>
+                      <p:childTnLst>
+                        <p:par>
+                          <p:cTn id="12" fill="hold">
+                            <p:stCondLst>
+                              <p:cond delay="0"/>
+                            </p:stCondLst>
+                            <p:childTnLst>
+                              <p:par>
+                                <p:cTn id="13" presetID="1" presetClass="entr" presetSubtype="0" fill="hold" grpId="0" nodeType="clickEffect">
+                                  <p:stCondLst>
+                                    <p:cond delay="0"/>
+                                  </p:stCondLst>
+                                  <p:childTnLst>
+                                    <p:set>
+                                      <p:cBhvr>
+                                        <p:cTn id="14" dur="1" fill="hold">
+                                          <p:stCondLst>
+                                            <p:cond delay="0"/>
+                                          </p:stCondLst>
+                                        </p:cTn>
+                                        <p:tgtEl>
+                                          <p:spTgt spid="3">
+                                            <p:txEl>
+                                              <p:pRg st="3" end="3"/>
+                                            </p:txEl>
+                                          </p:spTgt>
+                                        </p:tgtEl>
+                                        <p:attrNameLst>
+                                          <p:attrName>style.visibility</p:attrName>
+                                        </p:attrNameLst>
+                                      </p:cBhvr>
+                                      <p:to>
+                                        <p:strVal val="visible"/>
+                                      </p:to>
+                                    </p:set>
+                                  </p:childTnLst>
+                                </p:cTn>
+                              </p:par>
+                            </p:childTnLst>
+                          </p:cTn>
+                        </p:par>
+                      </p:childTnLst>
+                    </p:cTn>
+                  </p:par>
+                  <p:par>
+                    <p:cTn id="15" fill="hold">
+                      <p:stCondLst>
+                        <p:cond delay="indefinite"/>
+                      </p:stCondLst>
+                      <p:childTnLst>
+                        <p:par>
+                          <p:cTn id="16" fill="hold">
+                            <p:stCondLst>
+                              <p:cond delay="0"/>
+                            </p:stCondLst>
+                            <p:childTnLst>
+                              <p:par>
+                                <p:cTn id="17" presetID="1" presetClass="entr" presetSubtype="0" fill="hold" grpId="0" nodeType="clickEffect">
+                                  <p:stCondLst>
+                                    <p:cond delay="0"/>
+                                  </p:stCondLst>
+                                  <p:childTnLst>
+                                    <p:set>
+                                      <p:cBhvr>
+                                        <p:cTn id="18" dur="1" fill="hold">
+                                          <p:stCondLst>
+                                            <p:cond delay="0"/>
+                                          </p:stCondLst>
+                                        </p:cTn>
+                                        <p:tgtEl>
+                                          <p:spTgt spid="3">
+                                            <p:txEl>
+                                              <p:pRg st="4" end="4"/>
+                                            </p:txEl>
+                                          </p:spTgt>
+                                        </p:tgtEl>
+                                        <p:attrNameLst>
+                                          <p:attrName>style.visibility</p:attrName>
+                                        </p:attrNameLst>
+                                      </p:cBhvr>
+                                      <p:to>
+                                        <p:strVal val="visible"/>
+                                      </p:to>
+                                    </p:set>
+                                  </p:childTnLst>
+                                </p:cTn>
+                              </p:par>
+                            </p:childTnLst>
+                          </p:cTn>
+                        </p:par>
+                      </p:childTnLst>
+                    </p:cTn>
+                  </p:par>
+                  <p:par>
+                    <p:cTn id="19" fill="hold">
+                      <p:stCondLst>
+                        <p:cond delay="indefinite"/>
+                      </p:stCondLst>
+                      <p:childTnLst>
+                        <p:par>
+                          <p:cTn id="20" fill="hold">
+                            <p:stCondLst>
+                              <p:cond delay="0"/>
+                            </p:stCondLst>
+                            <p:childTnLst>
+                              <p:par>
+                                <p:cTn id="21" presetID="1" presetClass="entr" presetSubtype="0" fill="hold" grpId="0" nodeType="clickEffect">
+                                  <p:stCondLst>
+                                    <p:cond delay="0"/>
+                                  </p:stCondLst>
+                                  <p:childTnLst>
+                                    <p:set>
+                                      <p:cBhvr>
+                                        <p:cTn id="22" dur="1" fill="hold">
+                                          <p:stCondLst>
+                                            <p:cond delay="0"/>
+                                          </p:stCondLst>
+                                        </p:cTn>
+                                        <p:tgtEl>
+                                          <p:spTgt spid="3">
+                                            <p:txEl>
+                                              <p:pRg st="5" end="5"/>
+                                            </p:txEl>
+                                          </p:spTgt>
+                                        </p:tgtEl>
+                                        <p:attrNameLst>
+                                          <p:attrName>style.visibility</p:attrName>
+                                        </p:attrNameLst>
+                                      </p:cBhvr>
+                                      <p:to>
+                                        <p:strVal val="visible"/>
+                                      </p:to>
+                                    </p:set>
+                                  </p:childTnLst>
+                                </p:cTn>
+                              </p:par>
+                            </p:childTnLst>
+                          </p:cTn>
+                        </p:par>
+                      </p:childTnLst>
+                    </p:cTn>
+                  </p:par>
+                  <p:par>
+                    <p:cTn id="23" fill="hold">
+                      <p:stCondLst>
+                        <p:cond delay="indefinite"/>
+                      </p:stCondLst>
+                      <p:childTnLst>
+                        <p:par>
+                          <p:cTn id="24" fill="hold">
+                            <p:stCondLst>
+                              <p:cond delay="0"/>
+                            </p:stCondLst>
+                            <p:childTnLst>
+                              <p:par>
+                                <p:cTn id="25" presetID="1" presetClass="entr" presetSubtype="0" fill="hold" grpId="0" nodeType="clickEffect">
+                                  <p:stCondLst>
+                                    <p:cond delay="0"/>
+                                  </p:stCondLst>
+                                  <p:childTnLst>
+                                    <p:set>
+                                      <p:cBhvr>
+                                        <p:cTn id="26" dur="1" fill="hold">
+                                          <p:stCondLst>
+                                            <p:cond delay="0"/>
+                                          </p:stCondLst>
+                                        </p:cTn>
+                                        <p:tgtEl>
+                                          <p:spTgt spid="3">
+                                            <p:txEl>
+                                              <p:pRg st="6" end="6"/>
+                                            </p:txEl>
+                                          </p:spTgt>
+                                        </p:tgtEl>
+                                        <p:attrNameLst>
+                                          <p:attrName>style.visibility</p:attrName>
+                                        </p:attrNameLst>
+                                      </p:cBhvr>
+                                      <p:to>
+                                        <p:strVal val="visible"/>
+                                      </p:to>
+                                    </p:set>
+                                  </p:childTnLst>
+                                </p:cTn>
+                              </p:par>
+                            </p:childTnLst>
+                          </p:cTn>
+                        </p:par>
+                      </p:childTnLst>
+                    </p:cTn>
+                  </p:par>
+                </p:childTnLst>
+              </p:cTn>
+              <p:prevCondLst>
+                <p:cond evt="onPrev" delay="0">
+                  <p:tgtEl>
+                    <p:sldTgt/>
+                  </p:tgtEl>
+                </p:cond>
+              </p:prevCondLst>
+              <p:nextCondLst>
+                <p:cond evt="onNext" delay="0">
+                  <p:tgtEl>
+                    <p:sldTgt/>
+                  </p:tgtEl>
+                </p:cond>
+              </p:nextCondLst>
+            </p:seq>
+          </p:childTnLst>
+        </p:cTn>
+      </p:par>
+    </p:tnLst>
+    <p:bldLst>
+      <p:bldP spid="3" grpId="0" uiExpand="1" build="p"/>
+    </p:bldLst>
+  </p:timing>
+</p:sld>
+</file>
+
+<file path=ppt/slides/slide17.xml><?xml version="1.0" encoding="utf-8"?>
+<p:sld xmlns:a="http://schemas.openxmlformats.org/drawingml/2006/main" xmlns:r="http://schemas.openxmlformats.org/officeDocument/2006/relationships" xmlns:p="http://schemas.openxmlformats.org/presentationml/2006/main">
+  <p:cSld>
+    <p:spTree>
+      <p:nvGrpSpPr>
+        <p:cNvPr id="1" name=""/>
+        <p:cNvGrpSpPr/>
+        <p:nvPr/>
+      </p:nvGrpSpPr>
+      <p:grpSpPr>
+        <a:xfrm>
+          <a:off x="0" y="0"/>
+          <a:ext cx="0" cy="0"/>
+          <a:chOff x="0" y="0"/>
+          <a:chExt cx="0" cy="0"/>
+        </a:xfrm>
+      </p:grpSpPr>
+      <p:sp>
+        <p:nvSpPr>
+          <p:cNvPr id="2" name="Title 1">
+            <a:extLst>
+              <a:ext uri="{FF2B5EF4-FFF2-40B4-BE49-F238E27FC236}">
+                <a16:creationId xmlns:a16="http://schemas.microsoft.com/office/drawing/2014/main" id="{DD9B8E45-0772-954C-8D4B-6E6808DFEDED}"/>
+              </a:ext>
+            </a:extLst>
+          </p:cNvPr>
+          <p:cNvSpPr>
+            <a:spLocks noGrp="1"/>
+          </p:cNvSpPr>
+          <p:nvPr>
+            <p:ph type="title"/>
+          </p:nvPr>
+        </p:nvSpPr>
+        <p:spPr>
+          <a:xfrm>
+            <a:off x="838200" y="365129"/>
+            <a:ext cx="10002520" cy="1325563"/>
+          </a:xfrm>
+          <a:prstGeom prst="rect">
+            <a:avLst/>
+          </a:prstGeom>
+        </p:spPr>
+        <p:txBody>
+          <a:bodyPr/>
+          <a:lstStyle/>
+          <a:p>
+            <a:pPr lvl="0" indent="0" marL="0">
+              <a:buNone/>
+            </a:pPr>
+            <a:r>
+              <a:rPr/>
+              <a:t>You aren’t spectators any more, you’re Scientists!</a:t>
+            </a:r>
+          </a:p>
+        </p:txBody>
+      </p:sp>
+      <p:sp>
+        <p:nvSpPr>
+          <p:cNvPr id="3" name="Content Placeholder 2">
+            <a:extLst>
+              <a:ext uri="{FF2B5EF4-FFF2-40B4-BE49-F238E27FC236}">
+                <a16:creationId xmlns:a16="http://schemas.microsoft.com/office/drawing/2014/main" id="{A4EB24F9-04F1-C843-9D71-56C5C024552B}"/>
+              </a:ext>
+            </a:extLst>
+          </p:cNvPr>
+          <p:cNvSpPr>
+            <a:spLocks noGrp="1"/>
+          </p:cNvSpPr>
+          <p:nvPr>
+            <p:ph idx="1"/>
+          </p:nvPr>
+        </p:nvSpPr>
+        <p:spPr/>
+        <p:txBody>
+          <a:bodyPr/>
+          <a:lstStyle/>
+          <a:p>
+            <a:pPr lvl="0" indent="0" marL="0">
+              <a:buNone/>
+            </a:pPr>
+            <a:r>
+              <a:rPr/>
+              <a:t>In small groups of 3 or 4 people, you will:</a:t>
+            </a:r>
+          </a:p>
+          <a:p>
+            <a:pPr lvl="0"/>
+            <a:r>
+              <a:rPr/>
+              <a:t>Identify an area of psychological research</a:t>
+            </a:r>
+          </a:p>
+          <a:p>
+            <a:pPr lvl="0"/>
+            <a:r>
+              <a:rPr/>
+              <a:t>Review and critique the literature in this area (Critical Proposal)</a:t>
+            </a:r>
+          </a:p>
+          <a:p>
+            <a:pPr lvl="0"/>
+            <a:r>
+              <a:rPr/>
+              <a:t>Develop a testable hypothesis</a:t>
+            </a:r>
+          </a:p>
+          <a:p>
+            <a:pPr lvl="0"/>
+            <a:r>
+              <a:rPr/>
+              <a:t>Design a 2x2 ANOVA experiment unique to you (within your group study)</a:t>
+            </a:r>
+          </a:p>
+          <a:p>
+            <a:pPr lvl="0"/>
+            <a:r>
+              <a:rPr/>
+              <a:t>Obtain Ethical Approval for your experiment</a:t>
+            </a:r>
+          </a:p>
+          <a:p>
+            <a:pPr lvl="0"/>
+            <a:r>
+              <a:rPr/>
+              <a:t>Collect REAL data</a:t>
+            </a:r>
+          </a:p>
+          <a:p>
+            <a:pPr lvl="0"/>
+            <a:r>
+              <a:rPr/>
+              <a:t>Analyse these data</a:t>
+            </a:r>
+          </a:p>
+          <a:p>
+            <a:pPr lvl="0"/>
+            <a:r>
+              <a:rPr/>
+              <a:t>Write up the results in APA format with Open Data and Materials (Mini-Diss)</a:t>
+            </a:r>
+          </a:p>
+          <a:p>
+            <a:pPr lvl="0"/>
+            <a:r>
+              <a:rPr/>
+              <a:t>Reflect on your learning and development journey (CHIP Learning Log)</a:t>
+            </a:r>
+          </a:p>
+        </p:txBody>
+      </p:sp>
+    </p:spTree>
+  </p:cSld>
+  <p:timing>
+    <p:tnLst>
+      <p:par>
+        <p:cTn id="1" dur="indefinite" restart="never" nodeType="tmRoot">
+          <p:childTnLst>
+            <p:seq concurrent="1" nextAc="seek">
+              <p:cTn id="2" dur="indefinite" nodeType="mainSeq">
+                <p:childTnLst>
+                  <p:par>
+                    <p:cTn id="3" fill="hold">
+                      <p:stCondLst>
+                        <p:cond delay="indefinite"/>
+                      </p:stCondLst>
+                      <p:childTnLst>
+                        <p:par>
+                          <p:cTn id="4" fill="hold">
+                            <p:stCondLst>
+                              <p:cond delay="0"/>
+                            </p:stCondLst>
+                            <p:childTnLst>
+                              <p:par>
+                                <p:cTn id="5" presetID="1" presetClass="entr" presetSubtype="0" fill="hold" grpId="0" nodeType="clickEffect">
+                                  <p:stCondLst>
+                                    <p:cond delay="0"/>
+                                  </p:stCondLst>
+                                  <p:childTnLst>
+                                    <p:set>
+                                      <p:cBhvr>
+                                        <p:cTn id="6" dur="1" fill="hold">
+                                          <p:stCondLst>
+                                            <p:cond delay="0"/>
+                                          </p:stCondLst>
+                                        </p:cTn>
+                                        <p:tgtEl>
+                                          <p:spTgt spid="3">
+                                            <p:txEl>
+                                              <p:pRg st="1" end="1"/>
+                                            </p:txEl>
+                                          </p:spTgt>
+                                        </p:tgtEl>
+                                        <p:attrNameLst>
+                                          <p:attrName>style.visibility</p:attrName>
+                                        </p:attrNameLst>
+                                      </p:cBhvr>
+                                      <p:to>
+                                        <p:strVal val="visible"/>
+                                      </p:to>
+                                    </p:set>
+                                  </p:childTnLst>
+                                </p:cTn>
+                              </p:par>
+                            </p:childTnLst>
+                          </p:cTn>
+                        </p:par>
+                      </p:childTnLst>
+                    </p:cTn>
+                  </p:par>
+                  <p:par>
+                    <p:cTn id="7" fill="hold">
+                      <p:stCondLst>
+                        <p:cond delay="indefinite"/>
+                      </p:stCondLst>
+                      <p:childTnLst>
+                        <p:par>
+                          <p:cTn id="8" fill="hold">
+                            <p:stCondLst>
+                              <p:cond delay="0"/>
+                            </p:stCondLst>
+                            <p:childTnLst>
+                              <p:par>
+                                <p:cTn id="9" presetID="1" presetClass="entr" presetSubtype="0" fill="hold" grpId="0" nodeType="clickEffect">
+                                  <p:stCondLst>
+                                    <p:cond delay="0"/>
+                                  </p:stCondLst>
+                                  <p:childTnLst>
+                                    <p:set>
+                                      <p:cBhvr>
+                                        <p:cTn id="10" dur="1" fill="hold">
+                                          <p:stCondLst>
+                                            <p:cond delay="0"/>
+                                          </p:stCondLst>
+                                        </p:cTn>
+                                        <p:tgtEl>
+                                          <p:spTgt spid="3">
+                                            <p:txEl>
+                                              <p:pRg st="2" end="2"/>
+                                            </p:txEl>
+                                          </p:spTgt>
+                                        </p:tgtEl>
+                                        <p:attrNameLst>
+                                          <p:attrName>style.visibility</p:attrName>
+                                        </p:attrNameLst>
+                                      </p:cBhvr>
+                                      <p:to>
+                                        <p:strVal val="visible"/>
+                                      </p:to>
+                                    </p:set>
+                                  </p:childTnLst>
+                                </p:cTn>
+                              </p:par>
+                            </p:childTnLst>
+                          </p:cTn>
+                        </p:par>
+                      </p:childTnLst>
+                    </p:cTn>
+                  </p:par>
+                  <p:par>
+                    <p:cTn id="11" fill="hold">
+                      <p:stCondLst>
+                        <p:cond delay="indefinite"/>
+                      </p:stCondLst>
+                      <p:childTnLst>
+                        <p:par>
+                          <p:cTn id="12" fill="hold">
+                            <p:stCondLst>
+                              <p:cond delay="0"/>
+                            </p:stCondLst>
+                            <p:childTnLst>
+                              <p:par>
+                                <p:cTn id="13" presetID="1" presetClass="entr" presetSubtype="0" fill="hold" grpId="0" nodeType="clickEffect">
+                                  <p:stCondLst>
+                                    <p:cond delay="0"/>
+                                  </p:stCondLst>
+                                  <p:childTnLst>
+                                    <p:set>
+                                      <p:cBhvr>
+                                        <p:cTn id="14" dur="1" fill="hold">
+                                          <p:stCondLst>
+                                            <p:cond delay="0"/>
+                                          </p:stCondLst>
+                                        </p:cTn>
+                                        <p:tgtEl>
+                                          <p:spTgt spid="3">
+                                            <p:txEl>
+                                              <p:pRg st="3" end="3"/>
+                                            </p:txEl>
+                                          </p:spTgt>
+                                        </p:tgtEl>
+                                        <p:attrNameLst>
+                                          <p:attrName>style.visibility</p:attrName>
+                                        </p:attrNameLst>
+                                      </p:cBhvr>
+                                      <p:to>
+                                        <p:strVal val="visible"/>
+                                      </p:to>
+                                    </p:set>
+                                  </p:childTnLst>
+                                </p:cTn>
+                              </p:par>
+                            </p:childTnLst>
+                          </p:cTn>
+                        </p:par>
+                      </p:childTnLst>
+                    </p:cTn>
+                  </p:par>
+                  <p:par>
+                    <p:cTn id="15" fill="hold">
+                      <p:stCondLst>
+                        <p:cond delay="indefinite"/>
+                      </p:stCondLst>
+                      <p:childTnLst>
+                        <p:par>
+                          <p:cTn id="16" fill="hold">
+                            <p:stCondLst>
+                              <p:cond delay="0"/>
+                            </p:stCondLst>
+                            <p:childTnLst>
+                              <p:par>
+                                <p:cTn id="17" presetID="1" presetClass="entr" presetSubtype="0" fill="hold" grpId="0" nodeType="clickEffect">
+                                  <p:stCondLst>
+                                    <p:cond delay="0"/>
+                                  </p:stCondLst>
+                                  <p:childTnLst>
+                                    <p:set>
+                                      <p:cBhvr>
+                                        <p:cTn id="18" dur="1" fill="hold">
+                                          <p:stCondLst>
+                                            <p:cond delay="0"/>
+                                          </p:stCondLst>
+                                        </p:cTn>
+                                        <p:tgtEl>
+                                          <p:spTgt spid="3">
+                                            <p:txEl>
+                                              <p:pRg st="4" end="4"/>
+                                            </p:txEl>
+                                          </p:spTgt>
+                                        </p:tgtEl>
+                                        <p:attrNameLst>
+                                          <p:attrName>style.visibility</p:attrName>
+                                        </p:attrNameLst>
+                                      </p:cBhvr>
+                                      <p:to>
+                                        <p:strVal val="visible"/>
+                                      </p:to>
+                                    </p:set>
+                                  </p:childTnLst>
+                                </p:cTn>
+                              </p:par>
+                            </p:childTnLst>
+                          </p:cTn>
+                        </p:par>
+                      </p:childTnLst>
+                    </p:cTn>
+                  </p:par>
+                  <p:par>
+                    <p:cTn id="19" fill="hold">
+                      <p:stCondLst>
+                        <p:cond delay="indefinite"/>
+                      </p:stCondLst>
+                      <p:childTnLst>
+                        <p:par>
+                          <p:cTn id="20" fill="hold">
+                            <p:stCondLst>
+                              <p:cond delay="0"/>
+                            </p:stCondLst>
+                            <p:childTnLst>
+                              <p:par>
+                                <p:cTn id="21" presetID="1" presetClass="entr" presetSubtype="0" fill="hold" grpId="0" nodeType="clickEffect">
+                                  <p:stCondLst>
+                                    <p:cond delay="0"/>
+                                  </p:stCondLst>
+                                  <p:childTnLst>
+                                    <p:set>
+                                      <p:cBhvr>
+                                        <p:cTn id="22" dur="1" fill="hold">
+                                          <p:stCondLst>
+                                            <p:cond delay="0"/>
+                                          </p:stCondLst>
+                                        </p:cTn>
+                                        <p:tgtEl>
+                                          <p:spTgt spid="3">
+                                            <p:txEl>
+                                              <p:pRg st="5" end="5"/>
+                                            </p:txEl>
+                                          </p:spTgt>
+                                        </p:tgtEl>
+                                        <p:attrNameLst>
+                                          <p:attrName>style.visibility</p:attrName>
+                                        </p:attrNameLst>
+                                      </p:cBhvr>
+                                      <p:to>
+                                        <p:strVal val="visible"/>
+                                      </p:to>
+                                    </p:set>
+                                  </p:childTnLst>
+                                </p:cTn>
+                              </p:par>
+                            </p:childTnLst>
+                          </p:cTn>
+                        </p:par>
+                      </p:childTnLst>
+                    </p:cTn>
+                  </p:par>
+                  <p:par>
+                    <p:cTn id="23" fill="hold">
+                      <p:stCondLst>
+                        <p:cond delay="indefinite"/>
+                      </p:stCondLst>
+                      <p:childTnLst>
+                        <p:par>
+                          <p:cTn id="24" fill="hold">
+                            <p:stCondLst>
+                              <p:cond delay="0"/>
+                            </p:stCondLst>
+                            <p:childTnLst>
+                              <p:par>
+                                <p:cTn id="25" presetID="1" presetClass="entr" presetSubtype="0" fill="hold" grpId="0" nodeType="clickEffect">
+                                  <p:stCondLst>
+                                    <p:cond delay="0"/>
+                                  </p:stCondLst>
+                                  <p:childTnLst>
+                                    <p:set>
+                                      <p:cBhvr>
+                                        <p:cTn id="26" dur="1" fill="hold">
+                                          <p:stCondLst>
+                                            <p:cond delay="0"/>
+                                          </p:stCondLst>
+                                        </p:cTn>
+                                        <p:tgtEl>
+                                          <p:spTgt spid="3">
+                                            <p:txEl>
+                                              <p:pRg st="6" end="6"/>
+                                            </p:txEl>
+                                          </p:spTgt>
+                                        </p:tgtEl>
+                                        <p:attrNameLst>
+                                          <p:attrName>style.visibility</p:attrName>
+                                        </p:attrNameLst>
+                                      </p:cBhvr>
+                                      <p:to>
+                                        <p:strVal val="visible"/>
+                                      </p:to>
+                                    </p:set>
+                                  </p:childTnLst>
+                                </p:cTn>
+                              </p:par>
+                            </p:childTnLst>
+                          </p:cTn>
+                        </p:par>
+                      </p:childTnLst>
+                    </p:cTn>
+                  </p:par>
+                  <p:par>
+                    <p:cTn id="27" fill="hold">
+                      <p:stCondLst>
+                        <p:cond delay="indefinite"/>
+                      </p:stCondLst>
+                      <p:childTnLst>
+                        <p:par>
+                          <p:cTn id="28" fill="hold">
+                            <p:stCondLst>
+                              <p:cond delay="0"/>
+                            </p:stCondLst>
+                            <p:childTnLst>
+                              <p:par>
+                                <p:cTn id="29" presetID="1" presetClass="entr" presetSubtype="0" fill="hold" grpId="0" nodeType="clickEffect">
+                                  <p:stCondLst>
+                                    <p:cond delay="0"/>
+                                  </p:stCondLst>
+                                  <p:childTnLst>
+                                    <p:set>
+                                      <p:cBhvr>
+                                        <p:cTn id="30" dur="1" fill="hold">
+                                          <p:stCondLst>
+                                            <p:cond delay="0"/>
+                                          </p:stCondLst>
+                                        </p:cTn>
+                                        <p:tgtEl>
+                                          <p:spTgt spid="3">
+                                            <p:txEl>
+                                              <p:pRg st="7" end="7"/>
+                                            </p:txEl>
+                                          </p:spTgt>
+                                        </p:tgtEl>
+                                        <p:attrNameLst>
+                                          <p:attrName>style.visibility</p:attrName>
+                                        </p:attrNameLst>
+                                      </p:cBhvr>
+                                      <p:to>
+                                        <p:strVal val="visible"/>
+                                      </p:to>
+                                    </p:set>
+                                  </p:childTnLst>
+                                </p:cTn>
+                              </p:par>
+                            </p:childTnLst>
+                          </p:cTn>
+                        </p:par>
+                      </p:childTnLst>
+                    </p:cTn>
+                  </p:par>
+                  <p:par>
+                    <p:cTn id="31" fill="hold">
+                      <p:stCondLst>
+                        <p:cond delay="indefinite"/>
+                      </p:stCondLst>
+                      <p:childTnLst>
+                        <p:par>
+                          <p:cTn id="32" fill="hold">
+                            <p:stCondLst>
+                              <p:cond delay="0"/>
+                            </p:stCondLst>
+                            <p:childTnLst>
+                              <p:par>
+                                <p:cTn id="33" presetID="1" presetClass="entr" presetSubtype="0" fill="hold" grpId="0" nodeType="clickEffect">
+                                  <p:stCondLst>
+                                    <p:cond delay="0"/>
+                                  </p:stCondLst>
+                                  <p:childTnLst>
+                                    <p:set>
+                                      <p:cBhvr>
+                                        <p:cTn id="34" dur="1" fill="hold">
+                                          <p:stCondLst>
+                                            <p:cond delay="0"/>
+                                          </p:stCondLst>
+                                        </p:cTn>
+                                        <p:tgtEl>
+                                          <p:spTgt spid="3">
+                                            <p:txEl>
+                                              <p:pRg st="8" end="8"/>
+                                            </p:txEl>
+                                          </p:spTgt>
+                                        </p:tgtEl>
+                                        <p:attrNameLst>
+                                          <p:attrName>style.visibility</p:attrName>
+                                        </p:attrNameLst>
+                                      </p:cBhvr>
+                                      <p:to>
+                                        <p:strVal val="visible"/>
+                                      </p:to>
+                                    </p:set>
+                                  </p:childTnLst>
+                                </p:cTn>
+                              </p:par>
+                            </p:childTnLst>
+                          </p:cTn>
+                        </p:par>
+                      </p:childTnLst>
+                    </p:cTn>
+                  </p:par>
+                  <p:par>
+                    <p:cTn id="35" fill="hold">
+                      <p:stCondLst>
+                        <p:cond delay="indefinite"/>
+                      </p:stCondLst>
+                      <p:childTnLst>
+                        <p:par>
+                          <p:cTn id="36" fill="hold">
+                            <p:stCondLst>
+                              <p:cond delay="0"/>
+                            </p:stCondLst>
+                            <p:childTnLst>
+                              <p:par>
+                                <p:cTn id="37" presetID="1" presetClass="entr" presetSubtype="0" fill="hold" grpId="0" nodeType="clickEffect">
+                                  <p:stCondLst>
+                                    <p:cond delay="0"/>
+                                  </p:stCondLst>
+                                  <p:childTnLst>
+                                    <p:set>
+                                      <p:cBhvr>
+                                        <p:cTn id="38" dur="1" fill="hold">
+                                          <p:stCondLst>
+                                            <p:cond delay="0"/>
+                                          </p:stCondLst>
+                                        </p:cTn>
+                                        <p:tgtEl>
+                                          <p:spTgt spid="3">
+                                            <p:txEl>
+                                              <p:pRg st="9" end="9"/>
+                                            </p:txEl>
+                                          </p:spTgt>
+                                        </p:tgtEl>
+                                        <p:attrNameLst>
+                                          <p:attrName>style.visibility</p:attrName>
+                                        </p:attrNameLst>
+                                      </p:cBhvr>
+                                      <p:to>
+                                        <p:strVal val="visible"/>
+                                      </p:to>
+                                    </p:set>
+                                  </p:childTnLst>
+                                </p:cTn>
+                              </p:par>
+                            </p:childTnLst>
+                          </p:cTn>
+                        </p:par>
+                      </p:childTnLst>
+                    </p:cTn>
+                  </p:par>
+                </p:childTnLst>
+              </p:cTn>
+              <p:prevCondLst>
+                <p:cond evt="onPrev" delay="0">
+                  <p:tgtEl>
+                    <p:sldTgt/>
+                  </p:tgtEl>
+                </p:cond>
+              </p:prevCondLst>
+              <p:nextCondLst>
+                <p:cond evt="onNext" delay="0">
+                  <p:tgtEl>
+                    <p:sldTgt/>
+                  </p:tgtEl>
+                </p:cond>
+              </p:nextCondLst>
+            </p:seq>
+          </p:childTnLst>
+        </p:cTn>
+      </p:par>
+    </p:tnLst>
+    <p:bldLst>
+      <p:bldP spid="3" grpId="0" uiExpand="1" build="p"/>
+    </p:bldLst>
+  </p:timing>
+</p:sld>
+</file>
+
+<file path=ppt/slides/slide18.xml><?xml version="1.0" encoding="utf-8"?>
+<p:sld xmlns:a="http://schemas.openxmlformats.org/drawingml/2006/main" xmlns:r="http://schemas.openxmlformats.org/officeDocument/2006/relationships" xmlns:p="http://schemas.openxmlformats.org/presentationml/2006/main">
+  <p:cSld>
+    <p:spTree>
+      <p:nvGrpSpPr>
+        <p:cNvPr id="1" name=""/>
+        <p:cNvGrpSpPr/>
+        <p:nvPr/>
+      </p:nvGrpSpPr>
+      <p:grpSpPr>
+        <a:xfrm>
+          <a:off x="0" y="0"/>
+          <a:ext cx="0" cy="0"/>
+          <a:chOff x="0" y="0"/>
+          <a:chExt cx="0" cy="0"/>
+        </a:xfrm>
+      </p:grpSpPr>
+      <p:sp>
+        <p:nvSpPr>
+          <p:cNvPr id="2" name="Title 1">
+            <a:extLst>
+              <a:ext uri="{FF2B5EF4-FFF2-40B4-BE49-F238E27FC236}">
+                <a16:creationId xmlns:a16="http://schemas.microsoft.com/office/drawing/2014/main" id="{DD9B8E45-0772-954C-8D4B-6E6808DFEDED}"/>
+              </a:ext>
+            </a:extLst>
+          </p:cNvPr>
+          <p:cNvSpPr>
+            <a:spLocks noGrp="1"/>
+          </p:cNvSpPr>
+          <p:nvPr>
+            <p:ph type="title"/>
+          </p:nvPr>
+        </p:nvSpPr>
+        <p:spPr>
+          <a:xfrm>
+            <a:off x="838200" y="365129"/>
+            <a:ext cx="10002520" cy="1325563"/>
+          </a:xfrm>
+          <a:prstGeom prst="rect">
+            <a:avLst/>
+          </a:prstGeom>
+        </p:spPr>
+        <p:txBody>
+          <a:bodyPr/>
+          <a:lstStyle/>
+          <a:p>
+            <a:pPr lvl="0" indent="0" marL="0">
+              <a:buNone/>
+            </a:pPr>
+            <a:r>
+              <a:rPr/>
+              <a:t>Consider it a ‘warm up’ for your Y3 Dissertation</a:t>
+            </a:r>
+          </a:p>
+        </p:txBody>
+      </p:sp>
+      <p:sp>
+        <p:nvSpPr>
+          <p:cNvPr id="3" name="Content Placeholder 2">
+            <a:extLst>
+              <a:ext uri="{FF2B5EF4-FFF2-40B4-BE49-F238E27FC236}">
+                <a16:creationId xmlns:a16="http://schemas.microsoft.com/office/drawing/2014/main" id="{A4EB24F9-04F1-C843-9D71-56C5C024552B}"/>
+              </a:ext>
+            </a:extLst>
+          </p:cNvPr>
+          <p:cNvSpPr>
+            <a:spLocks noGrp="1"/>
+          </p:cNvSpPr>
+          <p:nvPr>
+            <p:ph idx="1"/>
+          </p:nvPr>
+        </p:nvSpPr>
+        <p:spPr/>
+        <p:txBody>
+          <a:bodyPr/>
+          <a:lstStyle/>
+          <a:p>
+            <a:pPr lvl="0"/>
+            <a:r>
+              <a:rPr/>
+              <a:t>The same 20-week timeline</a:t>
+            </a:r>
+          </a:p>
+          <a:p>
+            <a:pPr lvl="0"/>
+            <a:r>
+              <a:rPr/>
+              <a:t>The same skills and techniques you will need</a:t>
+            </a:r>
+          </a:p>
+          <a:p>
+            <a:pPr lvl="0"/>
+            <a:r>
+              <a:rPr/>
+              <a:t>Careful step-by-step guidance and support in the lab setting</a:t>
+            </a:r>
+          </a:p>
+          <a:p>
+            <a:pPr lvl="0"/>
+            <a:r>
+              <a:rPr/>
+              <a:t>Scaled-down experiments and write-ups - but all the same moving parts</a:t>
+            </a:r>
+          </a:p>
+          <a:p>
+            <a:pPr lvl="0"/>
+            <a:r>
+              <a:rPr/>
+              <a:t>The security of working in a group</a:t>
+            </a:r>
+          </a:p>
+          <a:p>
+            <a:pPr lvl="0"/>
+            <a:r>
+              <a:rPr/>
+              <a:t>Tips and advice from world-class researchers</a:t>
+            </a:r>
+          </a:p>
+          <a:p>
+            <a:pPr lvl="0"/>
+            <a:r>
+              <a:rPr/>
+              <a:t>Opportunities to think carefully about your final year Dissertation, and how to crush it!!</a:t>
+            </a:r>
+          </a:p>
+        </p:txBody>
+      </p:sp>
+    </p:spTree>
+  </p:cSld>
+</p:sld>
+</file>
+
+<file path=ppt/slides/slide19.xml><?xml version="1.0" encoding="utf-8"?>
+<p:sld xmlns:a="http://schemas.openxmlformats.org/drawingml/2006/main" xmlns:r="http://schemas.openxmlformats.org/officeDocument/2006/relationships" xmlns:p="http://schemas.openxmlformats.org/presentationml/2006/main">
+  <p:cSld>
+    <p:spTree>
+      <p:nvGrpSpPr>
+        <p:cNvPr id="1" name=""/>
+        <p:cNvGrpSpPr/>
+        <p:nvPr/>
+      </p:nvGrpSpPr>
+      <p:grpSpPr>
+        <a:xfrm>
+          <a:off x="0" y="0"/>
+          <a:ext cx="0" cy="0"/>
+          <a:chOff x="0" y="0"/>
+          <a:chExt cx="0" cy="0"/>
+        </a:xfrm>
+      </p:grpSpPr>
+      <p:sp>
+        <p:nvSpPr>
+          <p:cNvPr id="2" name="Title 1">
+            <a:extLst>
+              <a:ext uri="{FF2B5EF4-FFF2-40B4-BE49-F238E27FC236}">
+                <a16:creationId xmlns:a16="http://schemas.microsoft.com/office/drawing/2014/main" id="{DD9B8E45-0772-954C-8D4B-6E6808DFEDED}"/>
+              </a:ext>
+            </a:extLst>
+          </p:cNvPr>
+          <p:cNvSpPr>
+            <a:spLocks noGrp="1"/>
+          </p:cNvSpPr>
+          <p:nvPr>
+            <p:ph type="title"/>
+          </p:nvPr>
+        </p:nvSpPr>
+        <p:spPr>
+          <a:xfrm>
+            <a:off x="838200" y="365129"/>
+            <a:ext cx="10002520" cy="1325563"/>
+          </a:xfrm>
+          <a:prstGeom prst="rect">
+            <a:avLst/>
+          </a:prstGeom>
+        </p:spPr>
+        <p:txBody>
+          <a:bodyPr/>
+          <a:lstStyle/>
+          <a:p>
+            <a:pPr lvl="0" indent="0" marL="0">
+              <a:buNone/>
+            </a:pPr>
+            <a:r>
+              <a:rPr/>
+              <a:t>Support and guidance</a:t>
+            </a:r>
+          </a:p>
+        </p:txBody>
+      </p:sp>
+      <p:sp>
+        <p:nvSpPr>
+          <p:cNvPr id="3" name="Content Placeholder 2">
+            <a:extLst>
+              <a:ext uri="{FF2B5EF4-FFF2-40B4-BE49-F238E27FC236}">
+                <a16:creationId xmlns:a16="http://schemas.microsoft.com/office/drawing/2014/main" id="{A4EB24F9-04F1-C843-9D71-56C5C024552B}"/>
+              </a:ext>
+            </a:extLst>
+          </p:cNvPr>
+          <p:cNvSpPr>
+            <a:spLocks noGrp="1"/>
+          </p:cNvSpPr>
+          <p:nvPr>
+            <p:ph idx="1"/>
+          </p:nvPr>
+        </p:nvSpPr>
+        <p:spPr/>
+        <p:txBody>
+          <a:bodyPr/>
+          <a:lstStyle/>
+          <a:p>
+            <a:pPr lvl="0"/>
+            <a:r>
+              <a:rPr/>
+              <a:t>Gordon (Module Coordinator and Enthusiast in Chief)</a:t>
+            </a:r>
+          </a:p>
+          <a:p>
+            <a:pPr lvl="0"/>
+            <a:r>
+              <a:rPr/>
+              <a:t>7 gobsmackingly amazing Lab Tutors</a:t>
+            </a:r>
+          </a:p>
+          <a:p>
+            <a:pPr lvl="0"/>
+            <a:r>
+              <a:rPr/>
+              <a:t>Your Mini-Dissertation group (3 or 4)</a:t>
+            </a:r>
+          </a:p>
+          <a:p>
+            <a:pPr lvl="0"/>
+            <a:r>
+              <a:rPr/>
+              <a:t>Your Personal Tutor</a:t>
+            </a:r>
+          </a:p>
+          <a:p>
+            <a:pPr lvl="0"/>
+            <a:r>
+              <a:rPr/>
+              <a:t>Your PT group</a:t>
+            </a:r>
+          </a:p>
+          <a:p>
+            <a:pPr lvl="0"/>
+            <a:r>
+              <a:rPr/>
+              <a:t>The entire Goldsmiths Research Community!</a:t>
+            </a:r>
+          </a:p>
+          <a:p>
+            <a:pPr lvl="0" indent="0" marL="0">
+              <a:buNone/>
+            </a:pPr>
+            <a:r>
+              <a:rPr/>
+              <a:t>This is a team-sport</a:t>
+            </a:r>
+          </a:p>
+        </p:txBody>
+      </p:sp>
+    </p:spTree>
+  </p:cSld>
+  <p:timing>
+    <p:tnLst>
+      <p:par>
+        <p:cTn id="1" dur="indefinite" restart="never" nodeType="tmRoot">
+          <p:childTnLst>
+            <p:seq concurrent="1" nextAc="seek">
+              <p:cTn id="2" dur="indefinite" nodeType="mainSeq">
+                <p:childTnLst>
+                  <p:par>
+                    <p:cTn id="3" fill="hold">
+                      <p:stCondLst>
+                        <p:cond delay="indefinite"/>
+                      </p:stCondLst>
+                      <p:childTnLst>
+                        <p:par>
+                          <p:cTn id="4" fill="hold">
+                            <p:stCondLst>
+                              <p:cond delay="0"/>
+                            </p:stCondLst>
+                            <p:childTnLst>
+                              <p:par>
+                                <p:cTn id="5" presetID="1" presetClass="entr" presetSubtype="0" fill="hold" grpId="0" nodeType="clickEffect">
+                                  <p:stCondLst>
+                                    <p:cond delay="0"/>
+                                  </p:stCondLst>
+                                  <p:childTnLst>
+                                    <p:set>
+                                      <p:cBhvr>
+                                        <p:cTn id="6" dur="1" fill="hold">
+                                          <p:stCondLst>
+                                            <p:cond delay="0"/>
+                                          </p:stCondLst>
+                                        </p:cTn>
+                                        <p:tgtEl>
+                                          <p:spTgt spid="3">
+                                            <p:txEl>
+                                              <p:pRg st="0" end="0"/>
+                                            </p:txEl>
+                                          </p:spTgt>
+                                        </p:tgtEl>
+                                        <p:attrNameLst>
+                                          <p:attrName>style.visibility</p:attrName>
+                                        </p:attrNameLst>
+                                      </p:cBhvr>
+                                      <p:to>
+                                        <p:strVal val="visible"/>
+                                      </p:to>
+                                    </p:set>
+                                  </p:childTnLst>
+                                </p:cTn>
+                              </p:par>
+                            </p:childTnLst>
+                          </p:cTn>
+                        </p:par>
+                      </p:childTnLst>
+                    </p:cTn>
+                  </p:par>
+                  <p:par>
+                    <p:cTn id="7" fill="hold">
+                      <p:stCondLst>
+                        <p:cond delay="indefinite"/>
+                      </p:stCondLst>
+                      <p:childTnLst>
+                        <p:par>
+                          <p:cTn id="8" fill="hold">
+                            <p:stCondLst>
+                              <p:cond delay="0"/>
+                            </p:stCondLst>
+                            <p:childTnLst>
+                              <p:par>
+                                <p:cTn id="9" presetID="1" presetClass="entr" presetSubtype="0" fill="hold" grpId="0" nodeType="clickEffect">
+                                  <p:stCondLst>
+                                    <p:cond delay="0"/>
+                                  </p:stCondLst>
+                                  <p:childTnLst>
+                                    <p:set>
+                                      <p:cBhvr>
+                                        <p:cTn id="10" dur="1" fill="hold">
+                                          <p:stCondLst>
+                                            <p:cond delay="0"/>
+                                          </p:stCondLst>
+                                        </p:cTn>
+                                        <p:tgtEl>
+                                          <p:spTgt spid="3">
+                                            <p:txEl>
+                                              <p:pRg st="1" end="1"/>
+                                            </p:txEl>
+                                          </p:spTgt>
+                                        </p:tgtEl>
+                                        <p:attrNameLst>
+                                          <p:attrName>style.visibility</p:attrName>
+                                        </p:attrNameLst>
+                                      </p:cBhvr>
+                                      <p:to>
+                                        <p:strVal val="visible"/>
+                                      </p:to>
+                                    </p:set>
+                                  </p:childTnLst>
+                                </p:cTn>
+                              </p:par>
+                            </p:childTnLst>
+                          </p:cTn>
+                        </p:par>
+                      </p:childTnLst>
+                    </p:cTn>
+                  </p:par>
+                  <p:par>
+                    <p:cTn id="11" fill="hold">
+                      <p:stCondLst>
+                        <p:cond delay="indefinite"/>
+                      </p:stCondLst>
+                      <p:childTnLst>
+                        <p:par>
+                          <p:cTn id="12" fill="hold">
+                            <p:stCondLst>
+                              <p:cond delay="0"/>
+                            </p:stCondLst>
+                            <p:childTnLst>
+                              <p:par>
+                                <p:cTn id="13" presetID="1" presetClass="entr" presetSubtype="0" fill="hold" grpId="0" nodeType="clickEffect">
+                                  <p:stCondLst>
+                                    <p:cond delay="0"/>
+                                  </p:stCondLst>
+                                  <p:childTnLst>
+                                    <p:set>
+                                      <p:cBhvr>
+                                        <p:cTn id="14" dur="1" fill="hold">
+                                          <p:stCondLst>
+                                            <p:cond delay="0"/>
+                                          </p:stCondLst>
+                                        </p:cTn>
+                                        <p:tgtEl>
+                                          <p:spTgt spid="3">
+                                            <p:txEl>
+                                              <p:pRg st="2" end="2"/>
+                                            </p:txEl>
+                                          </p:spTgt>
+                                        </p:tgtEl>
+                                        <p:attrNameLst>
+                                          <p:attrName>style.visibility</p:attrName>
+                                        </p:attrNameLst>
+                                      </p:cBhvr>
+                                      <p:to>
+                                        <p:strVal val="visible"/>
+                                      </p:to>
+                                    </p:set>
+                                  </p:childTnLst>
+                                </p:cTn>
+                              </p:par>
+                            </p:childTnLst>
+                          </p:cTn>
+                        </p:par>
+                      </p:childTnLst>
+                    </p:cTn>
+                  </p:par>
+                  <p:par>
+                    <p:cTn id="15" fill="hold">
+                      <p:stCondLst>
+                        <p:cond delay="indefinite"/>
+                      </p:stCondLst>
+                      <p:childTnLst>
+                        <p:par>
+                          <p:cTn id="16" fill="hold">
+                            <p:stCondLst>
+                              <p:cond delay="0"/>
+                            </p:stCondLst>
+                            <p:childTnLst>
+                              <p:par>
+                                <p:cTn id="17" presetID="1" presetClass="entr" presetSubtype="0" fill="hold" grpId="0" nodeType="clickEffect">
+                                  <p:stCondLst>
+                                    <p:cond delay="0"/>
+                                  </p:stCondLst>
+                                  <p:childTnLst>
+                                    <p:set>
+                                      <p:cBhvr>
+                                        <p:cTn id="18" dur="1" fill="hold">
+                                          <p:stCondLst>
+                                            <p:cond delay="0"/>
+                                          </p:stCondLst>
+                                        </p:cTn>
+                                        <p:tgtEl>
+                                          <p:spTgt spid="3">
+                                            <p:txEl>
+                                              <p:pRg st="3" end="3"/>
+                                            </p:txEl>
+                                          </p:spTgt>
+                                        </p:tgtEl>
+                                        <p:attrNameLst>
+                                          <p:attrName>style.visibility</p:attrName>
+                                        </p:attrNameLst>
+                                      </p:cBhvr>
+                                      <p:to>
+                                        <p:strVal val="visible"/>
+                                      </p:to>
+                                    </p:set>
+                                  </p:childTnLst>
+                                </p:cTn>
+                              </p:par>
+                            </p:childTnLst>
+                          </p:cTn>
+                        </p:par>
+                      </p:childTnLst>
+                    </p:cTn>
+                  </p:par>
+                  <p:par>
+                    <p:cTn id="19" fill="hold">
+                      <p:stCondLst>
+                        <p:cond delay="indefinite"/>
+                      </p:stCondLst>
+                      <p:childTnLst>
+                        <p:par>
+                          <p:cTn id="20" fill="hold">
+                            <p:stCondLst>
+                              <p:cond delay="0"/>
+                            </p:stCondLst>
+                            <p:childTnLst>
+                              <p:par>
+                                <p:cTn id="21" presetID="1" presetClass="entr" presetSubtype="0" fill="hold" grpId="0" nodeType="clickEffect">
+                                  <p:stCondLst>
+                                    <p:cond delay="0"/>
+                                  </p:stCondLst>
+                                  <p:childTnLst>
+                                    <p:set>
+                                      <p:cBhvr>
+                                        <p:cTn id="22" dur="1" fill="hold">
+                                          <p:stCondLst>
+                                            <p:cond delay="0"/>
+                                          </p:stCondLst>
+                                        </p:cTn>
+                                        <p:tgtEl>
+                                          <p:spTgt spid="3">
+                                            <p:txEl>
+                                              <p:pRg st="4" end="4"/>
+                                            </p:txEl>
+                                          </p:spTgt>
+                                        </p:tgtEl>
+                                        <p:attrNameLst>
+                                          <p:attrName>style.visibility</p:attrName>
+                                        </p:attrNameLst>
+                                      </p:cBhvr>
+                                      <p:to>
+                                        <p:strVal val="visible"/>
+                                      </p:to>
+                                    </p:set>
+                                  </p:childTnLst>
+                                </p:cTn>
+                              </p:par>
+                            </p:childTnLst>
+                          </p:cTn>
+                        </p:par>
+                      </p:childTnLst>
+                    </p:cTn>
+                  </p:par>
+                  <p:par>
+                    <p:cTn id="23" fill="hold">
+                      <p:stCondLst>
+                        <p:cond delay="indefinite"/>
+                      </p:stCondLst>
+                      <p:childTnLst>
+                        <p:par>
+                          <p:cTn id="24" fill="hold">
+                            <p:stCondLst>
+                              <p:cond delay="0"/>
+                            </p:stCondLst>
+                            <p:childTnLst>
+                              <p:par>
+                                <p:cTn id="25" presetID="1" presetClass="entr" presetSubtype="0" fill="hold" grpId="0" nodeType="clickEffect">
+                                  <p:stCondLst>
+                                    <p:cond delay="0"/>
+                                  </p:stCondLst>
+                                  <p:childTnLst>
+                                    <p:set>
+                                      <p:cBhvr>
+                                        <p:cTn id="26" dur="1" fill="hold">
+                                          <p:stCondLst>
+                                            <p:cond delay="0"/>
+                                          </p:stCondLst>
+                                        </p:cTn>
+                                        <p:tgtEl>
+                                          <p:spTgt spid="3">
+                                            <p:txEl>
+                                              <p:pRg st="5" end="5"/>
+                                            </p:txEl>
+                                          </p:spTgt>
+                                        </p:tgtEl>
+                                        <p:attrNameLst>
+                                          <p:attrName>style.visibility</p:attrName>
+                                        </p:attrNameLst>
+                                      </p:cBhvr>
+                                      <p:to>
+                                        <p:strVal val="visible"/>
+                                      </p:to>
+                                    </p:set>
+                                  </p:childTnLst>
+                                </p:cTn>
+                              </p:par>
+                            </p:childTnLst>
+                          </p:cTn>
+                        </p:par>
+                      </p:childTnLst>
+                    </p:cTn>
+                  </p:par>
+                </p:childTnLst>
+              </p:cTn>
+              <p:prevCondLst>
+                <p:cond evt="onPrev" delay="0">
+                  <p:tgtEl>
+                    <p:sldTgt/>
+                  </p:tgtEl>
+                </p:cond>
+              </p:prevCondLst>
+              <p:nextCondLst>
+                <p:cond evt="onNext" delay="0">
+                  <p:tgtEl>
+                    <p:sldTgt/>
+                  </p:tgtEl>
+                </p:cond>
+              </p:nextCondLst>
+            </p:seq>
+          </p:childTnLst>
+        </p:cTn>
+      </p:par>
+    </p:tnLst>
+    <p:bldLst>
+      <p:bldP spid="3" grpId="0" uiExpand="1" build="p"/>
+    </p:bldLst>
+  </p:timing>
+</p:sld>
+</file>
+
 <file path=ppt/slides/slide2.xml><?xml version="1.0" encoding="utf-8"?>
 <p:sld xmlns:a="http://schemas.openxmlformats.org/drawingml/2006/main" xmlns:r="http://schemas.openxmlformats.org/officeDocument/2006/relationships" xmlns:p="http://schemas.openxmlformats.org/presentationml/2006/main">
   <p:cSld>
@@ -4996,6 +7244,67 @@
           <p:cNvPr id="2" name="Title 1">
             <a:extLst>
               <a:ext uri="{FF2B5EF4-FFF2-40B4-BE49-F238E27FC236}">
+                <a16:creationId xmlns:a16="http://schemas.microsoft.com/office/drawing/2014/main" id="{FF6A6CB2-D1B6-B94A-84C1-83C65423C650}"/>
+              </a:ext>
+            </a:extLst>
+          </p:cNvPr>
+          <p:cNvSpPr>
+            <a:spLocks noGrp="1"/>
+          </p:cNvSpPr>
+          <p:nvPr>
+            <p:ph type="title"/>
+          </p:nvPr>
+        </p:nvSpPr>
+        <p:spPr>
+          <a:xfrm>
+            <a:off x="831851" y="1709742"/>
+            <a:ext cx="10515600" cy="2852737"/>
+          </a:xfrm>
+          <a:prstGeom prst="rect">
+            <a:avLst/>
+          </a:prstGeom>
+        </p:spPr>
+        <p:txBody>
+          <a:bodyPr/>
+          <a:lstStyle/>
+          <a:p>
+            <a:pPr lvl="0" indent="0" marL="0">
+              <a:buNone/>
+            </a:pPr>
+            <a:r>
+              <a:rPr/>
+              <a:t>Show Attendance QR Code</a:t>
+            </a:r>
+          </a:p>
+        </p:txBody>
+      </p:sp>
+    </p:spTree>
+  </p:cSld>
+</p:sld>
+</file>
+
+<file path=ppt/slides/slide20.xml><?xml version="1.0" encoding="utf-8"?>
+<p:sld xmlns:a="http://schemas.openxmlformats.org/drawingml/2006/main" xmlns:r="http://schemas.openxmlformats.org/officeDocument/2006/relationships" xmlns:p="http://schemas.openxmlformats.org/presentationml/2006/main">
+  <p:cSld>
+    <p:spTree>
+      <p:nvGrpSpPr>
+        <p:cNvPr id="1" name=""/>
+        <p:cNvGrpSpPr/>
+        <p:nvPr/>
+      </p:nvGrpSpPr>
+      <p:grpSpPr>
+        <a:xfrm>
+          <a:off x="0" y="0"/>
+          <a:ext cx="0" cy="0"/>
+          <a:chOff x="0" y="0"/>
+          <a:chExt cx="0" cy="0"/>
+        </a:xfrm>
+      </p:grpSpPr>
+      <p:sp>
+        <p:nvSpPr>
+          <p:cNvPr id="2" name="Title 1">
+            <a:extLst>
+              <a:ext uri="{FF2B5EF4-FFF2-40B4-BE49-F238E27FC236}">
                 <a16:creationId xmlns:a16="http://schemas.microsoft.com/office/drawing/2014/main" id="{DD9B8E45-0772-954C-8D4B-6E6808DFEDED}"/>
               </a:ext>
             </a:extLst>
@@ -5025,11 +7334,1495 @@
             </a:pPr>
             <a:r>
               <a:rPr/>
-              <a:t>Show Attendance QR Code</a:t>
-            </a:r>
-          </a:p>
-        </p:txBody>
-      </p:sp>
+              <a:t>Access to me</a:t>
+            </a:r>
+          </a:p>
+        </p:txBody>
+      </p:sp>
+      <p:sp>
+        <p:nvSpPr>
+          <p:cNvPr id="3" name="Content Placeholder 2">
+            <a:extLst>
+              <a:ext uri="{FF2B5EF4-FFF2-40B4-BE49-F238E27FC236}">
+                <a16:creationId xmlns:a16="http://schemas.microsoft.com/office/drawing/2014/main" id="{A4EB24F9-04F1-C843-9D71-56C5C024552B}"/>
+              </a:ext>
+            </a:extLst>
+          </p:cNvPr>
+          <p:cNvSpPr>
+            <a:spLocks noGrp="1"/>
+          </p:cNvSpPr>
+          <p:nvPr>
+            <p:ph idx="1"/>
+          </p:nvPr>
+        </p:nvSpPr>
+        <p:spPr/>
+        <p:txBody>
+          <a:bodyPr/>
+          <a:lstStyle/>
+          <a:p>
+            <a:pPr lvl="0" indent="0" marL="0">
+              <a:buNone/>
+            </a:pPr>
+            <a:r>
+              <a:rPr/>
+              <a:t>I will be in every Research Methods lecture and I have a Student Hour from 3-4 every Monday, before we all go to the Design &amp; Analysis lecture. Yup! Me too!</a:t>
+            </a:r>
+          </a:p>
+          <a:p>
+            <a:pPr lvl="0" indent="0" marL="0">
+              <a:buNone/>
+            </a:pPr>
+            <a:r>
+              <a:rPr b="1"/>
+              <a:t>Available at g.wright@gold.ac.uk and my office is WB200/1</a:t>
+            </a:r>
+          </a:p>
+          <a:p>
+            <a:pPr lvl="0" indent="0" marL="0">
+              <a:buNone/>
+            </a:pPr>
+            <a:r>
+              <a:rPr/>
+              <a:t>I genuinely could not imagine anything I would rather do that this. So please talk to me!</a:t>
+            </a:r>
+          </a:p>
+        </p:txBody>
+      </p:sp>
+    </p:spTree>
+  </p:cSld>
+</p:sld>
+</file>
+
+<file path=ppt/slides/slide21.xml><?xml version="1.0" encoding="utf-8"?>
+<p:sld xmlns:a="http://schemas.openxmlformats.org/drawingml/2006/main" xmlns:r="http://schemas.openxmlformats.org/officeDocument/2006/relationships" xmlns:p="http://schemas.openxmlformats.org/presentationml/2006/main">
+  <p:cSld>
+    <p:spTree>
+      <p:nvGrpSpPr>
+        <p:cNvPr id="1" name=""/>
+        <p:cNvGrpSpPr/>
+        <p:nvPr/>
+      </p:nvGrpSpPr>
+      <p:grpSpPr>
+        <a:xfrm>
+          <a:off x="0" y="0"/>
+          <a:ext cx="0" cy="0"/>
+          <a:chOff x="0" y="0"/>
+          <a:chExt cx="0" cy="0"/>
+        </a:xfrm>
+      </p:grpSpPr>
+      <p:sp>
+        <p:nvSpPr>
+          <p:cNvPr id="2" name="Title 1">
+            <a:extLst>
+              <a:ext uri="{FF2B5EF4-FFF2-40B4-BE49-F238E27FC236}">
+                <a16:creationId xmlns:a16="http://schemas.microsoft.com/office/drawing/2014/main" id="{DD9B8E45-0772-954C-8D4B-6E6808DFEDED}"/>
+              </a:ext>
+            </a:extLst>
+          </p:cNvPr>
+          <p:cNvSpPr>
+            <a:spLocks noGrp="1"/>
+          </p:cNvSpPr>
+          <p:nvPr>
+            <p:ph type="title"/>
+          </p:nvPr>
+        </p:nvSpPr>
+        <p:spPr>
+          <a:xfrm>
+            <a:off x="838200" y="365129"/>
+            <a:ext cx="10002520" cy="1325563"/>
+          </a:xfrm>
+          <a:prstGeom prst="rect">
+            <a:avLst/>
+          </a:prstGeom>
+        </p:spPr>
+        <p:txBody>
+          <a:bodyPr/>
+          <a:lstStyle/>
+          <a:p>
+            <a:pPr lvl="0" indent="0" marL="0">
+              <a:buNone/>
+            </a:pPr>
+            <a:r>
+              <a:rPr/>
+              <a:t>A friendly warning</a:t>
+            </a:r>
+          </a:p>
+        </p:txBody>
+      </p:sp>
+      <p:sp>
+        <p:nvSpPr>
+          <p:cNvPr id="3" name="Content Placeholder 2">
+            <a:extLst>
+              <a:ext uri="{FF2B5EF4-FFF2-40B4-BE49-F238E27FC236}">
+                <a16:creationId xmlns:a16="http://schemas.microsoft.com/office/drawing/2014/main" id="{A4EB24F9-04F1-C843-9D71-56C5C024552B}"/>
+              </a:ext>
+            </a:extLst>
+          </p:cNvPr>
+          <p:cNvSpPr>
+            <a:spLocks noGrp="1"/>
+          </p:cNvSpPr>
+          <p:nvPr>
+            <p:ph idx="1"/>
+          </p:nvPr>
+        </p:nvSpPr>
+        <p:spPr/>
+        <p:txBody>
+          <a:bodyPr/>
+          <a:lstStyle/>
+          <a:p>
+            <a:pPr lvl="0" indent="0" marL="1270000">
+              <a:buNone/>
+            </a:pPr>
+            <a:r>
+              <a:rPr sz="2000" b="1"/>
+              <a:t>Warning</a:t>
+            </a:r>
+          </a:p>
+          <a:p>
+            <a:pPr lvl="0" indent="0" marL="1270000">
+              <a:buNone/>
+            </a:pPr>
+            <a:r>
+              <a:rPr sz="2000"/>
+              <a:t>All coursework is INDIVIDUAL and subject to normal plagiarism and collusion rules.</a:t>
+            </a:r>
+          </a:p>
+          <a:p>
+            <a:pPr lvl="0" indent="0" marL="1270000">
+              <a:buNone/>
+            </a:pPr>
+            <a:r>
+              <a:rPr sz="2000"/>
+              <a:t>Just don’t risk it. Be mindful of how you read, take notes and share coursework.</a:t>
+            </a:r>
+          </a:p>
+        </p:txBody>
+      </p:sp>
+    </p:spTree>
+  </p:cSld>
+</p:sld>
+</file>
+
+<file path=ppt/slides/slide22.xml><?xml version="1.0" encoding="utf-8"?>
+<p:sld xmlns:a="http://schemas.openxmlformats.org/drawingml/2006/main" xmlns:r="http://schemas.openxmlformats.org/officeDocument/2006/relationships" xmlns:p="http://schemas.openxmlformats.org/presentationml/2006/main">
+  <p:cSld>
+    <p:spTree>
+      <p:nvGrpSpPr>
+        <p:cNvPr id="1" name=""/>
+        <p:cNvGrpSpPr/>
+        <p:nvPr/>
+      </p:nvGrpSpPr>
+      <p:grpSpPr>
+        <a:xfrm>
+          <a:off x="0" y="0"/>
+          <a:ext cx="0" cy="0"/>
+          <a:chOff x="0" y="0"/>
+          <a:chExt cx="0" cy="0"/>
+        </a:xfrm>
+      </p:grpSpPr>
+      <p:sp>
+        <p:nvSpPr>
+          <p:cNvPr id="2" name="Title 1">
+            <a:extLst>
+              <a:ext uri="{FF2B5EF4-FFF2-40B4-BE49-F238E27FC236}">
+                <a16:creationId xmlns:a16="http://schemas.microsoft.com/office/drawing/2014/main" id="{DD9B8E45-0772-954C-8D4B-6E6808DFEDED}"/>
+              </a:ext>
+            </a:extLst>
+          </p:cNvPr>
+          <p:cNvSpPr>
+            <a:spLocks noGrp="1"/>
+          </p:cNvSpPr>
+          <p:nvPr>
+            <p:ph type="title"/>
+          </p:nvPr>
+        </p:nvSpPr>
+        <p:spPr>
+          <a:xfrm>
+            <a:off x="838200" y="365129"/>
+            <a:ext cx="10002520" cy="1325563"/>
+          </a:xfrm>
+          <a:prstGeom prst="rect">
+            <a:avLst/>
+          </a:prstGeom>
+        </p:spPr>
+        <p:txBody>
+          <a:bodyPr/>
+          <a:lstStyle/>
+          <a:p>
+            <a:pPr lvl="0" indent="0" marL="0">
+              <a:buNone/>
+            </a:pPr>
+            <a:r>
+              <a:rPr/>
+              <a:t>Module structure</a:t>
+            </a:r>
+          </a:p>
+        </p:txBody>
+      </p:sp>
+      <p:sp>
+        <p:nvSpPr>
+          <p:cNvPr id="3" name="Content Placeholder 2">
+            <a:extLst>
+              <a:ext uri="{FF2B5EF4-FFF2-40B4-BE49-F238E27FC236}">
+                <a16:creationId xmlns:a16="http://schemas.microsoft.com/office/drawing/2014/main" id="{A4EB24F9-04F1-C843-9D71-56C5C024552B}"/>
+              </a:ext>
+            </a:extLst>
+          </p:cNvPr>
+          <p:cNvSpPr>
+            <a:spLocks noGrp="1"/>
+          </p:cNvSpPr>
+          <p:nvPr>
+            <p:ph idx="1"/>
+          </p:nvPr>
+        </p:nvSpPr>
+        <p:spPr/>
+        <p:txBody>
+          <a:bodyPr/>
+          <a:lstStyle/>
+          <a:p>
+            <a:pPr lvl="0" indent="0" marL="0">
+              <a:buNone/>
+            </a:pPr>
+            <a:r>
+              <a:rPr/>
+              <a:t>1 x 1 hr Lecture per week (Monday 11-12 PSH LG02)</a:t>
+            </a:r>
+          </a:p>
+          <a:p>
+            <a:pPr lvl="0" indent="0" marL="0">
+              <a:buNone/>
+            </a:pPr>
+            <a:r>
+              <a:rPr/>
+              <a:t>1 x 2 hr Lab per week (Tuesday in Whitehead)</a:t>
+            </a:r>
+          </a:p>
+          <a:p>
+            <a:pPr lvl="0" indent="0" marL="0">
+              <a:buNone/>
+            </a:pPr>
+            <a:r>
+              <a:rPr/>
+              <a:t>4 x Personal Tutor meetings focussed on the Mini-Diss across the year</a:t>
+            </a:r>
+          </a:p>
+        </p:txBody>
+      </p:sp>
+    </p:spTree>
+  </p:cSld>
+</p:sld>
+</file>
+
+<file path=ppt/slides/slide23.xml><?xml version="1.0" encoding="utf-8"?>
+<p:sld xmlns:a="http://schemas.openxmlformats.org/drawingml/2006/main" xmlns:r="http://schemas.openxmlformats.org/officeDocument/2006/relationships" xmlns:p="http://schemas.openxmlformats.org/presentationml/2006/main">
+  <p:cSld>
+    <p:spTree>
+      <p:nvGrpSpPr>
+        <p:cNvPr id="1" name=""/>
+        <p:cNvGrpSpPr/>
+        <p:nvPr/>
+      </p:nvGrpSpPr>
+      <p:grpSpPr>
+        <a:xfrm>
+          <a:off x="0" y="0"/>
+          <a:ext cx="0" cy="0"/>
+          <a:chOff x="0" y="0"/>
+          <a:chExt cx="0" cy="0"/>
+        </a:xfrm>
+      </p:grpSpPr>
+      <p:sp>
+        <p:nvSpPr>
+          <p:cNvPr id="2" name="Title 1">
+            <a:extLst>
+              <a:ext uri="{FF2B5EF4-FFF2-40B4-BE49-F238E27FC236}">
+                <a16:creationId xmlns:a16="http://schemas.microsoft.com/office/drawing/2014/main" id="{DD9B8E45-0772-954C-8D4B-6E6808DFEDED}"/>
+              </a:ext>
+            </a:extLst>
+          </p:cNvPr>
+          <p:cNvSpPr>
+            <a:spLocks noGrp="1"/>
+          </p:cNvSpPr>
+          <p:nvPr>
+            <p:ph type="title"/>
+          </p:nvPr>
+        </p:nvSpPr>
+        <p:spPr>
+          <a:xfrm>
+            <a:off x="838200" y="365129"/>
+            <a:ext cx="10002520" cy="1325563"/>
+          </a:xfrm>
+          <a:prstGeom prst="rect">
+            <a:avLst/>
+          </a:prstGeom>
+        </p:spPr>
+        <p:txBody>
+          <a:bodyPr/>
+          <a:lstStyle/>
+          <a:p>
+            <a:pPr lvl="0" indent="0" marL="0">
+              <a:buNone/>
+            </a:pPr>
+            <a:r>
+              <a:rPr/>
+              <a:t>Weekly Structure (Lectures)</a:t>
+            </a:r>
+          </a:p>
+        </p:txBody>
+      </p:sp>
+      <p:sp>
+        <p:nvSpPr>
+          <p:cNvPr id="3" name="Content Placeholder 2">
+            <a:extLst>
+              <a:ext uri="{FF2B5EF4-FFF2-40B4-BE49-F238E27FC236}">
+                <a16:creationId xmlns:a16="http://schemas.microsoft.com/office/drawing/2014/main" id="{A4EB24F9-04F1-C843-9D71-56C5C024552B}"/>
+              </a:ext>
+            </a:extLst>
+          </p:cNvPr>
+          <p:cNvSpPr>
+            <a:spLocks noGrp="1"/>
+          </p:cNvSpPr>
+          <p:nvPr>
+            <p:ph idx="1"/>
+          </p:nvPr>
+        </p:nvSpPr>
+        <p:spPr/>
+        <p:txBody>
+          <a:bodyPr/>
+          <a:lstStyle/>
+          <a:p>
+            <a:pPr lvl="0" indent="0" marL="0">
+              <a:buNone/>
+            </a:pPr>
+            <a:r>
+              <a:rPr/>
+              <a:t>A brief weekly ‘</a:t>
+            </a:r>
+            <a:r>
+              <a:rPr b="1"/>
+              <a:t>Prelude</a:t>
+            </a:r>
+            <a:r>
+              <a:rPr/>
+              <a:t>’ designed to introduce one of the main topics of the week (Not compulsory)</a:t>
+            </a:r>
+          </a:p>
+          <a:p>
+            <a:pPr lvl="0" indent="0" marL="0">
+              <a:buNone/>
+            </a:pPr>
+            <a:r>
+              <a:rPr b="1"/>
+              <a:t>Lecture</a:t>
+            </a:r>
+            <a:r>
+              <a:rPr/>
+              <a:t> covering Methods relevant to your research, concepts and debates around CHIP, and previewing the lab session that week</a:t>
+            </a:r>
+          </a:p>
+          <a:p>
+            <a:pPr lvl="0"/>
+            <a:r>
+              <a:rPr/>
+              <a:t>(recording posted automatically to Panopto)</a:t>
+            </a:r>
+          </a:p>
+          <a:p>
+            <a:pPr lvl="0"/>
+            <a:r>
+              <a:rPr/>
+              <a:t>*Materials for following week posted on Wednesday evening</a:t>
+            </a:r>
+          </a:p>
+          <a:p>
+            <a:pPr lvl="0"/>
+            <a:r>
+              <a:rPr/>
+              <a:t>CHIP-relevant topics to be approved as a group (more on that later)</a:t>
+            </a:r>
+          </a:p>
+          <a:p>
+            <a:pPr lvl="0" indent="0" marL="0">
+              <a:buNone/>
+            </a:pPr>
+            <a:r>
+              <a:rPr/>
+              <a:t>*Accessibility is important to me, so please contact me with any concerns or requests</a:t>
+            </a:r>
+          </a:p>
+        </p:txBody>
+      </p:sp>
+    </p:spTree>
+  </p:cSld>
+</p:sld>
+</file>
+
+<file path=ppt/slides/slide24.xml><?xml version="1.0" encoding="utf-8"?>
+<p:sld xmlns:a="http://schemas.openxmlformats.org/drawingml/2006/main" xmlns:r="http://schemas.openxmlformats.org/officeDocument/2006/relationships" xmlns:p="http://schemas.openxmlformats.org/presentationml/2006/main">
+  <p:cSld>
+    <p:spTree>
+      <p:nvGrpSpPr>
+        <p:cNvPr id="1" name=""/>
+        <p:cNvGrpSpPr/>
+        <p:nvPr/>
+      </p:nvGrpSpPr>
+      <p:grpSpPr>
+        <a:xfrm>
+          <a:off x="0" y="0"/>
+          <a:ext cx="0" cy="0"/>
+          <a:chOff x="0" y="0"/>
+          <a:chExt cx="0" cy="0"/>
+        </a:xfrm>
+      </p:grpSpPr>
+      <p:sp>
+        <p:nvSpPr>
+          <p:cNvPr id="2" name="Title 1">
+            <a:extLst>
+              <a:ext uri="{FF2B5EF4-FFF2-40B4-BE49-F238E27FC236}">
+                <a16:creationId xmlns:a16="http://schemas.microsoft.com/office/drawing/2014/main" id="{DD9B8E45-0772-954C-8D4B-6E6808DFEDED}"/>
+              </a:ext>
+            </a:extLst>
+          </p:cNvPr>
+          <p:cNvSpPr>
+            <a:spLocks noGrp="1"/>
+          </p:cNvSpPr>
+          <p:nvPr>
+            <p:ph type="title"/>
+          </p:nvPr>
+        </p:nvSpPr>
+        <p:spPr>
+          <a:xfrm>
+            <a:off x="838200" y="365129"/>
+            <a:ext cx="10002520" cy="1325563"/>
+          </a:xfrm>
+          <a:prstGeom prst="rect">
+            <a:avLst/>
+          </a:prstGeom>
+        </p:spPr>
+        <p:txBody>
+          <a:bodyPr/>
+          <a:lstStyle/>
+          <a:p>
+            <a:pPr lvl="0" indent="0" marL="0">
+              <a:buNone/>
+            </a:pPr>
+            <a:r>
+              <a:rPr b="1"/>
+              <a:t>Weekly Structure (Labs)</a:t>
+            </a:r>
+          </a:p>
+        </p:txBody>
+      </p:sp>
+      <p:sp>
+        <p:nvSpPr>
+          <p:cNvPr id="3" name="Content Placeholder 2">
+            <a:extLst>
+              <a:ext uri="{FF2B5EF4-FFF2-40B4-BE49-F238E27FC236}">
+                <a16:creationId xmlns:a16="http://schemas.microsoft.com/office/drawing/2014/main" id="{A4EB24F9-04F1-C843-9D71-56C5C024552B}"/>
+              </a:ext>
+            </a:extLst>
+          </p:cNvPr>
+          <p:cNvSpPr>
+            <a:spLocks noGrp="1"/>
+          </p:cNvSpPr>
+          <p:nvPr>
+            <p:ph idx="1"/>
+          </p:nvPr>
+        </p:nvSpPr>
+        <p:spPr/>
+        <p:txBody>
+          <a:bodyPr/>
+          <a:lstStyle/>
+          <a:p>
+            <a:pPr lvl="0"/>
+            <a:r>
+              <a:rPr b="1"/>
+              <a:t>‘Pulse’</a:t>
+            </a:r>
+            <a:r>
+              <a:rPr/>
+              <a:t> taken on entry - 2 minute quiz - COMPULSORY</a:t>
+            </a:r>
+          </a:p>
+          <a:p>
+            <a:pPr lvl="0"/>
+            <a:r>
+              <a:rPr b="1"/>
+              <a:t>OneNote Lab Notebook</a:t>
+            </a:r>
+            <a:r>
+              <a:rPr/>
+              <a:t> with brief ‘generative activities’ and opportunities for metacognitive reflection (wk2)</a:t>
+            </a:r>
+          </a:p>
+          <a:p>
+            <a:pPr lvl="1"/>
+            <a:r>
+              <a:rPr u="sng"/>
+              <a:t>Your ‘Source of Truth’</a:t>
+            </a:r>
+          </a:p>
+          <a:p>
+            <a:pPr lvl="0"/>
+            <a:r>
+              <a:rPr/>
+              <a:t>Lots can be achieved in the labs, but independent study and coordinated group work will be required</a:t>
+            </a:r>
+          </a:p>
+          <a:p>
+            <a:pPr lvl="0"/>
+            <a:r>
+              <a:rPr/>
+              <a:t>This module is a </a:t>
+            </a:r>
+            <a:r>
+              <a:rPr b="1" i="1"/>
+              <a:t>process</a:t>
+            </a:r>
+            <a:r>
+              <a:rPr/>
+              <a:t> not a goal - approach it like an experiment!</a:t>
+            </a:r>
+          </a:p>
+          <a:p>
+            <a:pPr lvl="0"/>
+            <a:r>
+              <a:rPr/>
+              <a:t>NO EXAM</a:t>
+            </a:r>
+          </a:p>
+          <a:p>
+            <a:pPr lvl="1"/>
+            <a:r>
+              <a:rPr b="1"/>
+              <a:t>Extras</a:t>
+            </a:r>
+            <a:r>
+              <a:rPr/>
+              <a:t> provided around skills or applications or just interesting stuff (Not compulsory)</a:t>
+            </a:r>
+          </a:p>
+        </p:txBody>
+      </p:sp>
+    </p:spTree>
+  </p:cSld>
+  <p:timing>
+    <p:tnLst>
+      <p:par>
+        <p:cTn id="1" dur="indefinite" restart="never" nodeType="tmRoot">
+          <p:childTnLst>
+            <p:seq concurrent="1" nextAc="seek">
+              <p:cTn id="2" dur="indefinite" nodeType="mainSeq">
+                <p:childTnLst>
+                  <p:par>
+                    <p:cTn id="3" fill="hold">
+                      <p:stCondLst>
+                        <p:cond delay="indefinite"/>
+                      </p:stCondLst>
+                      <p:childTnLst>
+                        <p:par>
+                          <p:cTn id="4" fill="hold">
+                            <p:stCondLst>
+                              <p:cond delay="0"/>
+                            </p:stCondLst>
+                            <p:childTnLst>
+                              <p:par>
+                                <p:cTn id="5" presetID="1" presetClass="entr" presetSubtype="0" fill="hold" grpId="0" nodeType="clickEffect">
+                                  <p:stCondLst>
+                                    <p:cond delay="0"/>
+                                  </p:stCondLst>
+                                  <p:childTnLst>
+                                    <p:set>
+                                      <p:cBhvr>
+                                        <p:cTn id="6" dur="1" fill="hold">
+                                          <p:stCondLst>
+                                            <p:cond delay="0"/>
+                                          </p:stCondLst>
+                                        </p:cTn>
+                                        <p:tgtEl>
+                                          <p:spTgt spid="3">
+                                            <p:txEl>
+                                              <p:pRg st="0" end="0"/>
+                                            </p:txEl>
+                                          </p:spTgt>
+                                        </p:tgtEl>
+                                        <p:attrNameLst>
+                                          <p:attrName>style.visibility</p:attrName>
+                                        </p:attrNameLst>
+                                      </p:cBhvr>
+                                      <p:to>
+                                        <p:strVal val="visible"/>
+                                      </p:to>
+                                    </p:set>
+                                  </p:childTnLst>
+                                </p:cTn>
+                              </p:par>
+                            </p:childTnLst>
+                          </p:cTn>
+                        </p:par>
+                      </p:childTnLst>
+                    </p:cTn>
+                  </p:par>
+                  <p:par>
+                    <p:cTn id="7" fill="hold">
+                      <p:stCondLst>
+                        <p:cond delay="indefinite"/>
+                      </p:stCondLst>
+                      <p:childTnLst>
+                        <p:par>
+                          <p:cTn id="8" fill="hold">
+                            <p:stCondLst>
+                              <p:cond delay="0"/>
+                            </p:stCondLst>
+                            <p:childTnLst>
+                              <p:par>
+                                <p:cTn id="9" presetID="1" presetClass="entr" presetSubtype="0" fill="hold" grpId="0" nodeType="clickEffect">
+                                  <p:stCondLst>
+                                    <p:cond delay="0"/>
+                                  </p:stCondLst>
+                                  <p:childTnLst>
+                                    <p:set>
+                                      <p:cBhvr>
+                                        <p:cTn id="10" dur="1" fill="hold">
+                                          <p:stCondLst>
+                                            <p:cond delay="0"/>
+                                          </p:stCondLst>
+                                        </p:cTn>
+                                        <p:tgtEl>
+                                          <p:spTgt spid="3">
+                                            <p:txEl>
+                                              <p:pRg st="1" end="1"/>
+                                            </p:txEl>
+                                          </p:spTgt>
+                                        </p:tgtEl>
+                                        <p:attrNameLst>
+                                          <p:attrName>style.visibility</p:attrName>
+                                        </p:attrNameLst>
+                                      </p:cBhvr>
+                                      <p:to>
+                                        <p:strVal val="visible"/>
+                                      </p:to>
+                                    </p:set>
+                                  </p:childTnLst>
+                                </p:cTn>
+                              </p:par>
+                            </p:childTnLst>
+                          </p:cTn>
+                        </p:par>
+                      </p:childTnLst>
+                    </p:cTn>
+                  </p:par>
+                  <p:par>
+                    <p:cTn id="11" fill="hold">
+                      <p:stCondLst>
+                        <p:cond delay="indefinite"/>
+                      </p:stCondLst>
+                      <p:childTnLst>
+                        <p:par>
+                          <p:cTn id="12" fill="hold">
+                            <p:stCondLst>
+                              <p:cond delay="0"/>
+                            </p:stCondLst>
+                            <p:childTnLst>
+                              <p:par>
+                                <p:cTn id="13" presetID="1" presetClass="entr" presetSubtype="0" fill="hold" grpId="0" nodeType="clickEffect">
+                                  <p:stCondLst>
+                                    <p:cond delay="0"/>
+                                  </p:stCondLst>
+                                  <p:childTnLst>
+                                    <p:set>
+                                      <p:cBhvr>
+                                        <p:cTn id="14" dur="1" fill="hold">
+                                          <p:stCondLst>
+                                            <p:cond delay="0"/>
+                                          </p:stCondLst>
+                                        </p:cTn>
+                                        <p:tgtEl>
+                                          <p:spTgt spid="3">
+                                            <p:txEl>
+                                              <p:pRg st="2" end="2"/>
+                                            </p:txEl>
+                                          </p:spTgt>
+                                        </p:tgtEl>
+                                        <p:attrNameLst>
+                                          <p:attrName>style.visibility</p:attrName>
+                                        </p:attrNameLst>
+                                      </p:cBhvr>
+                                      <p:to>
+                                        <p:strVal val="visible"/>
+                                      </p:to>
+                                    </p:set>
+                                  </p:childTnLst>
+                                </p:cTn>
+                              </p:par>
+                            </p:childTnLst>
+                          </p:cTn>
+                        </p:par>
+                      </p:childTnLst>
+                    </p:cTn>
+                  </p:par>
+                  <p:par>
+                    <p:cTn id="15" fill="hold">
+                      <p:stCondLst>
+                        <p:cond delay="indefinite"/>
+                      </p:stCondLst>
+                      <p:childTnLst>
+                        <p:par>
+                          <p:cTn id="16" fill="hold">
+                            <p:stCondLst>
+                              <p:cond delay="0"/>
+                            </p:stCondLst>
+                            <p:childTnLst>
+                              <p:par>
+                                <p:cTn id="17" presetID="1" presetClass="entr" presetSubtype="0" fill="hold" grpId="0" nodeType="clickEffect">
+                                  <p:stCondLst>
+                                    <p:cond delay="0"/>
+                                  </p:stCondLst>
+                                  <p:childTnLst>
+                                    <p:set>
+                                      <p:cBhvr>
+                                        <p:cTn id="18" dur="1" fill="hold">
+                                          <p:stCondLst>
+                                            <p:cond delay="0"/>
+                                          </p:stCondLst>
+                                        </p:cTn>
+                                        <p:tgtEl>
+                                          <p:spTgt spid="3">
+                                            <p:txEl>
+                                              <p:pRg st="3" end="3"/>
+                                            </p:txEl>
+                                          </p:spTgt>
+                                        </p:tgtEl>
+                                        <p:attrNameLst>
+                                          <p:attrName>style.visibility</p:attrName>
+                                        </p:attrNameLst>
+                                      </p:cBhvr>
+                                      <p:to>
+                                        <p:strVal val="visible"/>
+                                      </p:to>
+                                    </p:set>
+                                  </p:childTnLst>
+                                </p:cTn>
+                              </p:par>
+                            </p:childTnLst>
+                          </p:cTn>
+                        </p:par>
+                      </p:childTnLst>
+                    </p:cTn>
+                  </p:par>
+                  <p:par>
+                    <p:cTn id="19" fill="hold">
+                      <p:stCondLst>
+                        <p:cond delay="indefinite"/>
+                      </p:stCondLst>
+                      <p:childTnLst>
+                        <p:par>
+                          <p:cTn id="20" fill="hold">
+                            <p:stCondLst>
+                              <p:cond delay="0"/>
+                            </p:stCondLst>
+                            <p:childTnLst>
+                              <p:par>
+                                <p:cTn id="21" presetID="1" presetClass="entr" presetSubtype="0" fill="hold" grpId="0" nodeType="clickEffect">
+                                  <p:stCondLst>
+                                    <p:cond delay="0"/>
+                                  </p:stCondLst>
+                                  <p:childTnLst>
+                                    <p:set>
+                                      <p:cBhvr>
+                                        <p:cTn id="22" dur="1" fill="hold">
+                                          <p:stCondLst>
+                                            <p:cond delay="0"/>
+                                          </p:stCondLst>
+                                        </p:cTn>
+                                        <p:tgtEl>
+                                          <p:spTgt spid="3">
+                                            <p:txEl>
+                                              <p:pRg st="4" end="4"/>
+                                            </p:txEl>
+                                          </p:spTgt>
+                                        </p:tgtEl>
+                                        <p:attrNameLst>
+                                          <p:attrName>style.visibility</p:attrName>
+                                        </p:attrNameLst>
+                                      </p:cBhvr>
+                                      <p:to>
+                                        <p:strVal val="visible"/>
+                                      </p:to>
+                                    </p:set>
+                                  </p:childTnLst>
+                                </p:cTn>
+                              </p:par>
+                            </p:childTnLst>
+                          </p:cTn>
+                        </p:par>
+                      </p:childTnLst>
+                    </p:cTn>
+                  </p:par>
+                  <p:par>
+                    <p:cTn id="23" fill="hold">
+                      <p:stCondLst>
+                        <p:cond delay="indefinite"/>
+                      </p:stCondLst>
+                      <p:childTnLst>
+                        <p:par>
+                          <p:cTn id="24" fill="hold">
+                            <p:stCondLst>
+                              <p:cond delay="0"/>
+                            </p:stCondLst>
+                            <p:childTnLst>
+                              <p:par>
+                                <p:cTn id="25" presetID="1" presetClass="entr" presetSubtype="0" fill="hold" grpId="0" nodeType="clickEffect">
+                                  <p:stCondLst>
+                                    <p:cond delay="0"/>
+                                  </p:stCondLst>
+                                  <p:childTnLst>
+                                    <p:set>
+                                      <p:cBhvr>
+                                        <p:cTn id="26" dur="1" fill="hold">
+                                          <p:stCondLst>
+                                            <p:cond delay="0"/>
+                                          </p:stCondLst>
+                                        </p:cTn>
+                                        <p:tgtEl>
+                                          <p:spTgt spid="3">
+                                            <p:txEl>
+                                              <p:pRg st="5" end="5"/>
+                                            </p:txEl>
+                                          </p:spTgt>
+                                        </p:tgtEl>
+                                        <p:attrNameLst>
+                                          <p:attrName>style.visibility</p:attrName>
+                                        </p:attrNameLst>
+                                      </p:cBhvr>
+                                      <p:to>
+                                        <p:strVal val="visible"/>
+                                      </p:to>
+                                    </p:set>
+                                  </p:childTnLst>
+                                </p:cTn>
+                              </p:par>
+                            </p:childTnLst>
+                          </p:cTn>
+                        </p:par>
+                      </p:childTnLst>
+                    </p:cTn>
+                  </p:par>
+                  <p:par>
+                    <p:cTn id="27" fill="hold">
+                      <p:stCondLst>
+                        <p:cond delay="indefinite"/>
+                      </p:stCondLst>
+                      <p:childTnLst>
+                        <p:par>
+                          <p:cTn id="28" fill="hold">
+                            <p:stCondLst>
+                              <p:cond delay="0"/>
+                            </p:stCondLst>
+                            <p:childTnLst>
+                              <p:par>
+                                <p:cTn id="29" presetID="1" presetClass="entr" presetSubtype="0" fill="hold" grpId="0" nodeType="clickEffect">
+                                  <p:stCondLst>
+                                    <p:cond delay="0"/>
+                                  </p:stCondLst>
+                                  <p:childTnLst>
+                                    <p:set>
+                                      <p:cBhvr>
+                                        <p:cTn id="30" dur="1" fill="hold">
+                                          <p:stCondLst>
+                                            <p:cond delay="0"/>
+                                          </p:stCondLst>
+                                        </p:cTn>
+                                        <p:tgtEl>
+                                          <p:spTgt spid="3">
+                                            <p:txEl>
+                                              <p:pRg st="6" end="6"/>
+                                            </p:txEl>
+                                          </p:spTgt>
+                                        </p:tgtEl>
+                                        <p:attrNameLst>
+                                          <p:attrName>style.visibility</p:attrName>
+                                        </p:attrNameLst>
+                                      </p:cBhvr>
+                                      <p:to>
+                                        <p:strVal val="visible"/>
+                                      </p:to>
+                                    </p:set>
+                                  </p:childTnLst>
+                                </p:cTn>
+                              </p:par>
+                            </p:childTnLst>
+                          </p:cTn>
+                        </p:par>
+                      </p:childTnLst>
+                    </p:cTn>
+                  </p:par>
+                </p:childTnLst>
+              </p:cTn>
+              <p:prevCondLst>
+                <p:cond evt="onPrev" delay="0">
+                  <p:tgtEl>
+                    <p:sldTgt/>
+                  </p:tgtEl>
+                </p:cond>
+              </p:prevCondLst>
+              <p:nextCondLst>
+                <p:cond evt="onNext" delay="0">
+                  <p:tgtEl>
+                    <p:sldTgt/>
+                  </p:tgtEl>
+                </p:cond>
+              </p:nextCondLst>
+            </p:seq>
+          </p:childTnLst>
+        </p:cTn>
+      </p:par>
+    </p:tnLst>
+    <p:bldLst>
+      <p:bldP spid="3" grpId="0" uiExpand="1" build="p"/>
+    </p:bldLst>
+  </p:timing>
+</p:sld>
+</file>
+
+<file path=ppt/slides/slide25.xml><?xml version="1.0" encoding="utf-8"?>
+<p:sld xmlns:a="http://schemas.openxmlformats.org/drawingml/2006/main" xmlns:r="http://schemas.openxmlformats.org/officeDocument/2006/relationships" xmlns:p="http://schemas.openxmlformats.org/presentationml/2006/main">
+  <p:cSld>
+    <p:spTree>
+      <p:nvGrpSpPr>
+        <p:cNvPr id="1" name=""/>
+        <p:cNvGrpSpPr/>
+        <p:nvPr/>
+      </p:nvGrpSpPr>
+      <p:grpSpPr>
+        <a:xfrm>
+          <a:off x="0" y="0"/>
+          <a:ext cx="0" cy="0"/>
+          <a:chOff x="0" y="0"/>
+          <a:chExt cx="0" cy="0"/>
+        </a:xfrm>
+      </p:grpSpPr>
+      <p:sp>
+        <p:nvSpPr>
+          <p:cNvPr id="2" name="Title 1">
+            <a:extLst>
+              <a:ext uri="{FF2B5EF4-FFF2-40B4-BE49-F238E27FC236}">
+                <a16:creationId xmlns:a16="http://schemas.microsoft.com/office/drawing/2014/main" id="{DD9B8E45-0772-954C-8D4B-6E6808DFEDED}"/>
+              </a:ext>
+            </a:extLst>
+          </p:cNvPr>
+          <p:cNvSpPr>
+            <a:spLocks noGrp="1"/>
+          </p:cNvSpPr>
+          <p:nvPr>
+            <p:ph type="title"/>
+          </p:nvPr>
+        </p:nvSpPr>
+        <p:spPr>
+          <a:xfrm>
+            <a:off x="838200" y="365129"/>
+            <a:ext cx="10002520" cy="1325563"/>
+          </a:xfrm>
+          <a:prstGeom prst="rect">
+            <a:avLst/>
+          </a:prstGeom>
+        </p:spPr>
+        <p:txBody>
+          <a:bodyPr/>
+          <a:lstStyle/>
+          <a:p>
+            <a:pPr lvl="0" indent="0" marL="0">
+              <a:buNone/>
+            </a:pPr>
+            <a:r>
+              <a:rPr/>
+              <a:t>Coursework</a:t>
+            </a:r>
+          </a:p>
+        </p:txBody>
+      </p:sp>
+      <p:sp>
+        <p:nvSpPr>
+          <p:cNvPr id="3" name="Content Placeholder 2">
+            <a:extLst>
+              <a:ext uri="{FF2B5EF4-FFF2-40B4-BE49-F238E27FC236}">
+                <a16:creationId xmlns:a16="http://schemas.microsoft.com/office/drawing/2014/main" id="{A4EB24F9-04F1-C843-9D71-56C5C024552B}"/>
+              </a:ext>
+            </a:extLst>
+          </p:cNvPr>
+          <p:cNvSpPr>
+            <a:spLocks noGrp="1"/>
+          </p:cNvSpPr>
+          <p:nvPr>
+            <p:ph idx="1"/>
+          </p:nvPr>
+        </p:nvSpPr>
+        <p:spPr/>
+        <p:txBody>
+          <a:bodyPr/>
+          <a:lstStyle/>
+          <a:p>
+            <a:pPr lvl="0" indent="0" marL="0">
+              <a:buNone/>
+            </a:pPr>
+            <a:r>
+              <a:rPr/>
+              <a:t>The courseworks ALL require reflection and metacognitive practice. This will be discussed in a number of lectures, but it contributes to effective learning and your integration of the skills and experience.</a:t>
+            </a:r>
+          </a:p>
+        </p:txBody>
+      </p:sp>
+    </p:spTree>
+  </p:cSld>
+</p:sld>
+</file>
+
+<file path=ppt/slides/slide26.xml><?xml version="1.0" encoding="utf-8"?>
+<p:sld xmlns:a="http://schemas.openxmlformats.org/drawingml/2006/main" xmlns:r="http://schemas.openxmlformats.org/officeDocument/2006/relationships" xmlns:p="http://schemas.openxmlformats.org/presentationml/2006/main">
+  <p:cSld>
+    <p:spTree>
+      <p:nvGrpSpPr>
+        <p:cNvPr id="1" name=""/>
+        <p:cNvGrpSpPr/>
+        <p:nvPr/>
+      </p:nvGrpSpPr>
+      <p:grpSpPr>
+        <a:xfrm>
+          <a:off x="0" y="0"/>
+          <a:ext cx="0" cy="0"/>
+          <a:chOff x="0" y="0"/>
+          <a:chExt cx="0" cy="0"/>
+        </a:xfrm>
+      </p:grpSpPr>
+      <p:sp>
+        <p:nvSpPr>
+          <p:cNvPr id="2" name="Title 1">
+            <a:extLst>
+              <a:ext uri="{FF2B5EF4-FFF2-40B4-BE49-F238E27FC236}">
+                <a16:creationId xmlns:a16="http://schemas.microsoft.com/office/drawing/2014/main" id="{DD9B8E45-0772-954C-8D4B-6E6808DFEDED}"/>
+              </a:ext>
+            </a:extLst>
+          </p:cNvPr>
+          <p:cNvSpPr>
+            <a:spLocks noGrp="1"/>
+          </p:cNvSpPr>
+          <p:nvPr>
+            <p:ph type="title"/>
+          </p:nvPr>
+        </p:nvSpPr>
+        <p:spPr>
+          <a:xfrm>
+            <a:off x="838200" y="365129"/>
+            <a:ext cx="10002520" cy="1325563"/>
+          </a:xfrm>
+          <a:prstGeom prst="rect">
+            <a:avLst/>
+          </a:prstGeom>
+        </p:spPr>
+        <p:txBody>
+          <a:bodyPr/>
+          <a:lstStyle/>
+          <a:p>
+            <a:pPr lvl="0" indent="0" marL="0">
+              <a:buNone/>
+            </a:pPr>
+            <a:r>
+              <a:rPr/>
+              <a:t>Time management and teamwork</a:t>
+            </a:r>
+          </a:p>
+        </p:txBody>
+      </p:sp>
+      <p:sp>
+        <p:nvSpPr>
+          <p:cNvPr id="3" name="Content Placeholder 2">
+            <a:extLst>
+              <a:ext uri="{FF2B5EF4-FFF2-40B4-BE49-F238E27FC236}">
+                <a16:creationId xmlns:a16="http://schemas.microsoft.com/office/drawing/2014/main" id="{A4EB24F9-04F1-C843-9D71-56C5C024552B}"/>
+              </a:ext>
+            </a:extLst>
+          </p:cNvPr>
+          <p:cNvSpPr>
+            <a:spLocks noGrp="1"/>
+          </p:cNvSpPr>
+          <p:nvPr>
+            <p:ph idx="1"/>
+          </p:nvPr>
+        </p:nvSpPr>
+        <p:spPr/>
+        <p:txBody>
+          <a:bodyPr/>
+          <a:lstStyle/>
+          <a:p>
+            <a:pPr lvl="0" indent="0" marL="0">
+              <a:buNone/>
+            </a:pPr>
+            <a:r>
+              <a:rPr/>
+              <a:t>..will both be required.</a:t>
+            </a:r>
+          </a:p>
+          <a:p>
+            <a:pPr lvl="0" indent="0" marL="0">
+              <a:buNone/>
+            </a:pPr>
+            <a:r>
+              <a:rPr/>
+              <a:t>I ask you to see both as an </a:t>
+            </a:r>
+            <a:r>
+              <a:rPr b="1"/>
+              <a:t>opportunity</a:t>
+            </a:r>
+            <a:r>
+              <a:rPr/>
+              <a:t> to deliberately practice these important skills.</a:t>
+            </a:r>
+          </a:p>
+          <a:p>
+            <a:pPr lvl="0" indent="0" marL="0">
+              <a:buNone/>
+            </a:pPr>
+            <a:r>
+              <a:rPr/>
+              <a:t>You will see we have some ideas to make this more relevant to careers and employability.</a:t>
+            </a:r>
+          </a:p>
+          <a:p>
+            <a:pPr lvl="0" indent="0" marL="0">
+              <a:buNone/>
+            </a:pPr>
+            <a:r>
+              <a:rPr/>
+              <a:t>It is easier to ‘keep up than to catch up’.</a:t>
+            </a:r>
+          </a:p>
+        </p:txBody>
+      </p:sp>
+    </p:spTree>
+  </p:cSld>
+</p:sld>
+</file>
+
+<file path=ppt/slides/slide27.xml><?xml version="1.0" encoding="utf-8"?>
+<p:sld xmlns:a="http://schemas.openxmlformats.org/drawingml/2006/main" xmlns:r="http://schemas.openxmlformats.org/officeDocument/2006/relationships" xmlns:p="http://schemas.openxmlformats.org/presentationml/2006/main">
+  <p:cSld>
+    <p:spTree>
+      <p:nvGrpSpPr>
+        <p:cNvPr id="1" name=""/>
+        <p:cNvGrpSpPr/>
+        <p:nvPr/>
+      </p:nvGrpSpPr>
+      <p:grpSpPr>
+        <a:xfrm>
+          <a:off x="0" y="0"/>
+          <a:ext cx="0" cy="0"/>
+          <a:chOff x="0" y="0"/>
+          <a:chExt cx="0" cy="0"/>
+        </a:xfrm>
+      </p:grpSpPr>
+      <p:sp>
+        <p:nvSpPr>
+          <p:cNvPr id="2" name="Title 1">
+            <a:extLst>
+              <a:ext uri="{FF2B5EF4-FFF2-40B4-BE49-F238E27FC236}">
+                <a16:creationId xmlns:a16="http://schemas.microsoft.com/office/drawing/2014/main" id="{DD9B8E45-0772-954C-8D4B-6E6808DFEDED}"/>
+              </a:ext>
+            </a:extLst>
+          </p:cNvPr>
+          <p:cNvSpPr>
+            <a:spLocks noGrp="1"/>
+          </p:cNvSpPr>
+          <p:nvPr>
+            <p:ph type="title"/>
+          </p:nvPr>
+        </p:nvSpPr>
+        <p:spPr>
+          <a:xfrm>
+            <a:off x="838200" y="365129"/>
+            <a:ext cx="10002520" cy="1325563"/>
+          </a:xfrm>
+          <a:prstGeom prst="rect">
+            <a:avLst/>
+          </a:prstGeom>
+        </p:spPr>
+        <p:txBody>
+          <a:bodyPr/>
+          <a:lstStyle/>
+          <a:p>
+            <a:pPr lvl="0" indent="0" marL="0">
+              <a:buNone/>
+            </a:pPr>
+            <a:r>
+              <a:rPr/>
+              <a:t>Resources</a:t>
+            </a:r>
+          </a:p>
+        </p:txBody>
+      </p:sp>
+      <p:sp>
+        <p:nvSpPr>
+          <p:cNvPr id="3" name="Content Placeholder 2">
+            <a:extLst>
+              <a:ext uri="{FF2B5EF4-FFF2-40B4-BE49-F238E27FC236}">
+                <a16:creationId xmlns:a16="http://schemas.microsoft.com/office/drawing/2014/main" id="{A4EB24F9-04F1-C843-9D71-56C5C024552B}"/>
+              </a:ext>
+            </a:extLst>
+          </p:cNvPr>
+          <p:cNvSpPr>
+            <a:spLocks noGrp="1"/>
+          </p:cNvSpPr>
+          <p:nvPr>
+            <p:ph idx="1"/>
+          </p:nvPr>
+        </p:nvSpPr>
+        <p:spPr/>
+        <p:txBody>
+          <a:bodyPr/>
+          <a:lstStyle/>
+          <a:p>
+            <a:pPr lvl="0" indent="0" marL="0">
+              <a:buNone/>
+            </a:pPr>
+            <a:r>
+              <a:rPr/>
+              <a:t>We will be releasing a </a:t>
+            </a:r>
+            <a:r>
+              <a:rPr b="1"/>
+              <a:t>series</a:t>
+            </a:r>
+            <a:r>
+              <a:rPr/>
+              <a:t> of valuable resources to help you through every step of the process</a:t>
+            </a:r>
+          </a:p>
+          <a:p>
+            <a:pPr lvl="0" indent="0" marL="0">
+              <a:buNone/>
+            </a:pPr>
+            <a:r>
+              <a:rPr/>
+              <a:t>These will </a:t>
+            </a:r>
+            <a:r>
+              <a:rPr b="1"/>
+              <a:t>entirely relevant</a:t>
+            </a:r>
+            <a:r>
+              <a:rPr/>
+              <a:t> to your final year dissertation also.</a:t>
+            </a:r>
+          </a:p>
+          <a:p>
+            <a:pPr lvl="0" indent="0" marL="0">
+              <a:buNone/>
+            </a:pPr>
+            <a:r>
+              <a:rPr b="1"/>
+              <a:t>Contribution to and comment</a:t>
+            </a:r>
+            <a:r>
+              <a:rPr/>
+              <a:t> on these is welcome and hoped for!</a:t>
+            </a:r>
+          </a:p>
+          <a:p>
+            <a:pPr lvl="0" indent="0" marL="0">
+              <a:buNone/>
+            </a:pPr>
+            <a:r>
+              <a:rPr b="1"/>
+              <a:t>Open Educational Resources</a:t>
+            </a:r>
+            <a:r>
+              <a:rPr/>
+              <a:t> will be used extensively, and most core readings are available online via the library.</a:t>
+            </a:r>
+          </a:p>
+        </p:txBody>
+      </p:sp>
+    </p:spTree>
+  </p:cSld>
+</p:sld>
+</file>
+
+<file path=ppt/slides/slide28.xml><?xml version="1.0" encoding="utf-8"?>
+<p:sld xmlns:a="http://schemas.openxmlformats.org/drawingml/2006/main" xmlns:r="http://schemas.openxmlformats.org/officeDocument/2006/relationships" xmlns:p="http://schemas.openxmlformats.org/presentationml/2006/main">
+  <p:cSld>
+    <p:spTree>
+      <p:nvGrpSpPr>
+        <p:cNvPr id="1" name=""/>
+        <p:cNvGrpSpPr/>
+        <p:nvPr/>
+      </p:nvGrpSpPr>
+      <p:grpSpPr>
+        <a:xfrm>
+          <a:off x="0" y="0"/>
+          <a:ext cx="0" cy="0"/>
+          <a:chOff x="0" y="0"/>
+          <a:chExt cx="0" cy="0"/>
+        </a:xfrm>
+      </p:grpSpPr>
+      <p:sp>
+        <p:nvSpPr>
+          <p:cNvPr id="2" name="Title 1">
+            <a:extLst>
+              <a:ext uri="{FF2B5EF4-FFF2-40B4-BE49-F238E27FC236}">
+                <a16:creationId xmlns:a16="http://schemas.microsoft.com/office/drawing/2014/main" id="{DD9B8E45-0772-954C-8D4B-6E6808DFEDED}"/>
+              </a:ext>
+            </a:extLst>
+          </p:cNvPr>
+          <p:cNvSpPr>
+            <a:spLocks noGrp="1"/>
+          </p:cNvSpPr>
+          <p:nvPr>
+            <p:ph type="title"/>
+          </p:nvPr>
+        </p:nvSpPr>
+        <p:spPr>
+          <a:xfrm>
+            <a:off x="838200" y="365129"/>
+            <a:ext cx="10002520" cy="1325563"/>
+          </a:xfrm>
+          <a:prstGeom prst="rect">
+            <a:avLst/>
+          </a:prstGeom>
+        </p:spPr>
+        <p:txBody>
+          <a:bodyPr/>
+          <a:lstStyle/>
+          <a:p>
+            <a:pPr lvl="0" indent="0" marL="0">
+              <a:buNone/>
+            </a:pPr>
+            <a:r>
+              <a:rPr/>
+              <a:t>Lectures Term One</a:t>
+            </a:r>
+          </a:p>
+        </p:txBody>
+      </p:sp>
+      <p:pic>
+        <p:nvPicPr>
+          <p:cNvPr descr="images/paste-882EBB81.png" id="0" name="Picture 1"/>
+          <p:cNvPicPr>
+            <a:picLocks noGrp="1" noChangeAspect="1"/>
+          </p:cNvPicPr>
+          <p:nvPr/>
+        </p:nvPicPr>
+        <p:blipFill>
+          <a:blip r:embed="rId2"/>
+          <a:stretch>
+            <a:fillRect/>
+          </a:stretch>
+        </p:blipFill>
+        <p:spPr bwMode="auto">
+          <a:xfrm>
+            <a:off x="3365500" y="1816100"/>
+            <a:ext cx="5461000" cy="4343400"/>
+          </a:xfrm>
+          <a:prstGeom prst="rect">
+            <a:avLst/>
+          </a:prstGeom>
+          <a:noFill/>
+          <a:ln w="9525">
+            <a:noFill/>
+            <a:headEnd/>
+            <a:tailEnd/>
+          </a:ln>
+        </p:spPr>
+      </p:pic>
+    </p:spTree>
+  </p:cSld>
+</p:sld>
+</file>
+
+<file path=ppt/slides/slide29.xml><?xml version="1.0" encoding="utf-8"?>
+<p:sld xmlns:a="http://schemas.openxmlformats.org/drawingml/2006/main" xmlns:r="http://schemas.openxmlformats.org/officeDocument/2006/relationships" xmlns:p="http://schemas.openxmlformats.org/presentationml/2006/main">
+  <p:cSld>
+    <p:spTree>
+      <p:nvGrpSpPr>
+        <p:cNvPr id="1" name=""/>
+        <p:cNvGrpSpPr/>
+        <p:nvPr/>
+      </p:nvGrpSpPr>
+      <p:grpSpPr>
+        <a:xfrm>
+          <a:off x="0" y="0"/>
+          <a:ext cx="0" cy="0"/>
+          <a:chOff x="0" y="0"/>
+          <a:chExt cx="0" cy="0"/>
+        </a:xfrm>
+      </p:grpSpPr>
+      <p:sp>
+        <p:nvSpPr>
+          <p:cNvPr id="2" name="Title 1">
+            <a:extLst>
+              <a:ext uri="{FF2B5EF4-FFF2-40B4-BE49-F238E27FC236}">
+                <a16:creationId xmlns:a16="http://schemas.microsoft.com/office/drawing/2014/main" id="{DD9B8E45-0772-954C-8D4B-6E6808DFEDED}"/>
+              </a:ext>
+            </a:extLst>
+          </p:cNvPr>
+          <p:cNvSpPr>
+            <a:spLocks noGrp="1"/>
+          </p:cNvSpPr>
+          <p:nvPr>
+            <p:ph type="title"/>
+          </p:nvPr>
+        </p:nvSpPr>
+        <p:spPr>
+          <a:xfrm>
+            <a:off x="838200" y="365129"/>
+            <a:ext cx="10002520" cy="1325563"/>
+          </a:xfrm>
+          <a:prstGeom prst="rect">
+            <a:avLst/>
+          </a:prstGeom>
+        </p:spPr>
+        <p:txBody>
+          <a:bodyPr/>
+          <a:lstStyle/>
+          <a:p>
+            <a:pPr lvl="0" indent="0" marL="0">
+              <a:buNone/>
+            </a:pPr>
+            <a:r>
+              <a:rPr/>
+              <a:t>Lectures Term Two</a:t>
+            </a:r>
+          </a:p>
+        </p:txBody>
+      </p:sp>
+      <p:pic>
+        <p:nvPicPr>
+          <p:cNvPr descr="images/paste-D7119200.png" id="0" name="Picture 1"/>
+          <p:cNvPicPr>
+            <a:picLocks noGrp="1" noChangeAspect="1"/>
+          </p:cNvPicPr>
+          <p:nvPr/>
+        </p:nvPicPr>
+        <p:blipFill>
+          <a:blip r:embed="rId2"/>
+          <a:stretch>
+            <a:fillRect/>
+          </a:stretch>
+        </p:blipFill>
+        <p:spPr bwMode="auto">
+          <a:xfrm>
+            <a:off x="2895600" y="1816100"/>
+            <a:ext cx="6388100" cy="4343400"/>
+          </a:xfrm>
+          <a:prstGeom prst="rect">
+            <a:avLst/>
+          </a:prstGeom>
+          <a:noFill/>
+          <a:ln w="9525">
+            <a:noFill/>
+            <a:headEnd/>
+            <a:tailEnd/>
+          </a:ln>
+        </p:spPr>
+      </p:pic>
     </p:spTree>
   </p:cSld>
 </p:sld>
@@ -5086,7 +8879,7 @@
             </a:pPr>
             <a:r>
               <a:rPr/>
-              <a:t>Heading 1 - Section Head</a:t>
+              <a:t>Key topics today</a:t>
             </a:r>
           </a:p>
         </p:txBody>
@@ -5112,219 +8905,2408 @@
           <a:bodyPr/>
           <a:lstStyle/>
           <a:p>
-            <a:pPr lvl="0" indent="0" marL="0">
-              <a:buNone/>
+            <a:pPr lvl="0"/>
+            <a:r>
+              <a:rPr/>
+              <a:t>Module structure and coursework</a:t>
+            </a:r>
+          </a:p>
+          <a:p>
+            <a:pPr lvl="1" indent="-257175" marL="514350">
+              <a:buAutoNum type="romanLcPeriod"/>
             </a:pPr>
             <a:r>
               <a:rPr/>
-              <a:t>This is a subtitle to the section header</a:t>
-            </a:r>
-          </a:p>
-          <a:p>
-            <a:pPr lvl="0" indent="0" marL="0">
-              <a:spcBef>
-                <a:spcPts val="3000"/>
-              </a:spcBef>
-              <a:buNone/>
+              <a:t>Critical Proposal (15%)</a:t>
+            </a:r>
+          </a:p>
+          <a:p>
+            <a:pPr lvl="1" indent="-257175" marL="514350">
+              <a:buAutoNum type="romanLcPeriod"/>
             </a:pPr>
             <a:r>
-              <a:rPr b="1"/>
-              <a:t>Heading 2 - new slide title</a:t>
-            </a:r>
-          </a:p>
-          <a:p>
-            <a:pPr lvl="0" indent="0" marL="0">
-              <a:buNone/>
+              <a:rPr/>
+              <a:t>Mini-Dissertation (70%)</a:t>
+            </a:r>
+          </a:p>
+          <a:p>
+            <a:pPr lvl="1" indent="-257175" marL="514350">
+              <a:buAutoNum type="romanLcPeriod"/>
             </a:pPr>
             <a:r>
               <a:rPr/>
-              <a:t>Heading 2 copy</a:t>
-            </a:r>
-          </a:p>
-          <a:p>
-            <a:pPr lvl="0" indent="0" marL="0">
-              <a:spcBef>
-                <a:spcPts val="3000"/>
-              </a:spcBef>
-              <a:buNone/>
-            </a:pPr>
-            <a:r>
-              <a:rPr b="1"/>
-              <a:t>Heading 3 - italic emphasis</a:t>
-            </a:r>
-          </a:p>
-          <a:p>
-            <a:pPr lvl="0" indent="0" marL="0">
-              <a:spcBef>
-                <a:spcPts val="3000"/>
-              </a:spcBef>
-              <a:buNone/>
-            </a:pPr>
-            <a:r>
-              <a:rPr b="1"/>
-              <a:t>Spans for text accentuation - available in source mode</a:t>
-            </a:r>
-          </a:p>
-          <a:p>
-            <a:pPr lvl="0" indent="0" marL="0">
-              <a:buNone/>
-            </a:pPr>
-            <a:r>
-              <a:rPr/>
-              <a:t>.shout accent3(red) 1.5em and Bold</a:t>
-            </a:r>
-          </a:p>
-          <a:p>
-            <a:pPr lvl="0" indent="0" marL="0">
-              <a:buNone/>
-            </a:pPr>
-            <a:r>
-              <a:rPr/>
-              <a:t>.alert accent3(red) no change to font size</a:t>
-            </a:r>
-          </a:p>
-          <a:p>
-            <a:pPr lvl="0" indent="0" marL="0">
-              <a:buNone/>
-            </a:pPr>
-            <a:r>
-              <a:rPr/>
-              <a:t>.fg .bg</a:t>
-            </a:r>
-          </a:p>
-          <a:p>
-            <a:pPr lvl="0" indent="0" marL="0">
-              <a:buNone/>
-            </a:pPr>
-            <a:r>
-              <a:rPr/>
-              <a:t>.button accent1 whitetext button for link</a:t>
-            </a:r>
-          </a:p>
-          <a:p>
-            <a:pPr lvl="0" indent="0" marL="0">
-              <a:buNone/>
-            </a:pPr>
-            <a:r>
-              <a:rPr/>
-              <a:t>.button-success</a:t>
-            </a:r>
-          </a:p>
-          <a:p>
-            <a:pPr lvl="0" indent="0" marL="0">
-              <a:buNone/>
-            </a:pPr>
-            <a:r>
-              <a:rPr/>
-              <a:t>.takeaway</a:t>
-            </a:r>
-          </a:p>
-          <a:p>
-            <a:pPr lvl="0" indent="0" marL="0">
-              <a:buNone/>
-            </a:pPr>
-            <a:r>
-              <a:rPr/>
-              <a:t>.highlight</a:t>
-            </a:r>
-          </a:p>
-          <a:p>
-            <a:pPr lvl="0" indent="0" marL="0">
-              <a:spcBef>
-                <a:spcPts val="3000"/>
-              </a:spcBef>
-              <a:buNone/>
-            </a:pPr>
-            <a:r>
-              <a:rPr b="1"/>
-              <a:t>Citations</a:t>
-            </a:r>
-          </a:p>
-          <a:p>
-            <a:pPr lvl="0" indent="0" marL="0">
-              <a:buNone/>
-            </a:pPr>
-            <a:r>
-              <a:rPr/>
-              <a:t>Wright et al. (2012)</a:t>
-            </a:r>
-          </a:p>
-          <a:p>
-            <a:pPr lvl="0" indent="0" marL="0">
-              <a:buNone/>
-            </a:pPr>
-            <a:r>
-              <a:rPr/>
-              <a:t>Cohen (1992) In text citation </a:t>
-            </a:r>
-            <a:r>
-              <a:rPr>
-                <a:latin typeface="Courier"/>
-              </a:rPr>
-              <a:t>@Cohen1992</a:t>
-            </a:r>
-          </a:p>
-          <a:p>
-            <a:pPr lvl="0" indent="0" marL="0">
-              <a:buNone/>
-            </a:pPr>
-            <a:r>
-              <a:rPr/>
-              <a:t>(Cohen, 1992) not in-text citation `(Cohen, 1992)</a:t>
-            </a:r>
-          </a:p>
-          <a:p>
-            <a:pPr lvl="0" indent="0" marL="0">
-              <a:buNone/>
-            </a:pPr>
-            <a:r>
-              <a:rPr/>
-              <a:t>just type `@` and a search box comes up for your Zotero library or a .bib file associated with the project</a:t>
-            </a:r>
-          </a:p>
-          <a:p>
-            <a:pPr lvl="0" indent="0" marL="0">
-              <a:spcBef>
-                <a:spcPts val="3000"/>
-              </a:spcBef>
-              <a:buNone/>
-            </a:pPr>
-            <a:r>
-              <a:rPr b="1"/>
-              <a:t>Image|content 2 column</a:t>
-            </a:r>
-          </a:p>
-          <a:p>
-            <a:pPr lvl="0" indent="0" marL="0">
-              <a:buNone/>
-            </a:pPr>
-            <a:r>
-              <a:rPr/>
-              <a:t>Slide with image and commentary in two columns and some explanatory text above</a:t>
-            </a:r>
-          </a:p>
-          <a:p>
-            <a:pPr lvl="0" indent="0" marL="0">
-              <a:buNone/>
-            </a:pPr>
-            <a:r>
-              <a:rPr/>
-              <a:t>text text text text text text text text text text text text</a:t>
-            </a:r>
-          </a:p>
-          <a:p>
-            <a:pPr lvl="0" indent="0" marL="0">
-              <a:buNone/>
-            </a:pPr>
-            <a:r>
-              <a:rPr/>
-              <a:t>text text text text text text text text text text text text</a:t>
+              <a:t>Conceptual, Historical &amp; Integrative Perspectives Log (CHIP Log) (15%)</a:t>
+            </a:r>
+          </a:p>
+          <a:p>
+            <a:pPr lvl="0"/>
+            <a:r>
+              <a:rPr/>
+              <a:t>Labs in general and the lab tomorrow</a:t>
+            </a:r>
+          </a:p>
+          <a:p>
+            <a:pPr lvl="0"/>
+            <a:r>
+              <a:rPr/>
+              <a:t>Materials, independent study, SUCCESS!</a:t>
             </a:r>
           </a:p>
         </p:txBody>
       </p:sp>
     </p:spTree>
   </p:cSld>
+</p:sld>
+</file>
+
+<file path=ppt/slides/slide30.xml><?xml version="1.0" encoding="utf-8"?>
+<p:sld xmlns:a="http://schemas.openxmlformats.org/drawingml/2006/main" xmlns:r="http://schemas.openxmlformats.org/officeDocument/2006/relationships" xmlns:p="http://schemas.openxmlformats.org/presentationml/2006/main">
+  <p:cSld>
+    <p:spTree>
+      <p:nvGrpSpPr>
+        <p:cNvPr id="1" name=""/>
+        <p:cNvGrpSpPr/>
+        <p:nvPr/>
+      </p:nvGrpSpPr>
+      <p:grpSpPr>
+        <a:xfrm>
+          <a:off x="0" y="0"/>
+          <a:ext cx="0" cy="0"/>
+          <a:chOff x="0" y="0"/>
+          <a:chExt cx="0" cy="0"/>
+        </a:xfrm>
+      </p:grpSpPr>
+      <p:sp>
+        <p:nvSpPr>
+          <p:cNvPr id="2" name="Title 1">
+            <a:extLst>
+              <a:ext uri="{FF2B5EF4-FFF2-40B4-BE49-F238E27FC236}">
+                <a16:creationId xmlns:a16="http://schemas.microsoft.com/office/drawing/2014/main" id="{DD9B8E45-0772-954C-8D4B-6E6808DFEDED}"/>
+              </a:ext>
+            </a:extLst>
+          </p:cNvPr>
+          <p:cNvSpPr>
+            <a:spLocks noGrp="1"/>
+          </p:cNvSpPr>
+          <p:nvPr>
+            <p:ph type="title"/>
+          </p:nvPr>
+        </p:nvSpPr>
+        <p:spPr>
+          <a:xfrm>
+            <a:off x="838200" y="365129"/>
+            <a:ext cx="10002520" cy="1325563"/>
+          </a:xfrm>
+          <a:prstGeom prst="rect">
+            <a:avLst/>
+          </a:prstGeom>
+        </p:spPr>
+        <p:txBody>
+          <a:bodyPr/>
+          <a:lstStyle/>
+          <a:p>
+            <a:pPr lvl="0" indent="0" marL="0">
+              <a:buNone/>
+            </a:pPr>
+            <a:r>
+              <a:rPr/>
+              <a:t>Labs Term One</a:t>
+            </a:r>
+          </a:p>
+        </p:txBody>
+      </p:sp>
+      <p:pic>
+        <p:nvPicPr>
+          <p:cNvPr descr="images/paste-A76C1449.png" id="0" name="Picture 1"/>
+          <p:cNvPicPr>
+            <a:picLocks noGrp="1" noChangeAspect="1"/>
+          </p:cNvPicPr>
+          <p:nvPr/>
+        </p:nvPicPr>
+        <p:blipFill>
+          <a:blip r:embed="rId2"/>
+          <a:stretch>
+            <a:fillRect/>
+          </a:stretch>
+        </p:blipFill>
+        <p:spPr bwMode="auto">
+          <a:xfrm>
+            <a:off x="3162300" y="1816100"/>
+            <a:ext cx="5880100" cy="4343400"/>
+          </a:xfrm>
+          <a:prstGeom prst="rect">
+            <a:avLst/>
+          </a:prstGeom>
+          <a:noFill/>
+          <a:ln w="9525">
+            <a:noFill/>
+            <a:headEnd/>
+            <a:tailEnd/>
+          </a:ln>
+        </p:spPr>
+      </p:pic>
+    </p:spTree>
+  </p:cSld>
+</p:sld>
+</file>
+
+<file path=ppt/slides/slide31.xml><?xml version="1.0" encoding="utf-8"?>
+<p:sld xmlns:a="http://schemas.openxmlformats.org/drawingml/2006/main" xmlns:r="http://schemas.openxmlformats.org/officeDocument/2006/relationships" xmlns:p="http://schemas.openxmlformats.org/presentationml/2006/main">
+  <p:cSld>
+    <p:spTree>
+      <p:nvGrpSpPr>
+        <p:cNvPr id="1" name=""/>
+        <p:cNvGrpSpPr/>
+        <p:nvPr/>
+      </p:nvGrpSpPr>
+      <p:grpSpPr>
+        <a:xfrm>
+          <a:off x="0" y="0"/>
+          <a:ext cx="0" cy="0"/>
+          <a:chOff x="0" y="0"/>
+          <a:chExt cx="0" cy="0"/>
+        </a:xfrm>
+      </p:grpSpPr>
+      <p:sp>
+        <p:nvSpPr>
+          <p:cNvPr id="2" name="Title 1">
+            <a:extLst>
+              <a:ext uri="{FF2B5EF4-FFF2-40B4-BE49-F238E27FC236}">
+                <a16:creationId xmlns:a16="http://schemas.microsoft.com/office/drawing/2014/main" id="{DD9B8E45-0772-954C-8D4B-6E6808DFEDED}"/>
+              </a:ext>
+            </a:extLst>
+          </p:cNvPr>
+          <p:cNvSpPr>
+            <a:spLocks noGrp="1"/>
+          </p:cNvSpPr>
+          <p:nvPr>
+            <p:ph type="title"/>
+          </p:nvPr>
+        </p:nvSpPr>
+        <p:spPr>
+          <a:xfrm>
+            <a:off x="838200" y="365129"/>
+            <a:ext cx="10002520" cy="1325563"/>
+          </a:xfrm>
+          <a:prstGeom prst="rect">
+            <a:avLst/>
+          </a:prstGeom>
+        </p:spPr>
+        <p:txBody>
+          <a:bodyPr/>
+          <a:lstStyle/>
+          <a:p>
+            <a:pPr lvl="0" indent="0" marL="0">
+              <a:buNone/>
+            </a:pPr>
+            <a:r>
+              <a:rPr/>
+              <a:t>Labs Term Two</a:t>
+            </a:r>
+          </a:p>
+        </p:txBody>
+      </p:sp>
+      <p:pic>
+        <p:nvPicPr>
+          <p:cNvPr descr="images/paste-B6FDBAE1.png" id="0" name="Picture 1"/>
+          <p:cNvPicPr>
+            <a:picLocks noGrp="1" noChangeAspect="1"/>
+          </p:cNvPicPr>
+          <p:nvPr/>
+        </p:nvPicPr>
+        <p:blipFill>
+          <a:blip r:embed="rId2"/>
+          <a:stretch>
+            <a:fillRect/>
+          </a:stretch>
+        </p:blipFill>
+        <p:spPr bwMode="auto">
+          <a:xfrm>
+            <a:off x="2895600" y="1816100"/>
+            <a:ext cx="6413500" cy="4343400"/>
+          </a:xfrm>
+          <a:prstGeom prst="rect">
+            <a:avLst/>
+          </a:prstGeom>
+          <a:noFill/>
+          <a:ln w="9525">
+            <a:noFill/>
+            <a:headEnd/>
+            <a:tailEnd/>
+          </a:ln>
+        </p:spPr>
+      </p:pic>
+    </p:spTree>
+  </p:cSld>
+</p:sld>
+</file>
+
+<file path=ppt/slides/slide32.xml><?xml version="1.0" encoding="utf-8"?>
+<p:sld xmlns:a="http://schemas.openxmlformats.org/drawingml/2006/main" xmlns:r="http://schemas.openxmlformats.org/officeDocument/2006/relationships" xmlns:p="http://schemas.openxmlformats.org/presentationml/2006/main">
+  <p:cSld>
+    <p:spTree>
+      <p:nvGrpSpPr>
+        <p:cNvPr id="1" name=""/>
+        <p:cNvGrpSpPr/>
+        <p:nvPr/>
+      </p:nvGrpSpPr>
+      <p:grpSpPr>
+        <a:xfrm>
+          <a:off x="0" y="0"/>
+          <a:ext cx="0" cy="0"/>
+          <a:chOff x="0" y="0"/>
+          <a:chExt cx="0" cy="0"/>
+        </a:xfrm>
+      </p:grpSpPr>
+      <p:sp>
+        <p:nvSpPr>
+          <p:cNvPr id="2" name="Title 1">
+            <a:extLst>
+              <a:ext uri="{FF2B5EF4-FFF2-40B4-BE49-F238E27FC236}">
+                <a16:creationId xmlns:a16="http://schemas.microsoft.com/office/drawing/2014/main" id="{DD9B8E45-0772-954C-8D4B-6E6808DFEDED}"/>
+              </a:ext>
+            </a:extLst>
+          </p:cNvPr>
+          <p:cNvSpPr>
+            <a:spLocks noGrp="1"/>
+          </p:cNvSpPr>
+          <p:nvPr>
+            <p:ph type="title"/>
+          </p:nvPr>
+        </p:nvSpPr>
+        <p:spPr>
+          <a:xfrm>
+            <a:off x="838200" y="365129"/>
+            <a:ext cx="10002520" cy="1325563"/>
+          </a:xfrm>
+          <a:prstGeom prst="rect">
+            <a:avLst/>
+          </a:prstGeom>
+        </p:spPr>
+        <p:txBody>
+          <a:bodyPr/>
+          <a:lstStyle/>
+          <a:p>
+            <a:pPr lvl="0" indent="0" marL="0">
+              <a:buNone/>
+            </a:pPr>
+            <a:r>
+              <a:rPr/>
+              <a:t>Mini-Dissertation structure</a:t>
+            </a:r>
+          </a:p>
+        </p:txBody>
+      </p:sp>
+      <p:sp>
+        <p:nvSpPr>
+          <p:cNvPr id="3" name="Content Placeholder 2">
+            <a:extLst>
+              <a:ext uri="{FF2B5EF4-FFF2-40B4-BE49-F238E27FC236}">
+                <a16:creationId xmlns:a16="http://schemas.microsoft.com/office/drawing/2014/main" id="{A4EB24F9-04F1-C843-9D71-56C5C024552B}"/>
+              </a:ext>
+            </a:extLst>
+          </p:cNvPr>
+          <p:cNvSpPr>
+            <a:spLocks noGrp="1"/>
+          </p:cNvSpPr>
+          <p:nvPr>
+            <p:ph idx="1"/>
+          </p:nvPr>
+        </p:nvSpPr>
+        <p:spPr/>
+        <p:txBody>
+          <a:bodyPr/>
+          <a:lstStyle/>
+          <a:p>
+            <a:pPr lvl="0" indent="0" marL="0">
+              <a:buNone/>
+            </a:pPr>
+            <a:r>
+              <a:rPr/>
+              <a:t>Your individual Mini-Dissertation project </a:t>
+            </a:r>
+            <a:r>
+              <a:rPr b="1"/>
+              <a:t>MUST</a:t>
+            </a:r>
+            <a:r>
+              <a:rPr/>
+              <a:t> conform to the following definitive rules:</a:t>
+            </a:r>
+          </a:p>
+          <a:p>
+            <a:pPr lvl="0"/>
+            <a:r>
+              <a:rPr b="1"/>
+              <a:t>2x2 ANOVA design with 2 categorical IVs (each with 2 levels) and a single continuous DV</a:t>
+            </a:r>
+          </a:p>
+          <a:p>
+            <a:pPr lvl="0"/>
+            <a:r>
+              <a:rPr b="1"/>
+              <a:t>You must obtain ethical approval and show individual involvement in the process of application</a:t>
+            </a:r>
+          </a:p>
+          <a:p>
+            <a:pPr lvl="0"/>
+            <a:r>
+              <a:rPr b="1"/>
+              <a:t>You must make a sample size estimation / Power calculation</a:t>
+            </a:r>
+          </a:p>
+          <a:p>
+            <a:pPr lvl="0"/>
+            <a:r>
+              <a:rPr b="1"/>
+              <a:t>You must contribute to group recruitment and data collection efforts either online or in-person</a:t>
+            </a:r>
+          </a:p>
+        </p:txBody>
+      </p:sp>
+    </p:spTree>
+  </p:cSld>
+</p:sld>
+</file>
+
+<file path=ppt/slides/slide33.xml><?xml version="1.0" encoding="utf-8"?>
+<p:sld xmlns:a="http://schemas.openxmlformats.org/drawingml/2006/main" xmlns:r="http://schemas.openxmlformats.org/officeDocument/2006/relationships" xmlns:p="http://schemas.openxmlformats.org/presentationml/2006/main">
+  <p:cSld>
+    <p:spTree>
+      <p:nvGrpSpPr>
+        <p:cNvPr id="1" name=""/>
+        <p:cNvGrpSpPr/>
+        <p:nvPr/>
+      </p:nvGrpSpPr>
+      <p:grpSpPr>
+        <a:xfrm>
+          <a:off x="0" y="0"/>
+          <a:ext cx="0" cy="0"/>
+          <a:chOff x="0" y="0"/>
+          <a:chExt cx="0" cy="0"/>
+        </a:xfrm>
+      </p:grpSpPr>
+      <p:sp>
+        <p:nvSpPr>
+          <p:cNvPr id="2" name="Title 1">
+            <a:extLst>
+              <a:ext uri="{FF2B5EF4-FFF2-40B4-BE49-F238E27FC236}">
+                <a16:creationId xmlns:a16="http://schemas.microsoft.com/office/drawing/2014/main" id="{DD9B8E45-0772-954C-8D4B-6E6808DFEDED}"/>
+              </a:ext>
+            </a:extLst>
+          </p:cNvPr>
+          <p:cNvSpPr>
+            <a:spLocks noGrp="1"/>
+          </p:cNvSpPr>
+          <p:nvPr>
+            <p:ph type="title"/>
+          </p:nvPr>
+        </p:nvSpPr>
+        <p:spPr>
+          <a:xfrm>
+            <a:off x="838200" y="365129"/>
+            <a:ext cx="10002520" cy="1325563"/>
+          </a:xfrm>
+          <a:prstGeom prst="rect">
+            <a:avLst/>
+          </a:prstGeom>
+        </p:spPr>
+        <p:txBody>
+          <a:bodyPr/>
+          <a:lstStyle/>
+          <a:p>
+            <a:pPr lvl="0" indent="0" marL="0">
+              <a:buNone/>
+            </a:pPr>
+            <a:r>
+              <a:rPr/>
+              <a:t>Mini-Dissertation Submission</a:t>
+            </a:r>
+          </a:p>
+        </p:txBody>
+      </p:sp>
+      <p:sp>
+        <p:nvSpPr>
+          <p:cNvPr id="3" name="Content Placeholder 2">
+            <a:extLst>
+              <a:ext uri="{FF2B5EF4-FFF2-40B4-BE49-F238E27FC236}">
+                <a16:creationId xmlns:a16="http://schemas.microsoft.com/office/drawing/2014/main" id="{A4EB24F9-04F1-C843-9D71-56C5C024552B}"/>
+              </a:ext>
+            </a:extLst>
+          </p:cNvPr>
+          <p:cNvSpPr>
+            <a:spLocks noGrp="1"/>
+          </p:cNvSpPr>
+          <p:nvPr>
+            <p:ph idx="1"/>
+          </p:nvPr>
+        </p:nvSpPr>
+        <p:spPr/>
+        <p:txBody>
+          <a:bodyPr/>
+          <a:lstStyle/>
+          <a:p>
+            <a:pPr lvl="0" indent="0" marL="0">
+              <a:buNone/>
+            </a:pPr>
+            <a:r>
+              <a:rPr b="1"/>
+              <a:t>Your Mini-Dissertation final submission must comprise ALL of the following COMPULSORY elements:</a:t>
+            </a:r>
+          </a:p>
+          <a:p>
+            <a:pPr lvl="0"/>
+            <a:r>
+              <a:rPr/>
+              <a:t>a 2,500 word APA7 empirical paper with a complete reference list and appendices</a:t>
+            </a:r>
+          </a:p>
+          <a:p>
+            <a:pPr lvl="0"/>
+            <a:r>
+              <a:rPr/>
+              <a:t>Open Data - a single, cleaned, clearly-labelled data set</a:t>
+            </a:r>
+          </a:p>
+          <a:p>
+            <a:pPr lvl="0"/>
+            <a:r>
+              <a:rPr/>
+              <a:t>Open Materials - a complete, replication-ready materials package detailing materials relevant to your individual write-up</a:t>
+            </a:r>
+          </a:p>
+          <a:p>
+            <a:pPr lvl="0"/>
+            <a:r>
+              <a:rPr/>
+              <a:t>A reflective account covering the Mini-Dissertation </a:t>
+            </a:r>
+            <a:r>
+              <a:rPr u="sng"/>
+              <a:t>AND</a:t>
+            </a:r>
+            <a:r>
+              <a:rPr/>
+              <a:t> the PS52005C Design &amp; Analysis quizzes and how they contributed to your development this year</a:t>
+            </a:r>
+          </a:p>
+        </p:txBody>
+      </p:sp>
+    </p:spTree>
+  </p:cSld>
+</p:sld>
+</file>
+
+<file path=ppt/slides/slide34.xml><?xml version="1.0" encoding="utf-8"?>
+<p:sld xmlns:a="http://schemas.openxmlformats.org/drawingml/2006/main" xmlns:r="http://schemas.openxmlformats.org/officeDocument/2006/relationships" xmlns:p="http://schemas.openxmlformats.org/presentationml/2006/main">
+  <p:cSld>
+    <p:spTree>
+      <p:nvGrpSpPr>
+        <p:cNvPr id="1" name=""/>
+        <p:cNvGrpSpPr/>
+        <p:nvPr/>
+      </p:nvGrpSpPr>
+      <p:grpSpPr>
+        <a:xfrm>
+          <a:off x="0" y="0"/>
+          <a:ext cx="0" cy="0"/>
+          <a:chOff x="0" y="0"/>
+          <a:chExt cx="0" cy="0"/>
+        </a:xfrm>
+      </p:grpSpPr>
+      <p:sp>
+        <p:nvSpPr>
+          <p:cNvPr id="2" name="Title 1">
+            <a:extLst>
+              <a:ext uri="{FF2B5EF4-FFF2-40B4-BE49-F238E27FC236}">
+                <a16:creationId xmlns:a16="http://schemas.microsoft.com/office/drawing/2014/main" id="{DD9B8E45-0772-954C-8D4B-6E6808DFEDED}"/>
+              </a:ext>
+            </a:extLst>
+          </p:cNvPr>
+          <p:cNvSpPr>
+            <a:spLocks noGrp="1"/>
+          </p:cNvSpPr>
+          <p:nvPr>
+            <p:ph type="title"/>
+          </p:nvPr>
+        </p:nvSpPr>
+        <p:spPr>
+          <a:xfrm>
+            <a:off x="838200" y="365129"/>
+            <a:ext cx="10002520" cy="1325563"/>
+          </a:xfrm>
+          <a:prstGeom prst="rect">
+            <a:avLst/>
+          </a:prstGeom>
+        </p:spPr>
+        <p:txBody>
+          <a:bodyPr/>
+          <a:lstStyle/>
+          <a:p>
+            <a:pPr lvl="0" indent="0" marL="0">
+              <a:buNone/>
+            </a:pPr>
+            <a:r>
+              <a:rPr/>
+              <a:t>Illustrative MD topics</a:t>
+            </a:r>
+          </a:p>
+        </p:txBody>
+      </p:sp>
+      <p:sp>
+        <p:nvSpPr>
+          <p:cNvPr id="3" name="Content Placeholder 2">
+            <a:extLst>
+              <a:ext uri="{FF2B5EF4-FFF2-40B4-BE49-F238E27FC236}">
+                <a16:creationId xmlns:a16="http://schemas.microsoft.com/office/drawing/2014/main" id="{A4EB24F9-04F1-C843-9D71-56C5C024552B}"/>
+              </a:ext>
+            </a:extLst>
+          </p:cNvPr>
+          <p:cNvSpPr>
+            <a:spLocks noGrp="1"/>
+          </p:cNvSpPr>
+          <p:nvPr>
+            <p:ph idx="1"/>
+          </p:nvPr>
+        </p:nvSpPr>
+        <p:spPr/>
+        <p:txBody>
+          <a:bodyPr/>
+          <a:lstStyle/>
+          <a:p>
+            <a:pPr lvl="0"/>
+            <a:r>
+              <a:rPr/>
+              <a:t>The effect of gender stereotype and task difficulty on memory performance</a:t>
+            </a:r>
+          </a:p>
+          <a:p>
+            <a:pPr lvl="0"/>
+            <a:r>
+              <a:rPr/>
+              <a:t>The role of facial symmetry and filter type on ratings of attractiveness of online dating profile pictures</a:t>
+            </a:r>
+          </a:p>
+          <a:p>
+            <a:pPr lvl="0"/>
+            <a:r>
+              <a:rPr/>
+              <a:t>Exposure to negative news media, trait anxiety and the BAME community under COVID-19</a:t>
+            </a:r>
+          </a:p>
+          <a:p>
+            <a:pPr lvl="0"/>
+            <a:r>
+              <a:rPr/>
+              <a:t>The effects of Agentic and Communal Narcissism, attitudes towards COVID-19 and lockdown compliance</a:t>
+            </a:r>
+          </a:p>
+          <a:p>
+            <a:pPr lvl="0"/>
+            <a:r>
+              <a:rPr/>
+              <a:t>The effect of personality and sleep disturbance on academic performance</a:t>
+            </a:r>
+          </a:p>
+          <a:p>
+            <a:pPr lvl="0"/>
+            <a:r>
+              <a:rPr/>
+              <a:t>Need for cognition, pre-sentencing information and perceptions of guilt in a jury decision making task</a:t>
+            </a:r>
+          </a:p>
+        </p:txBody>
+      </p:sp>
+    </p:spTree>
+  </p:cSld>
+</p:sld>
+</file>
+
+<file path=ppt/slides/slide35.xml><?xml version="1.0" encoding="utf-8"?>
+<p:sld xmlns:a="http://schemas.openxmlformats.org/drawingml/2006/main" xmlns:r="http://schemas.openxmlformats.org/officeDocument/2006/relationships" xmlns:p="http://schemas.openxmlformats.org/presentationml/2006/main">
+  <p:cSld>
+    <p:spTree>
+      <p:nvGrpSpPr>
+        <p:cNvPr id="1" name=""/>
+        <p:cNvGrpSpPr/>
+        <p:nvPr/>
+      </p:nvGrpSpPr>
+      <p:grpSpPr>
+        <a:xfrm>
+          <a:off x="0" y="0"/>
+          <a:ext cx="0" cy="0"/>
+          <a:chOff x="0" y="0"/>
+          <a:chExt cx="0" cy="0"/>
+        </a:xfrm>
+      </p:grpSpPr>
+      <p:sp>
+        <p:nvSpPr>
+          <p:cNvPr id="2" name="Title 1">
+            <a:extLst>
+              <a:ext uri="{FF2B5EF4-FFF2-40B4-BE49-F238E27FC236}">
+                <a16:creationId xmlns:a16="http://schemas.microsoft.com/office/drawing/2014/main" id="{DD9B8E45-0772-954C-8D4B-6E6808DFEDED}"/>
+              </a:ext>
+            </a:extLst>
+          </p:cNvPr>
+          <p:cNvSpPr>
+            <a:spLocks noGrp="1"/>
+          </p:cNvSpPr>
+          <p:nvPr>
+            <p:ph type="title"/>
+          </p:nvPr>
+        </p:nvSpPr>
+        <p:spPr>
+          <a:xfrm>
+            <a:off x="838200" y="365129"/>
+            <a:ext cx="10002520" cy="1325563"/>
+          </a:xfrm>
+          <a:prstGeom prst="rect">
+            <a:avLst/>
+          </a:prstGeom>
+        </p:spPr>
+        <p:txBody>
+          <a:bodyPr/>
+          <a:lstStyle/>
+          <a:p>
+            <a:pPr lvl="0" indent="0" marL="0">
+              <a:buNone/>
+            </a:pPr>
+            <a:r>
+              <a:rPr/>
+              <a:t>But let’s deep dive this one</a:t>
+            </a:r>
+          </a:p>
+        </p:txBody>
+      </p:sp>
+      <p:sp>
+        <p:nvSpPr>
+          <p:cNvPr id="3" name="Content Placeholder 2">
+            <a:extLst>
+              <a:ext uri="{FF2B5EF4-FFF2-40B4-BE49-F238E27FC236}">
+                <a16:creationId xmlns:a16="http://schemas.microsoft.com/office/drawing/2014/main" id="{A4EB24F9-04F1-C843-9D71-56C5C024552B}"/>
+              </a:ext>
+            </a:extLst>
+          </p:cNvPr>
+          <p:cNvSpPr>
+            <a:spLocks noGrp="1"/>
+          </p:cNvSpPr>
+          <p:nvPr>
+            <p:ph idx="1"/>
+          </p:nvPr>
+        </p:nvSpPr>
+        <p:spPr/>
+        <p:txBody>
+          <a:bodyPr/>
+          <a:lstStyle/>
+          <a:p>
+            <a:pPr lvl="0" indent="0" marL="0">
+              <a:buNone/>
+            </a:pPr>
+            <a:r>
+              <a:rPr b="1"/>
+              <a:t>The effect of Conscientiousness and Caffeine intake on Academic Self-Handicapping</a:t>
+            </a:r>
+          </a:p>
+          <a:p>
+            <a:pPr lvl="0"/>
+            <a:r>
+              <a:rPr i="1"/>
+              <a:t>The effect of Independent Variable 1 and Independent Variable 2 on a continuous Dependent Variable</a:t>
+            </a:r>
+            <a:r>
+              <a:rPr/>
+              <a:t> </a:t>
+            </a:r>
+          </a:p>
+          <a:p>
+            <a:pPr lvl="0"/>
+            <a:r>
+              <a:rPr/>
+              <a:t>Conscientiousness (Low or high - Independent Variable IV1)</a:t>
+            </a:r>
+          </a:p>
+          <a:p>
+            <a:pPr lvl="0"/>
+            <a:r>
+              <a:rPr/>
+              <a:t>Caffeine intake (Low or high - Independent Variable IV2)</a:t>
+            </a:r>
+          </a:p>
+          <a:p>
+            <a:pPr lvl="0"/>
+            <a:r>
+              <a:rPr/>
+              <a:t>Academic Self-Handicapping (6 item 1-5 Likert style, ‘continuous’ Dependent Variable DV)</a:t>
+            </a:r>
+          </a:p>
+          <a:p>
+            <a:pPr lvl="0"/>
+            <a:r>
+              <a:rPr/>
+              <a:t>What about the other 3 people in the group?</a:t>
+            </a:r>
+          </a:p>
+        </p:txBody>
+      </p:sp>
+    </p:spTree>
+  </p:cSld>
+  <p:timing>
+    <p:tnLst>
+      <p:par>
+        <p:cTn id="1" dur="indefinite" restart="never" nodeType="tmRoot">
+          <p:childTnLst>
+            <p:seq concurrent="1" nextAc="seek">
+              <p:cTn id="2" dur="indefinite" nodeType="mainSeq">
+                <p:childTnLst>
+                  <p:par>
+                    <p:cTn id="3" fill="hold">
+                      <p:stCondLst>
+                        <p:cond delay="indefinite"/>
+                      </p:stCondLst>
+                      <p:childTnLst>
+                        <p:par>
+                          <p:cTn id="4" fill="hold">
+                            <p:stCondLst>
+                              <p:cond delay="0"/>
+                            </p:stCondLst>
+                            <p:childTnLst>
+                              <p:par>
+                                <p:cTn id="5" presetID="1" presetClass="entr" presetSubtype="0" fill="hold" grpId="0" nodeType="clickEffect">
+                                  <p:stCondLst>
+                                    <p:cond delay="0"/>
+                                  </p:stCondLst>
+                                  <p:childTnLst>
+                                    <p:set>
+                                      <p:cBhvr>
+                                        <p:cTn id="6" dur="1" fill="hold">
+                                          <p:stCondLst>
+                                            <p:cond delay="0"/>
+                                          </p:stCondLst>
+                                        </p:cTn>
+                                        <p:tgtEl>
+                                          <p:spTgt spid="3">
+                                            <p:txEl>
+                                              <p:pRg st="1" end="1"/>
+                                            </p:txEl>
+                                          </p:spTgt>
+                                        </p:tgtEl>
+                                        <p:attrNameLst>
+                                          <p:attrName>style.visibility</p:attrName>
+                                        </p:attrNameLst>
+                                      </p:cBhvr>
+                                      <p:to>
+                                        <p:strVal val="visible"/>
+                                      </p:to>
+                                    </p:set>
+                                  </p:childTnLst>
+                                </p:cTn>
+                              </p:par>
+                            </p:childTnLst>
+                          </p:cTn>
+                        </p:par>
+                      </p:childTnLst>
+                    </p:cTn>
+                  </p:par>
+                  <p:par>
+                    <p:cTn id="7" fill="hold">
+                      <p:stCondLst>
+                        <p:cond delay="indefinite"/>
+                      </p:stCondLst>
+                      <p:childTnLst>
+                        <p:par>
+                          <p:cTn id="8" fill="hold">
+                            <p:stCondLst>
+                              <p:cond delay="0"/>
+                            </p:stCondLst>
+                            <p:childTnLst>
+                              <p:par>
+                                <p:cTn id="9" presetID="1" presetClass="entr" presetSubtype="0" fill="hold" grpId="0" nodeType="clickEffect">
+                                  <p:stCondLst>
+                                    <p:cond delay="0"/>
+                                  </p:stCondLst>
+                                  <p:childTnLst>
+                                    <p:set>
+                                      <p:cBhvr>
+                                        <p:cTn id="10" dur="1" fill="hold">
+                                          <p:stCondLst>
+                                            <p:cond delay="0"/>
+                                          </p:stCondLst>
+                                        </p:cTn>
+                                        <p:tgtEl>
+                                          <p:spTgt spid="3">
+                                            <p:txEl>
+                                              <p:pRg st="2" end="2"/>
+                                            </p:txEl>
+                                          </p:spTgt>
+                                        </p:tgtEl>
+                                        <p:attrNameLst>
+                                          <p:attrName>style.visibility</p:attrName>
+                                        </p:attrNameLst>
+                                      </p:cBhvr>
+                                      <p:to>
+                                        <p:strVal val="visible"/>
+                                      </p:to>
+                                    </p:set>
+                                  </p:childTnLst>
+                                </p:cTn>
+                              </p:par>
+                            </p:childTnLst>
+                          </p:cTn>
+                        </p:par>
+                      </p:childTnLst>
+                    </p:cTn>
+                  </p:par>
+                  <p:par>
+                    <p:cTn id="11" fill="hold">
+                      <p:stCondLst>
+                        <p:cond delay="indefinite"/>
+                      </p:stCondLst>
+                      <p:childTnLst>
+                        <p:par>
+                          <p:cTn id="12" fill="hold">
+                            <p:stCondLst>
+                              <p:cond delay="0"/>
+                            </p:stCondLst>
+                            <p:childTnLst>
+                              <p:par>
+                                <p:cTn id="13" presetID="1" presetClass="entr" presetSubtype="0" fill="hold" grpId="0" nodeType="clickEffect">
+                                  <p:stCondLst>
+                                    <p:cond delay="0"/>
+                                  </p:stCondLst>
+                                  <p:childTnLst>
+                                    <p:set>
+                                      <p:cBhvr>
+                                        <p:cTn id="14" dur="1" fill="hold">
+                                          <p:stCondLst>
+                                            <p:cond delay="0"/>
+                                          </p:stCondLst>
+                                        </p:cTn>
+                                        <p:tgtEl>
+                                          <p:spTgt spid="3">
+                                            <p:txEl>
+                                              <p:pRg st="3" end="3"/>
+                                            </p:txEl>
+                                          </p:spTgt>
+                                        </p:tgtEl>
+                                        <p:attrNameLst>
+                                          <p:attrName>style.visibility</p:attrName>
+                                        </p:attrNameLst>
+                                      </p:cBhvr>
+                                      <p:to>
+                                        <p:strVal val="visible"/>
+                                      </p:to>
+                                    </p:set>
+                                  </p:childTnLst>
+                                </p:cTn>
+                              </p:par>
+                            </p:childTnLst>
+                          </p:cTn>
+                        </p:par>
+                      </p:childTnLst>
+                    </p:cTn>
+                  </p:par>
+                  <p:par>
+                    <p:cTn id="15" fill="hold">
+                      <p:stCondLst>
+                        <p:cond delay="indefinite"/>
+                      </p:stCondLst>
+                      <p:childTnLst>
+                        <p:par>
+                          <p:cTn id="16" fill="hold">
+                            <p:stCondLst>
+                              <p:cond delay="0"/>
+                            </p:stCondLst>
+                            <p:childTnLst>
+                              <p:par>
+                                <p:cTn id="17" presetID="1" presetClass="entr" presetSubtype="0" fill="hold" grpId="0" nodeType="clickEffect">
+                                  <p:stCondLst>
+                                    <p:cond delay="0"/>
+                                  </p:stCondLst>
+                                  <p:childTnLst>
+                                    <p:set>
+                                      <p:cBhvr>
+                                        <p:cTn id="18" dur="1" fill="hold">
+                                          <p:stCondLst>
+                                            <p:cond delay="0"/>
+                                          </p:stCondLst>
+                                        </p:cTn>
+                                        <p:tgtEl>
+                                          <p:spTgt spid="3">
+                                            <p:txEl>
+                                              <p:pRg st="4" end="4"/>
+                                            </p:txEl>
+                                          </p:spTgt>
+                                        </p:tgtEl>
+                                        <p:attrNameLst>
+                                          <p:attrName>style.visibility</p:attrName>
+                                        </p:attrNameLst>
+                                      </p:cBhvr>
+                                      <p:to>
+                                        <p:strVal val="visible"/>
+                                      </p:to>
+                                    </p:set>
+                                  </p:childTnLst>
+                                </p:cTn>
+                              </p:par>
+                            </p:childTnLst>
+                          </p:cTn>
+                        </p:par>
+                      </p:childTnLst>
+                    </p:cTn>
+                  </p:par>
+                  <p:par>
+                    <p:cTn id="19" fill="hold">
+                      <p:stCondLst>
+                        <p:cond delay="indefinite"/>
+                      </p:stCondLst>
+                      <p:childTnLst>
+                        <p:par>
+                          <p:cTn id="20" fill="hold">
+                            <p:stCondLst>
+                              <p:cond delay="0"/>
+                            </p:stCondLst>
+                            <p:childTnLst>
+                              <p:par>
+                                <p:cTn id="21" presetID="1" presetClass="entr" presetSubtype="0" fill="hold" grpId="0" nodeType="clickEffect">
+                                  <p:stCondLst>
+                                    <p:cond delay="0"/>
+                                  </p:stCondLst>
+                                  <p:childTnLst>
+                                    <p:set>
+                                      <p:cBhvr>
+                                        <p:cTn id="22" dur="1" fill="hold">
+                                          <p:stCondLst>
+                                            <p:cond delay="0"/>
+                                          </p:stCondLst>
+                                        </p:cTn>
+                                        <p:tgtEl>
+                                          <p:spTgt spid="3">
+                                            <p:txEl>
+                                              <p:pRg st="5" end="5"/>
+                                            </p:txEl>
+                                          </p:spTgt>
+                                        </p:tgtEl>
+                                        <p:attrNameLst>
+                                          <p:attrName>style.visibility</p:attrName>
+                                        </p:attrNameLst>
+                                      </p:cBhvr>
+                                      <p:to>
+                                        <p:strVal val="visible"/>
+                                      </p:to>
+                                    </p:set>
+                                  </p:childTnLst>
+                                </p:cTn>
+                              </p:par>
+                            </p:childTnLst>
+                          </p:cTn>
+                        </p:par>
+                      </p:childTnLst>
+                    </p:cTn>
+                  </p:par>
+                </p:childTnLst>
+              </p:cTn>
+              <p:prevCondLst>
+                <p:cond evt="onPrev" delay="0">
+                  <p:tgtEl>
+                    <p:sldTgt/>
+                  </p:tgtEl>
+                </p:cond>
+              </p:prevCondLst>
+              <p:nextCondLst>
+                <p:cond evt="onNext" delay="0">
+                  <p:tgtEl>
+                    <p:sldTgt/>
+                  </p:tgtEl>
+                </p:cond>
+              </p:nextCondLst>
+            </p:seq>
+          </p:childTnLst>
+        </p:cTn>
+      </p:par>
+    </p:tnLst>
+    <p:bldLst>
+      <p:bldP spid="3" grpId="0" uiExpand="1" build="p"/>
+    </p:bldLst>
+  </p:timing>
+</p:sld>
+</file>
+
+<file path=ppt/slides/slide36.xml><?xml version="1.0" encoding="utf-8"?>
+<p:sld xmlns:a="http://schemas.openxmlformats.org/drawingml/2006/main" xmlns:r="http://schemas.openxmlformats.org/officeDocument/2006/relationships" xmlns:p="http://schemas.openxmlformats.org/presentationml/2006/main">
+  <p:cSld>
+    <p:spTree>
+      <p:nvGrpSpPr>
+        <p:cNvPr id="1" name=""/>
+        <p:cNvGrpSpPr/>
+        <p:nvPr/>
+      </p:nvGrpSpPr>
+      <p:grpSpPr>
+        <a:xfrm>
+          <a:off x="0" y="0"/>
+          <a:ext cx="0" cy="0"/>
+          <a:chOff x="0" y="0"/>
+          <a:chExt cx="0" cy="0"/>
+        </a:xfrm>
+      </p:grpSpPr>
+      <p:sp>
+        <p:nvSpPr>
+          <p:cNvPr id="2" name="Title 1">
+            <a:extLst>
+              <a:ext uri="{FF2B5EF4-FFF2-40B4-BE49-F238E27FC236}">
+                <a16:creationId xmlns:a16="http://schemas.microsoft.com/office/drawing/2014/main" id="{DD9B8E45-0772-954C-8D4B-6E6808DFEDED}"/>
+              </a:ext>
+            </a:extLst>
+          </p:cNvPr>
+          <p:cNvSpPr>
+            <a:spLocks noGrp="1"/>
+          </p:cNvSpPr>
+          <p:nvPr>
+            <p:ph type="title"/>
+          </p:nvPr>
+        </p:nvSpPr>
+        <p:spPr>
+          <a:xfrm>
+            <a:off x="838200" y="365129"/>
+            <a:ext cx="10002520" cy="1325563"/>
+          </a:xfrm>
+          <a:prstGeom prst="rect">
+            <a:avLst/>
+          </a:prstGeom>
+        </p:spPr>
+        <p:txBody>
+          <a:bodyPr/>
+          <a:lstStyle/>
+          <a:p>
+            <a:pPr lvl="0" indent="0" marL="0">
+              <a:buNone/>
+            </a:pPr>
+            <a:r>
+              <a:rPr/>
+              <a:t>Rest of the group:</a:t>
+            </a:r>
+          </a:p>
+        </p:txBody>
+      </p:sp>
+      <p:sp>
+        <p:nvSpPr>
+          <p:cNvPr id="3" name="Content Placeholder 2">
+            <a:extLst>
+              <a:ext uri="{FF2B5EF4-FFF2-40B4-BE49-F238E27FC236}">
+                <a16:creationId xmlns:a16="http://schemas.microsoft.com/office/drawing/2014/main" id="{A4EB24F9-04F1-C843-9D71-56C5C024552B}"/>
+              </a:ext>
+            </a:extLst>
+          </p:cNvPr>
+          <p:cNvSpPr>
+            <a:spLocks noGrp="1"/>
+          </p:cNvSpPr>
+          <p:nvPr>
+            <p:ph idx="1"/>
+          </p:nvPr>
+        </p:nvSpPr>
+        <p:spPr/>
+        <p:txBody>
+          <a:bodyPr/>
+          <a:lstStyle/>
+          <a:p>
+            <a:pPr lvl="0" indent="0" marL="0">
+              <a:buNone/>
+            </a:pPr>
+            <a:r>
+              <a:rPr b="1"/>
+              <a:t>The effect of Conscientiousness and Caffeine intake on Academic Self-Handicapping</a:t>
+            </a:r>
+            <a:r>
+              <a:rPr/>
+              <a:t> </a:t>
+            </a:r>
+          </a:p>
+          <a:p>
+            <a:pPr lvl="0" indent="-257175" marL="257175">
+              <a:buAutoNum type="arabicPeriod"/>
+            </a:pPr>
+            <a:r>
+              <a:rPr u="sng"/>
+              <a:t>Extraversion</a:t>
+            </a:r>
+            <a:r>
+              <a:rPr/>
+              <a:t> (Low/High) &amp; Sleep (Sound/Disturbed) on </a:t>
+            </a:r>
+            <a:r>
+              <a:rPr u="sng"/>
+              <a:t>ASH</a:t>
+            </a:r>
+            <a:r>
+              <a:rPr/>
+              <a:t> </a:t>
+            </a:r>
+          </a:p>
+          <a:p>
+            <a:pPr lvl="0" indent="-257175" marL="257175">
+              <a:buAutoNum type="arabicPeriod"/>
+            </a:pPr>
+            <a:r>
+              <a:rPr u="sng"/>
+              <a:t>Openness to experience</a:t>
+            </a:r>
+            <a:r>
+              <a:rPr/>
+              <a:t> (Low/High) &amp; Family Attitude to Education (Pro/Con) on </a:t>
+            </a:r>
+            <a:r>
+              <a:rPr u="sng"/>
+              <a:t>ASH</a:t>
+            </a:r>
+            <a:r>
+              <a:rPr/>
+              <a:t> </a:t>
+            </a:r>
+          </a:p>
+          <a:p>
+            <a:pPr lvl="0" indent="-257175" marL="257175">
+              <a:buAutoNum type="arabicPeriod"/>
+            </a:pPr>
+            <a:r>
+              <a:rPr u="sng"/>
+              <a:t>Neuroticism</a:t>
+            </a:r>
+            <a:r>
+              <a:rPr/>
+              <a:t> (Low/High) &amp; Attitude to Feedback (Open/Sensitive) on </a:t>
+            </a:r>
+            <a:r>
+              <a:rPr u="sng"/>
+              <a:t>ASH</a:t>
+            </a:r>
+          </a:p>
+          <a:p>
+            <a:pPr lvl="1"/>
+            <a:r>
+              <a:rPr/>
+              <a:t>Not too complicated, right?</a:t>
+            </a:r>
+          </a:p>
+          <a:p>
+            <a:pPr lvl="1"/>
+            <a:r>
+              <a:rPr/>
+              <a:t>Can you see the economies of effort and implicit support opps?</a:t>
+            </a:r>
+          </a:p>
+        </p:txBody>
+      </p:sp>
+    </p:spTree>
+  </p:cSld>
+  <p:timing>
+    <p:tnLst>
+      <p:par>
+        <p:cTn id="1" dur="indefinite" restart="never" nodeType="tmRoot">
+          <p:childTnLst>
+            <p:seq concurrent="1" nextAc="seek">
+              <p:cTn id="2" dur="indefinite" nodeType="mainSeq">
+                <p:childTnLst>
+                  <p:par>
+                    <p:cTn id="3" fill="hold">
+                      <p:stCondLst>
+                        <p:cond delay="indefinite"/>
+                      </p:stCondLst>
+                      <p:childTnLst>
+                        <p:par>
+                          <p:cTn id="4" fill="hold">
+                            <p:stCondLst>
+                              <p:cond delay="0"/>
+                            </p:stCondLst>
+                            <p:childTnLst>
+                              <p:par>
+                                <p:cTn id="5" presetID="1" presetClass="entr" presetSubtype="0" fill="hold" grpId="0" nodeType="clickEffect">
+                                  <p:stCondLst>
+                                    <p:cond delay="0"/>
+                                  </p:stCondLst>
+                                  <p:childTnLst>
+                                    <p:set>
+                                      <p:cBhvr>
+                                        <p:cTn id="6" dur="1" fill="hold">
+                                          <p:stCondLst>
+                                            <p:cond delay="0"/>
+                                          </p:stCondLst>
+                                        </p:cTn>
+                                        <p:tgtEl>
+                                          <p:spTgt spid="3">
+                                            <p:txEl>
+                                              <p:pRg st="1" end="1"/>
+                                            </p:txEl>
+                                          </p:spTgt>
+                                        </p:tgtEl>
+                                        <p:attrNameLst>
+                                          <p:attrName>style.visibility</p:attrName>
+                                        </p:attrNameLst>
+                                      </p:cBhvr>
+                                      <p:to>
+                                        <p:strVal val="visible"/>
+                                      </p:to>
+                                    </p:set>
+                                  </p:childTnLst>
+                                </p:cTn>
+                              </p:par>
+                            </p:childTnLst>
+                          </p:cTn>
+                        </p:par>
+                      </p:childTnLst>
+                    </p:cTn>
+                  </p:par>
+                  <p:par>
+                    <p:cTn id="7" fill="hold">
+                      <p:stCondLst>
+                        <p:cond delay="indefinite"/>
+                      </p:stCondLst>
+                      <p:childTnLst>
+                        <p:par>
+                          <p:cTn id="8" fill="hold">
+                            <p:stCondLst>
+                              <p:cond delay="0"/>
+                            </p:stCondLst>
+                            <p:childTnLst>
+                              <p:par>
+                                <p:cTn id="9" presetID="1" presetClass="entr" presetSubtype="0" fill="hold" grpId="0" nodeType="clickEffect">
+                                  <p:stCondLst>
+                                    <p:cond delay="0"/>
+                                  </p:stCondLst>
+                                  <p:childTnLst>
+                                    <p:set>
+                                      <p:cBhvr>
+                                        <p:cTn id="10" dur="1" fill="hold">
+                                          <p:stCondLst>
+                                            <p:cond delay="0"/>
+                                          </p:stCondLst>
+                                        </p:cTn>
+                                        <p:tgtEl>
+                                          <p:spTgt spid="3">
+                                            <p:txEl>
+                                              <p:pRg st="2" end="2"/>
+                                            </p:txEl>
+                                          </p:spTgt>
+                                        </p:tgtEl>
+                                        <p:attrNameLst>
+                                          <p:attrName>style.visibility</p:attrName>
+                                        </p:attrNameLst>
+                                      </p:cBhvr>
+                                      <p:to>
+                                        <p:strVal val="visible"/>
+                                      </p:to>
+                                    </p:set>
+                                  </p:childTnLst>
+                                </p:cTn>
+                              </p:par>
+                            </p:childTnLst>
+                          </p:cTn>
+                        </p:par>
+                      </p:childTnLst>
+                    </p:cTn>
+                  </p:par>
+                  <p:par>
+                    <p:cTn id="11" fill="hold">
+                      <p:stCondLst>
+                        <p:cond delay="indefinite"/>
+                      </p:stCondLst>
+                      <p:childTnLst>
+                        <p:par>
+                          <p:cTn id="12" fill="hold">
+                            <p:stCondLst>
+                              <p:cond delay="0"/>
+                            </p:stCondLst>
+                            <p:childTnLst>
+                              <p:par>
+                                <p:cTn id="13" presetID="1" presetClass="entr" presetSubtype="0" fill="hold" grpId="0" nodeType="clickEffect">
+                                  <p:stCondLst>
+                                    <p:cond delay="0"/>
+                                  </p:stCondLst>
+                                  <p:childTnLst>
+                                    <p:set>
+                                      <p:cBhvr>
+                                        <p:cTn id="14" dur="1" fill="hold">
+                                          <p:stCondLst>
+                                            <p:cond delay="0"/>
+                                          </p:stCondLst>
+                                        </p:cTn>
+                                        <p:tgtEl>
+                                          <p:spTgt spid="3">
+                                            <p:txEl>
+                                              <p:pRg st="3" end="3"/>
+                                            </p:txEl>
+                                          </p:spTgt>
+                                        </p:tgtEl>
+                                        <p:attrNameLst>
+                                          <p:attrName>style.visibility</p:attrName>
+                                        </p:attrNameLst>
+                                      </p:cBhvr>
+                                      <p:to>
+                                        <p:strVal val="visible"/>
+                                      </p:to>
+                                    </p:set>
+                                  </p:childTnLst>
+                                </p:cTn>
+                              </p:par>
+                            </p:childTnLst>
+                          </p:cTn>
+                        </p:par>
+                      </p:childTnLst>
+                    </p:cTn>
+                  </p:par>
+                  <p:par>
+                    <p:cTn id="15" fill="hold">
+                      <p:stCondLst>
+                        <p:cond delay="indefinite"/>
+                      </p:stCondLst>
+                      <p:childTnLst>
+                        <p:par>
+                          <p:cTn id="16" fill="hold">
+                            <p:stCondLst>
+                              <p:cond delay="0"/>
+                            </p:stCondLst>
+                            <p:childTnLst>
+                              <p:par>
+                                <p:cTn id="17" presetID="1" presetClass="entr" presetSubtype="0" fill="hold" grpId="0" nodeType="clickEffect">
+                                  <p:stCondLst>
+                                    <p:cond delay="0"/>
+                                  </p:stCondLst>
+                                  <p:childTnLst>
+                                    <p:set>
+                                      <p:cBhvr>
+                                        <p:cTn id="18" dur="1" fill="hold">
+                                          <p:stCondLst>
+                                            <p:cond delay="0"/>
+                                          </p:stCondLst>
+                                        </p:cTn>
+                                        <p:tgtEl>
+                                          <p:spTgt spid="3">
+                                            <p:txEl>
+                                              <p:pRg st="4" end="4"/>
+                                            </p:txEl>
+                                          </p:spTgt>
+                                        </p:tgtEl>
+                                        <p:attrNameLst>
+                                          <p:attrName>style.visibility</p:attrName>
+                                        </p:attrNameLst>
+                                      </p:cBhvr>
+                                      <p:to>
+                                        <p:strVal val="visible"/>
+                                      </p:to>
+                                    </p:set>
+                                  </p:childTnLst>
+                                </p:cTn>
+                              </p:par>
+                            </p:childTnLst>
+                          </p:cTn>
+                        </p:par>
+                      </p:childTnLst>
+                    </p:cTn>
+                  </p:par>
+                  <p:par>
+                    <p:cTn id="19" fill="hold">
+                      <p:stCondLst>
+                        <p:cond delay="indefinite"/>
+                      </p:stCondLst>
+                      <p:childTnLst>
+                        <p:par>
+                          <p:cTn id="20" fill="hold">
+                            <p:stCondLst>
+                              <p:cond delay="0"/>
+                            </p:stCondLst>
+                            <p:childTnLst>
+                              <p:par>
+                                <p:cTn id="21" presetID="1" presetClass="entr" presetSubtype="0" fill="hold" grpId="0" nodeType="clickEffect">
+                                  <p:stCondLst>
+                                    <p:cond delay="0"/>
+                                  </p:stCondLst>
+                                  <p:childTnLst>
+                                    <p:set>
+                                      <p:cBhvr>
+                                        <p:cTn id="22" dur="1" fill="hold">
+                                          <p:stCondLst>
+                                            <p:cond delay="0"/>
+                                          </p:stCondLst>
+                                        </p:cTn>
+                                        <p:tgtEl>
+                                          <p:spTgt spid="3">
+                                            <p:txEl>
+                                              <p:pRg st="5" end="5"/>
+                                            </p:txEl>
+                                          </p:spTgt>
+                                        </p:tgtEl>
+                                        <p:attrNameLst>
+                                          <p:attrName>style.visibility</p:attrName>
+                                        </p:attrNameLst>
+                                      </p:cBhvr>
+                                      <p:to>
+                                        <p:strVal val="visible"/>
+                                      </p:to>
+                                    </p:set>
+                                  </p:childTnLst>
+                                </p:cTn>
+                              </p:par>
+                            </p:childTnLst>
+                          </p:cTn>
+                        </p:par>
+                      </p:childTnLst>
+                    </p:cTn>
+                  </p:par>
+                </p:childTnLst>
+              </p:cTn>
+              <p:prevCondLst>
+                <p:cond evt="onPrev" delay="0">
+                  <p:tgtEl>
+                    <p:sldTgt/>
+                  </p:tgtEl>
+                </p:cond>
+              </p:prevCondLst>
+              <p:nextCondLst>
+                <p:cond evt="onNext" delay="0">
+                  <p:tgtEl>
+                    <p:sldTgt/>
+                  </p:tgtEl>
+                </p:cond>
+              </p:nextCondLst>
+            </p:seq>
+          </p:childTnLst>
+        </p:cTn>
+      </p:par>
+    </p:tnLst>
+    <p:bldLst>
+      <p:bldP spid="3" grpId="0" uiExpand="1" build="p"/>
+    </p:bldLst>
+  </p:timing>
+</p:sld>
+</file>
+
+<file path=ppt/slides/slide37.xml><?xml version="1.0" encoding="utf-8"?>
+<p:sld xmlns:a="http://schemas.openxmlformats.org/drawingml/2006/main" xmlns:r="http://schemas.openxmlformats.org/officeDocument/2006/relationships" xmlns:p="http://schemas.openxmlformats.org/presentationml/2006/main">
+  <p:cSld>
+    <p:spTree>
+      <p:nvGrpSpPr>
+        <p:cNvPr id="1" name=""/>
+        <p:cNvGrpSpPr/>
+        <p:nvPr/>
+      </p:nvGrpSpPr>
+      <p:grpSpPr>
+        <a:xfrm>
+          <a:off x="0" y="0"/>
+          <a:ext cx="0" cy="0"/>
+          <a:chOff x="0" y="0"/>
+          <a:chExt cx="0" cy="0"/>
+        </a:xfrm>
+      </p:grpSpPr>
+      <p:sp>
+        <p:nvSpPr>
+          <p:cNvPr id="2" name="Title 1">
+            <a:extLst>
+              <a:ext uri="{FF2B5EF4-FFF2-40B4-BE49-F238E27FC236}">
+                <a16:creationId xmlns:a16="http://schemas.microsoft.com/office/drawing/2014/main" id="{DD9B8E45-0772-954C-8D4B-6E6808DFEDED}"/>
+              </a:ext>
+            </a:extLst>
+          </p:cNvPr>
+          <p:cNvSpPr>
+            <a:spLocks noGrp="1"/>
+          </p:cNvSpPr>
+          <p:nvPr>
+            <p:ph type="title"/>
+          </p:nvPr>
+        </p:nvSpPr>
+        <p:spPr>
+          <a:xfrm>
+            <a:off x="838200" y="365129"/>
+            <a:ext cx="10002520" cy="1325563"/>
+          </a:xfrm>
+          <a:prstGeom prst="rect">
+            <a:avLst/>
+          </a:prstGeom>
+        </p:spPr>
+        <p:txBody>
+          <a:bodyPr/>
+          <a:lstStyle/>
+          <a:p>
+            <a:pPr lvl="0" indent="0" marL="0">
+              <a:buNone/>
+            </a:pPr>
+            <a:r>
+              <a:rPr/>
+              <a:t>Lab 01</a:t>
+            </a:r>
+          </a:p>
+        </p:txBody>
+      </p:sp>
+      <p:sp>
+        <p:nvSpPr>
+          <p:cNvPr id="3" name="Content Placeholder 2">
+            <a:extLst>
+              <a:ext uri="{FF2B5EF4-FFF2-40B4-BE49-F238E27FC236}">
+                <a16:creationId xmlns:a16="http://schemas.microsoft.com/office/drawing/2014/main" id="{A4EB24F9-04F1-C843-9D71-56C5C024552B}"/>
+              </a:ext>
+            </a:extLst>
+          </p:cNvPr>
+          <p:cNvSpPr>
+            <a:spLocks noGrp="1"/>
+          </p:cNvSpPr>
+          <p:nvPr>
+            <p:ph idx="1"/>
+          </p:nvPr>
+        </p:nvSpPr>
+        <p:spPr/>
+        <p:txBody>
+          <a:bodyPr/>
+          <a:lstStyle/>
+          <a:p>
+            <a:pPr lvl="0"/>
+            <a:r>
+              <a:rPr/>
+              <a:t>Scan your attendance (?) and sit down to complete the short ‘Entry Pulse’ poll (Compulsory each week).</a:t>
+            </a:r>
+          </a:p>
+          <a:p>
+            <a:pPr lvl="0"/>
+            <a:r>
+              <a:rPr/>
+              <a:t>Verify access to IT systems (e.g. the critically important OneDrive) and add a signature to your emails to assist College answering any questions you have.</a:t>
+            </a:r>
+          </a:p>
+          <a:p>
+            <a:pPr lvl="0"/>
+            <a:r>
+              <a:rPr/>
+              <a:t>Start brainstorming ideas for research topics for your Mini-Dissertation.</a:t>
+            </a:r>
+          </a:p>
+          <a:p>
+            <a:pPr lvl="0"/>
+            <a:r>
+              <a:rPr/>
+              <a:t>Consider ‘how’ you want to work this year - Help co-create a ‘Lab Ethos’ that we can share openly.</a:t>
+            </a:r>
+          </a:p>
+          <a:p>
+            <a:pPr lvl="0"/>
+            <a:r>
+              <a:rPr/>
+              <a:t>Detailed information in the Lab 01 ‘Book’ on the VLE</a:t>
+            </a:r>
+          </a:p>
+        </p:txBody>
+      </p:sp>
+    </p:spTree>
+  </p:cSld>
+  <p:timing>
+    <p:tnLst>
+      <p:par>
+        <p:cTn id="1" dur="indefinite" restart="never" nodeType="tmRoot">
+          <p:childTnLst>
+            <p:seq concurrent="1" nextAc="seek">
+              <p:cTn id="2" dur="indefinite" nodeType="mainSeq">
+                <p:childTnLst>
+                  <p:par>
+                    <p:cTn id="3" fill="hold">
+                      <p:stCondLst>
+                        <p:cond delay="indefinite"/>
+                      </p:stCondLst>
+                      <p:childTnLst>
+                        <p:par>
+                          <p:cTn id="4" fill="hold">
+                            <p:stCondLst>
+                              <p:cond delay="0"/>
+                            </p:stCondLst>
+                            <p:childTnLst>
+                              <p:par>
+                                <p:cTn id="5" presetID="1" presetClass="entr" presetSubtype="0" fill="hold" grpId="0" nodeType="clickEffect">
+                                  <p:stCondLst>
+                                    <p:cond delay="0"/>
+                                  </p:stCondLst>
+                                  <p:childTnLst>
+                                    <p:set>
+                                      <p:cBhvr>
+                                        <p:cTn id="6" dur="1" fill="hold">
+                                          <p:stCondLst>
+                                            <p:cond delay="0"/>
+                                          </p:stCondLst>
+                                        </p:cTn>
+                                        <p:tgtEl>
+                                          <p:spTgt spid="3">
+                                            <p:txEl>
+                                              <p:pRg st="0" end="0"/>
+                                            </p:txEl>
+                                          </p:spTgt>
+                                        </p:tgtEl>
+                                        <p:attrNameLst>
+                                          <p:attrName>style.visibility</p:attrName>
+                                        </p:attrNameLst>
+                                      </p:cBhvr>
+                                      <p:to>
+                                        <p:strVal val="visible"/>
+                                      </p:to>
+                                    </p:set>
+                                  </p:childTnLst>
+                                </p:cTn>
+                              </p:par>
+                            </p:childTnLst>
+                          </p:cTn>
+                        </p:par>
+                      </p:childTnLst>
+                    </p:cTn>
+                  </p:par>
+                  <p:par>
+                    <p:cTn id="7" fill="hold">
+                      <p:stCondLst>
+                        <p:cond delay="indefinite"/>
+                      </p:stCondLst>
+                      <p:childTnLst>
+                        <p:par>
+                          <p:cTn id="8" fill="hold">
+                            <p:stCondLst>
+                              <p:cond delay="0"/>
+                            </p:stCondLst>
+                            <p:childTnLst>
+                              <p:par>
+                                <p:cTn id="9" presetID="1" presetClass="entr" presetSubtype="0" fill="hold" grpId="0" nodeType="clickEffect">
+                                  <p:stCondLst>
+                                    <p:cond delay="0"/>
+                                  </p:stCondLst>
+                                  <p:childTnLst>
+                                    <p:set>
+                                      <p:cBhvr>
+                                        <p:cTn id="10" dur="1" fill="hold">
+                                          <p:stCondLst>
+                                            <p:cond delay="0"/>
+                                          </p:stCondLst>
+                                        </p:cTn>
+                                        <p:tgtEl>
+                                          <p:spTgt spid="3">
+                                            <p:txEl>
+                                              <p:pRg st="1" end="1"/>
+                                            </p:txEl>
+                                          </p:spTgt>
+                                        </p:tgtEl>
+                                        <p:attrNameLst>
+                                          <p:attrName>style.visibility</p:attrName>
+                                        </p:attrNameLst>
+                                      </p:cBhvr>
+                                      <p:to>
+                                        <p:strVal val="visible"/>
+                                      </p:to>
+                                    </p:set>
+                                  </p:childTnLst>
+                                </p:cTn>
+                              </p:par>
+                            </p:childTnLst>
+                          </p:cTn>
+                        </p:par>
+                      </p:childTnLst>
+                    </p:cTn>
+                  </p:par>
+                  <p:par>
+                    <p:cTn id="11" fill="hold">
+                      <p:stCondLst>
+                        <p:cond delay="indefinite"/>
+                      </p:stCondLst>
+                      <p:childTnLst>
+                        <p:par>
+                          <p:cTn id="12" fill="hold">
+                            <p:stCondLst>
+                              <p:cond delay="0"/>
+                            </p:stCondLst>
+                            <p:childTnLst>
+                              <p:par>
+                                <p:cTn id="13" presetID="1" presetClass="entr" presetSubtype="0" fill="hold" grpId="0" nodeType="clickEffect">
+                                  <p:stCondLst>
+                                    <p:cond delay="0"/>
+                                  </p:stCondLst>
+                                  <p:childTnLst>
+                                    <p:set>
+                                      <p:cBhvr>
+                                        <p:cTn id="14" dur="1" fill="hold">
+                                          <p:stCondLst>
+                                            <p:cond delay="0"/>
+                                          </p:stCondLst>
+                                        </p:cTn>
+                                        <p:tgtEl>
+                                          <p:spTgt spid="3">
+                                            <p:txEl>
+                                              <p:pRg st="2" end="2"/>
+                                            </p:txEl>
+                                          </p:spTgt>
+                                        </p:tgtEl>
+                                        <p:attrNameLst>
+                                          <p:attrName>style.visibility</p:attrName>
+                                        </p:attrNameLst>
+                                      </p:cBhvr>
+                                      <p:to>
+                                        <p:strVal val="visible"/>
+                                      </p:to>
+                                    </p:set>
+                                  </p:childTnLst>
+                                </p:cTn>
+                              </p:par>
+                            </p:childTnLst>
+                          </p:cTn>
+                        </p:par>
+                      </p:childTnLst>
+                    </p:cTn>
+                  </p:par>
+                  <p:par>
+                    <p:cTn id="15" fill="hold">
+                      <p:stCondLst>
+                        <p:cond delay="indefinite"/>
+                      </p:stCondLst>
+                      <p:childTnLst>
+                        <p:par>
+                          <p:cTn id="16" fill="hold">
+                            <p:stCondLst>
+                              <p:cond delay="0"/>
+                            </p:stCondLst>
+                            <p:childTnLst>
+                              <p:par>
+                                <p:cTn id="17" presetID="1" presetClass="entr" presetSubtype="0" fill="hold" grpId="0" nodeType="clickEffect">
+                                  <p:stCondLst>
+                                    <p:cond delay="0"/>
+                                  </p:stCondLst>
+                                  <p:childTnLst>
+                                    <p:set>
+                                      <p:cBhvr>
+                                        <p:cTn id="18" dur="1" fill="hold">
+                                          <p:stCondLst>
+                                            <p:cond delay="0"/>
+                                          </p:stCondLst>
+                                        </p:cTn>
+                                        <p:tgtEl>
+                                          <p:spTgt spid="3">
+                                            <p:txEl>
+                                              <p:pRg st="3" end="3"/>
+                                            </p:txEl>
+                                          </p:spTgt>
+                                        </p:tgtEl>
+                                        <p:attrNameLst>
+                                          <p:attrName>style.visibility</p:attrName>
+                                        </p:attrNameLst>
+                                      </p:cBhvr>
+                                      <p:to>
+                                        <p:strVal val="visible"/>
+                                      </p:to>
+                                    </p:set>
+                                  </p:childTnLst>
+                                </p:cTn>
+                              </p:par>
+                            </p:childTnLst>
+                          </p:cTn>
+                        </p:par>
+                      </p:childTnLst>
+                    </p:cTn>
+                  </p:par>
+                  <p:par>
+                    <p:cTn id="19" fill="hold">
+                      <p:stCondLst>
+                        <p:cond delay="indefinite"/>
+                      </p:stCondLst>
+                      <p:childTnLst>
+                        <p:par>
+                          <p:cTn id="20" fill="hold">
+                            <p:stCondLst>
+                              <p:cond delay="0"/>
+                            </p:stCondLst>
+                            <p:childTnLst>
+                              <p:par>
+                                <p:cTn id="21" presetID="1" presetClass="entr" presetSubtype="0" fill="hold" grpId="0" nodeType="clickEffect">
+                                  <p:stCondLst>
+                                    <p:cond delay="0"/>
+                                  </p:stCondLst>
+                                  <p:childTnLst>
+                                    <p:set>
+                                      <p:cBhvr>
+                                        <p:cTn id="22" dur="1" fill="hold">
+                                          <p:stCondLst>
+                                            <p:cond delay="0"/>
+                                          </p:stCondLst>
+                                        </p:cTn>
+                                        <p:tgtEl>
+                                          <p:spTgt spid="3">
+                                            <p:txEl>
+                                              <p:pRg st="4" end="4"/>
+                                            </p:txEl>
+                                          </p:spTgt>
+                                        </p:tgtEl>
+                                        <p:attrNameLst>
+                                          <p:attrName>style.visibility</p:attrName>
+                                        </p:attrNameLst>
+                                      </p:cBhvr>
+                                      <p:to>
+                                        <p:strVal val="visible"/>
+                                      </p:to>
+                                    </p:set>
+                                  </p:childTnLst>
+                                </p:cTn>
+                              </p:par>
+                            </p:childTnLst>
+                          </p:cTn>
+                        </p:par>
+                      </p:childTnLst>
+                    </p:cTn>
+                  </p:par>
+                </p:childTnLst>
+              </p:cTn>
+              <p:prevCondLst>
+                <p:cond evt="onPrev" delay="0">
+                  <p:tgtEl>
+                    <p:sldTgt/>
+                  </p:tgtEl>
+                </p:cond>
+              </p:prevCondLst>
+              <p:nextCondLst>
+                <p:cond evt="onNext" delay="0">
+                  <p:tgtEl>
+                    <p:sldTgt/>
+                  </p:tgtEl>
+                </p:cond>
+              </p:nextCondLst>
+            </p:seq>
+          </p:childTnLst>
+        </p:cTn>
+      </p:par>
+    </p:tnLst>
+    <p:bldLst>
+      <p:bldP spid="3" grpId="0" uiExpand="1" build="p"/>
+    </p:bldLst>
+  </p:timing>
+</p:sld>
+</file>
+
+<file path=ppt/slides/slide38.xml><?xml version="1.0" encoding="utf-8"?>
+<p:sld xmlns:a="http://schemas.openxmlformats.org/drawingml/2006/main" xmlns:r="http://schemas.openxmlformats.org/officeDocument/2006/relationships" xmlns:p="http://schemas.openxmlformats.org/presentationml/2006/main">
+  <p:cSld>
+    <p:spTree>
+      <p:nvGrpSpPr>
+        <p:cNvPr id="1" name=""/>
+        <p:cNvGrpSpPr/>
+        <p:nvPr/>
+      </p:nvGrpSpPr>
+      <p:grpSpPr>
+        <a:xfrm>
+          <a:off x="0" y="0"/>
+          <a:ext cx="0" cy="0"/>
+          <a:chOff x="0" y="0"/>
+          <a:chExt cx="0" cy="0"/>
+        </a:xfrm>
+      </p:grpSpPr>
+      <p:sp>
+        <p:nvSpPr>
+          <p:cNvPr id="2" name="Title 1">
+            <a:extLst>
+              <a:ext uri="{FF2B5EF4-FFF2-40B4-BE49-F238E27FC236}">
+                <a16:creationId xmlns:a16="http://schemas.microsoft.com/office/drawing/2014/main" id="{DD9B8E45-0772-954C-8D4B-6E6808DFEDED}"/>
+              </a:ext>
+            </a:extLst>
+          </p:cNvPr>
+          <p:cNvSpPr>
+            <a:spLocks noGrp="1"/>
+          </p:cNvSpPr>
+          <p:nvPr>
+            <p:ph type="title"/>
+          </p:nvPr>
+        </p:nvSpPr>
+        <p:spPr>
+          <a:xfrm>
+            <a:off x="838200" y="365129"/>
+            <a:ext cx="10002520" cy="1325563"/>
+          </a:xfrm>
+          <a:prstGeom prst="rect">
+            <a:avLst/>
+          </a:prstGeom>
+        </p:spPr>
+        <p:txBody>
+          <a:bodyPr/>
+          <a:lstStyle/>
+          <a:p>
+            <a:pPr lvl="0" indent="0" marL="0">
+              <a:buNone/>
+            </a:pPr>
+            <a:r>
+              <a:rPr/>
+              <a:t>Please don’t get hung up on topic selection</a:t>
+            </a:r>
+          </a:p>
+        </p:txBody>
+      </p:sp>
+      <p:sp>
+        <p:nvSpPr>
+          <p:cNvPr id="3" name="Content Placeholder 2">
+            <a:extLst>
+              <a:ext uri="{FF2B5EF4-FFF2-40B4-BE49-F238E27FC236}">
+                <a16:creationId xmlns:a16="http://schemas.microsoft.com/office/drawing/2014/main" id="{A4EB24F9-04F1-C843-9D71-56C5C024552B}"/>
+              </a:ext>
+            </a:extLst>
+          </p:cNvPr>
+          <p:cNvSpPr>
+            <a:spLocks noGrp="1"/>
+          </p:cNvSpPr>
+          <p:nvPr>
+            <p:ph idx="1"/>
+          </p:nvPr>
+        </p:nvSpPr>
+        <p:spPr/>
+        <p:txBody>
+          <a:bodyPr/>
+          <a:lstStyle/>
+          <a:p>
+            <a:pPr lvl="0" indent="0" marL="1270000">
+              <a:buNone/>
+            </a:pPr>
+            <a:r>
+              <a:rPr sz="2000" b="1"/>
+              <a:t>Tip</a:t>
+            </a:r>
+          </a:p>
+          <a:p>
+            <a:pPr lvl="0" indent="0" marL="1270000">
+              <a:buNone/>
+            </a:pPr>
+            <a:r>
+              <a:rPr sz="2000"/>
+              <a:t>You might think coming up with a research topic is a difficult thing. For this year, it is NOT super-important. Your Lab Tutors will be available to help you make sure it’s feasible, challenging enough but not too difficult etc.</a:t>
+            </a:r>
+          </a:p>
+          <a:p>
+            <a:pPr lvl="0" indent="0" marL="1270000">
+              <a:buNone/>
+            </a:pPr>
+            <a:r>
+              <a:rPr sz="2000"/>
+              <a:t>It does help if you are interested in it though, as it will help keep motivation up!</a:t>
+            </a:r>
+          </a:p>
+        </p:txBody>
+      </p:sp>
+    </p:spTree>
+  </p:cSld>
+</p:sld>
+</file>
+
+<file path=ppt/slides/slide39.xml><?xml version="1.0" encoding="utf-8"?>
+<p:sld xmlns:a="http://schemas.openxmlformats.org/drawingml/2006/main" xmlns:r="http://schemas.openxmlformats.org/officeDocument/2006/relationships" xmlns:p="http://schemas.openxmlformats.org/presentationml/2006/main">
+  <p:cSld>
+    <p:spTree>
+      <p:nvGrpSpPr>
+        <p:cNvPr id="1" name=""/>
+        <p:cNvGrpSpPr/>
+        <p:nvPr/>
+      </p:nvGrpSpPr>
+      <p:grpSpPr>
+        <a:xfrm>
+          <a:off x="0" y="0"/>
+          <a:ext cx="0" cy="0"/>
+          <a:chOff x="0" y="0"/>
+          <a:chExt cx="0" cy="0"/>
+        </a:xfrm>
+      </p:grpSpPr>
+      <p:sp>
+        <p:nvSpPr>
+          <p:cNvPr id="2" name="Title 1">
+            <a:extLst>
+              <a:ext uri="{FF2B5EF4-FFF2-40B4-BE49-F238E27FC236}">
+                <a16:creationId xmlns:a16="http://schemas.microsoft.com/office/drawing/2014/main" id="{DD9B8E45-0772-954C-8D4B-6E6808DFEDED}"/>
+              </a:ext>
+            </a:extLst>
+          </p:cNvPr>
+          <p:cNvSpPr>
+            <a:spLocks noGrp="1"/>
+          </p:cNvSpPr>
+          <p:nvPr>
+            <p:ph type="title"/>
+          </p:nvPr>
+        </p:nvSpPr>
+        <p:spPr>
+          <a:xfrm>
+            <a:off x="838200" y="365129"/>
+            <a:ext cx="10002520" cy="1325563"/>
+          </a:xfrm>
+          <a:prstGeom prst="rect">
+            <a:avLst/>
+          </a:prstGeom>
+        </p:spPr>
+        <p:txBody>
+          <a:bodyPr/>
+          <a:lstStyle/>
+          <a:p>
+            <a:pPr lvl="0" indent="0" marL="0">
+              <a:buNone/>
+            </a:pPr>
+            <a:r>
+              <a:rPr/>
+              <a:t>Some things to consider</a:t>
+            </a:r>
+          </a:p>
+        </p:txBody>
+      </p:sp>
+      <p:sp>
+        <p:nvSpPr>
+          <p:cNvPr id="3" name="Content Placeholder 2">
+            <a:extLst>
+              <a:ext uri="{FF2B5EF4-FFF2-40B4-BE49-F238E27FC236}">
+                <a16:creationId xmlns:a16="http://schemas.microsoft.com/office/drawing/2014/main" id="{A4EB24F9-04F1-C843-9D71-56C5C024552B}"/>
+              </a:ext>
+            </a:extLst>
+          </p:cNvPr>
+          <p:cNvSpPr>
+            <a:spLocks noGrp="1"/>
+          </p:cNvSpPr>
+          <p:nvPr>
+            <p:ph idx="1"/>
+          </p:nvPr>
+        </p:nvSpPr>
+        <p:spPr/>
+        <p:txBody>
+          <a:bodyPr/>
+          <a:lstStyle/>
+          <a:p>
+            <a:pPr lvl="0" indent="0" marL="1270000">
+              <a:buNone/>
+            </a:pPr>
+            <a:r>
+              <a:rPr sz="2000" b="1"/>
+              <a:t>Caution</a:t>
+            </a:r>
+          </a:p>
+          <a:p>
+            <a:pPr lvl="0"/>
+            <a:r>
+              <a:rPr sz="2000"/>
+              <a:t>Picking something without much of a literature behind it can make life VERY difficult</a:t>
+            </a:r>
+          </a:p>
+          <a:p>
+            <a:pPr lvl="0"/>
+            <a:r>
+              <a:rPr sz="2000"/>
+              <a:t>We will try to make sure things remain manageable, we are not trying to ‘restrict’ you</a:t>
+            </a:r>
+          </a:p>
+          <a:p>
+            <a:pPr lvl="0"/>
+            <a:r>
+              <a:rPr sz="2000"/>
+              <a:t>You will not be able to do research</a:t>
+            </a:r>
+          </a:p>
+          <a:p>
+            <a:pPr lvl="1"/>
+            <a:r>
+              <a:rPr sz="2000"/>
+              <a:t>on Children</a:t>
+            </a:r>
+          </a:p>
+          <a:p>
+            <a:pPr lvl="1"/>
+            <a:r>
+              <a:rPr sz="2000"/>
+              <a:t>on Vulnerable or protected groups</a:t>
+            </a:r>
+          </a:p>
+          <a:p>
+            <a:pPr lvl="1"/>
+            <a:r>
+              <a:rPr sz="2000"/>
+              <a:t>using methods that require extensive training or specialist facilities (e.g. EEG, TMS)</a:t>
+            </a:r>
+          </a:p>
+          <a:p>
+            <a:pPr lvl="1"/>
+            <a:r>
+              <a:rPr sz="2000"/>
+              <a:t>that raises anything more than mild ethical considerations</a:t>
+            </a:r>
+          </a:p>
+          <a:p>
+            <a:pPr lvl="1"/>
+            <a:r>
+              <a:rPr sz="2000"/>
+              <a:t>for which recruitment will be too onerous or time-consuming</a:t>
+            </a:r>
+          </a:p>
+        </p:txBody>
+      </p:sp>
+    </p:spTree>
+  </p:cSld>
+  <p:timing>
+    <p:tnLst>
+      <p:par>
+        <p:cTn id="1" dur="indefinite" restart="never" nodeType="tmRoot">
+          <p:childTnLst>
+            <p:seq concurrent="1" nextAc="seek">
+              <p:cTn id="2" dur="indefinite" nodeType="mainSeq">
+                <p:childTnLst>
+                  <p:par>
+                    <p:cTn id="3" fill="hold">
+                      <p:stCondLst>
+                        <p:cond delay="indefinite"/>
+                      </p:stCondLst>
+                      <p:childTnLst>
+                        <p:par>
+                          <p:cTn id="4" fill="hold">
+                            <p:stCondLst>
+                              <p:cond delay="0"/>
+                            </p:stCondLst>
+                            <p:childTnLst>
+                              <p:par>
+                                <p:cTn id="5" presetID="1" presetClass="entr" presetSubtype="0" fill="hold" grpId="0" nodeType="clickEffect">
+                                  <p:stCondLst>
+                                    <p:cond delay="0"/>
+                                  </p:stCondLst>
+                                  <p:childTnLst>
+                                    <p:set>
+                                      <p:cBhvr>
+                                        <p:cTn id="6" dur="1" fill="hold">
+                                          <p:stCondLst>
+                                            <p:cond delay="0"/>
+                                          </p:stCondLst>
+                                        </p:cTn>
+                                        <p:tgtEl>
+                                          <p:spTgt spid="3">
+                                            <p:txEl>
+                                              <p:pRg st="4" end="4"/>
+                                            </p:txEl>
+                                          </p:spTgt>
+                                        </p:tgtEl>
+                                        <p:attrNameLst>
+                                          <p:attrName>style.visibility</p:attrName>
+                                        </p:attrNameLst>
+                                      </p:cBhvr>
+                                      <p:to>
+                                        <p:strVal val="visible"/>
+                                      </p:to>
+                                    </p:set>
+                                  </p:childTnLst>
+                                </p:cTn>
+                              </p:par>
+                            </p:childTnLst>
+                          </p:cTn>
+                        </p:par>
+                      </p:childTnLst>
+                    </p:cTn>
+                  </p:par>
+                  <p:par>
+                    <p:cTn id="7" fill="hold">
+                      <p:stCondLst>
+                        <p:cond delay="indefinite"/>
+                      </p:stCondLst>
+                      <p:childTnLst>
+                        <p:par>
+                          <p:cTn id="8" fill="hold">
+                            <p:stCondLst>
+                              <p:cond delay="0"/>
+                            </p:stCondLst>
+                            <p:childTnLst>
+                              <p:par>
+                                <p:cTn id="9" presetID="1" presetClass="entr" presetSubtype="0" fill="hold" grpId="0" nodeType="clickEffect">
+                                  <p:stCondLst>
+                                    <p:cond delay="0"/>
+                                  </p:stCondLst>
+                                  <p:childTnLst>
+                                    <p:set>
+                                      <p:cBhvr>
+                                        <p:cTn id="10" dur="1" fill="hold">
+                                          <p:stCondLst>
+                                            <p:cond delay="0"/>
+                                          </p:stCondLst>
+                                        </p:cTn>
+                                        <p:tgtEl>
+                                          <p:spTgt spid="3">
+                                            <p:txEl>
+                                              <p:pRg st="5" end="5"/>
+                                            </p:txEl>
+                                          </p:spTgt>
+                                        </p:tgtEl>
+                                        <p:attrNameLst>
+                                          <p:attrName>style.visibility</p:attrName>
+                                        </p:attrNameLst>
+                                      </p:cBhvr>
+                                      <p:to>
+                                        <p:strVal val="visible"/>
+                                      </p:to>
+                                    </p:set>
+                                  </p:childTnLst>
+                                </p:cTn>
+                              </p:par>
+                            </p:childTnLst>
+                          </p:cTn>
+                        </p:par>
+                      </p:childTnLst>
+                    </p:cTn>
+                  </p:par>
+                  <p:par>
+                    <p:cTn id="11" fill="hold">
+                      <p:stCondLst>
+                        <p:cond delay="indefinite"/>
+                      </p:stCondLst>
+                      <p:childTnLst>
+                        <p:par>
+                          <p:cTn id="12" fill="hold">
+                            <p:stCondLst>
+                              <p:cond delay="0"/>
+                            </p:stCondLst>
+                            <p:childTnLst>
+                              <p:par>
+                                <p:cTn id="13" presetID="1" presetClass="entr" presetSubtype="0" fill="hold" grpId="0" nodeType="clickEffect">
+                                  <p:stCondLst>
+                                    <p:cond delay="0"/>
+                                  </p:stCondLst>
+                                  <p:childTnLst>
+                                    <p:set>
+                                      <p:cBhvr>
+                                        <p:cTn id="14" dur="1" fill="hold">
+                                          <p:stCondLst>
+                                            <p:cond delay="0"/>
+                                          </p:stCondLst>
+                                        </p:cTn>
+                                        <p:tgtEl>
+                                          <p:spTgt spid="3">
+                                            <p:txEl>
+                                              <p:pRg st="6" end="6"/>
+                                            </p:txEl>
+                                          </p:spTgt>
+                                        </p:tgtEl>
+                                        <p:attrNameLst>
+                                          <p:attrName>style.visibility</p:attrName>
+                                        </p:attrNameLst>
+                                      </p:cBhvr>
+                                      <p:to>
+                                        <p:strVal val="visible"/>
+                                      </p:to>
+                                    </p:set>
+                                  </p:childTnLst>
+                                </p:cTn>
+                              </p:par>
+                            </p:childTnLst>
+                          </p:cTn>
+                        </p:par>
+                      </p:childTnLst>
+                    </p:cTn>
+                  </p:par>
+                  <p:par>
+                    <p:cTn id="15" fill="hold">
+                      <p:stCondLst>
+                        <p:cond delay="indefinite"/>
+                      </p:stCondLst>
+                      <p:childTnLst>
+                        <p:par>
+                          <p:cTn id="16" fill="hold">
+                            <p:stCondLst>
+                              <p:cond delay="0"/>
+                            </p:stCondLst>
+                            <p:childTnLst>
+                              <p:par>
+                                <p:cTn id="17" presetID="1" presetClass="entr" presetSubtype="0" fill="hold" grpId="0" nodeType="clickEffect">
+                                  <p:stCondLst>
+                                    <p:cond delay="0"/>
+                                  </p:stCondLst>
+                                  <p:childTnLst>
+                                    <p:set>
+                                      <p:cBhvr>
+                                        <p:cTn id="18" dur="1" fill="hold">
+                                          <p:stCondLst>
+                                            <p:cond delay="0"/>
+                                          </p:stCondLst>
+                                        </p:cTn>
+                                        <p:tgtEl>
+                                          <p:spTgt spid="3">
+                                            <p:txEl>
+                                              <p:pRg st="7" end="7"/>
+                                            </p:txEl>
+                                          </p:spTgt>
+                                        </p:tgtEl>
+                                        <p:attrNameLst>
+                                          <p:attrName>style.visibility</p:attrName>
+                                        </p:attrNameLst>
+                                      </p:cBhvr>
+                                      <p:to>
+                                        <p:strVal val="visible"/>
+                                      </p:to>
+                                    </p:set>
+                                  </p:childTnLst>
+                                </p:cTn>
+                              </p:par>
+                            </p:childTnLst>
+                          </p:cTn>
+                        </p:par>
+                      </p:childTnLst>
+                    </p:cTn>
+                  </p:par>
+                  <p:par>
+                    <p:cTn id="19" fill="hold">
+                      <p:stCondLst>
+                        <p:cond delay="indefinite"/>
+                      </p:stCondLst>
+                      <p:childTnLst>
+                        <p:par>
+                          <p:cTn id="20" fill="hold">
+                            <p:stCondLst>
+                              <p:cond delay="0"/>
+                            </p:stCondLst>
+                            <p:childTnLst>
+                              <p:par>
+                                <p:cTn id="21" presetID="1" presetClass="entr" presetSubtype="0" fill="hold" grpId="0" nodeType="clickEffect">
+                                  <p:stCondLst>
+                                    <p:cond delay="0"/>
+                                  </p:stCondLst>
+                                  <p:childTnLst>
+                                    <p:set>
+                                      <p:cBhvr>
+                                        <p:cTn id="22" dur="1" fill="hold">
+                                          <p:stCondLst>
+                                            <p:cond delay="0"/>
+                                          </p:stCondLst>
+                                        </p:cTn>
+                                        <p:tgtEl>
+                                          <p:spTgt spid="3">
+                                            <p:txEl>
+                                              <p:pRg st="8" end="8"/>
+                                            </p:txEl>
+                                          </p:spTgt>
+                                        </p:tgtEl>
+                                        <p:attrNameLst>
+                                          <p:attrName>style.visibility</p:attrName>
+                                        </p:attrNameLst>
+                                      </p:cBhvr>
+                                      <p:to>
+                                        <p:strVal val="visible"/>
+                                      </p:to>
+                                    </p:set>
+                                  </p:childTnLst>
+                                </p:cTn>
+                              </p:par>
+                            </p:childTnLst>
+                          </p:cTn>
+                        </p:par>
+                      </p:childTnLst>
+                    </p:cTn>
+                  </p:par>
+                </p:childTnLst>
+              </p:cTn>
+              <p:prevCondLst>
+                <p:cond evt="onPrev" delay="0">
+                  <p:tgtEl>
+                    <p:sldTgt/>
+                  </p:tgtEl>
+                </p:cond>
+              </p:prevCondLst>
+              <p:nextCondLst>
+                <p:cond evt="onNext" delay="0">
+                  <p:tgtEl>
+                    <p:sldTgt/>
+                  </p:tgtEl>
+                </p:cond>
+              </p:nextCondLst>
+            </p:seq>
+          </p:childTnLst>
+        </p:cTn>
+      </p:par>
+    </p:tnLst>
+    <p:bldLst>
+      <p:bldP spid="3" grpId="0" uiExpand="1" build="p"/>
+    </p:bldLst>
+  </p:timing>
 </p:sld>
 </file>
 
@@ -5345,9 +11327,441 @@
           <a:chExt cx="0" cy="0"/>
         </a:xfrm>
       </p:grpSpPr>
+    </p:spTree>
+  </p:cSld>
+</p:sld>
+</file>
+
+<file path=ppt/slides/slide40.xml><?xml version="1.0" encoding="utf-8"?>
+<p:sld xmlns:a="http://schemas.openxmlformats.org/drawingml/2006/main" xmlns:r="http://schemas.openxmlformats.org/officeDocument/2006/relationships" xmlns:p="http://schemas.openxmlformats.org/presentationml/2006/main">
+  <p:cSld>
+    <p:spTree>
+      <p:nvGrpSpPr>
+        <p:cNvPr id="1" name=""/>
+        <p:cNvGrpSpPr/>
+        <p:nvPr/>
+      </p:nvGrpSpPr>
+      <p:grpSpPr>
+        <a:xfrm>
+          <a:off x="0" y="0"/>
+          <a:ext cx="0" cy="0"/>
+          <a:chOff x="0" y="0"/>
+          <a:chExt cx="0" cy="0"/>
+        </a:xfrm>
+      </p:grpSpPr>
+      <p:sp>
+        <p:nvSpPr>
+          <p:cNvPr id="2" name="Title 1">
+            <a:extLst>
+              <a:ext uri="{FF2B5EF4-FFF2-40B4-BE49-F238E27FC236}">
+                <a16:creationId xmlns:a16="http://schemas.microsoft.com/office/drawing/2014/main" id="{DD9B8E45-0772-954C-8D4B-6E6808DFEDED}"/>
+              </a:ext>
+            </a:extLst>
+          </p:cNvPr>
+          <p:cNvSpPr>
+            <a:spLocks noGrp="1"/>
+          </p:cNvSpPr>
+          <p:nvPr>
+            <p:ph type="title"/>
+          </p:nvPr>
+        </p:nvSpPr>
+        <p:spPr>
+          <a:xfrm>
+            <a:off x="838200" y="365129"/>
+            <a:ext cx="10002520" cy="1325563"/>
+          </a:xfrm>
+          <a:prstGeom prst="rect">
+            <a:avLst/>
+          </a:prstGeom>
+        </p:spPr>
+        <p:txBody>
+          <a:bodyPr/>
+          <a:lstStyle/>
+          <a:p>
+            <a:pPr lvl="0" indent="0" marL="0">
+              <a:buNone/>
+            </a:pPr>
+            <a:r>
+              <a:rPr/>
+              <a:t>Defining how you wish to work</a:t>
+            </a:r>
+          </a:p>
+        </p:txBody>
+      </p:sp>
+      <p:sp>
+        <p:nvSpPr>
+          <p:cNvPr id="3" name="Content Placeholder 2">
+            <a:extLst>
+              <a:ext uri="{FF2B5EF4-FFF2-40B4-BE49-F238E27FC236}">
+                <a16:creationId xmlns:a16="http://schemas.microsoft.com/office/drawing/2014/main" id="{A4EB24F9-04F1-C843-9D71-56C5C024552B}"/>
+              </a:ext>
+            </a:extLst>
+          </p:cNvPr>
+          <p:cNvSpPr>
+            <a:spLocks noGrp="1"/>
+          </p:cNvSpPr>
+          <p:nvPr>
+            <p:ph idx="1"/>
+          </p:nvPr>
+        </p:nvSpPr>
+        <p:spPr/>
+        <p:txBody>
+          <a:bodyPr/>
+          <a:lstStyle/>
+          <a:p>
+            <a:pPr lvl="0" indent="0" marL="0">
+              <a:buNone/>
+            </a:pPr>
+            <a:r>
+              <a:rPr/>
+              <a:t>We would like you to compose a ‘code of conduct’ or ‘Lab ethos’ applicable to us all this year.</a:t>
+            </a:r>
+          </a:p>
+          <a:p>
+            <a:pPr lvl="0" indent="0" marL="0">
+              <a:buNone/>
+            </a:pPr>
+            <a:r>
+              <a:rPr u="sng"/>
+              <a:t>Goldsmiths Student Charter</a:t>
+            </a:r>
+            <a:r>
+              <a:rPr/>
+              <a:t> (2012) Does much change in a decade?</a:t>
+            </a:r>
+          </a:p>
+          <a:p>
+            <a:pPr lvl="0" indent="0" marL="0">
+              <a:buNone/>
+            </a:pPr>
+            <a:r>
+              <a:rPr u="sng"/>
+              <a:t>BPS Research Ethics</a:t>
+            </a:r>
+            <a:r>
+              <a:rPr/>
+              <a:t> (respect, competence, responsibility, integrity)</a:t>
+            </a:r>
+          </a:p>
+          <a:p>
+            <a:pPr lvl="0" indent="0" marL="0">
+              <a:buNone/>
+            </a:pPr>
+            <a:r>
+              <a:rPr u="sng"/>
+              <a:t>Corporate Culture</a:t>
+            </a:r>
+            <a:r>
+              <a:rPr/>
+              <a:t> (e.g. “</a:t>
+            </a:r>
+            <a:r>
+              <a:rPr b="1" i="1"/>
+              <a:t>Move fast and break things</a:t>
+            </a:r>
+            <a:r>
+              <a:rPr/>
+              <a:t>” i.e. approaching the task with an emphasis on speed, disruption and experimentation)</a:t>
+            </a:r>
+          </a:p>
+          <a:p>
+            <a:pPr lvl="0" indent="0" marL="0">
+              <a:buNone/>
+            </a:pPr>
+            <a:r>
+              <a:rPr u="sng"/>
+              <a:t>Innovative Teaching</a:t>
+            </a:r>
+            <a:r>
+              <a:rPr/>
+              <a:t> (e.g. The Hacker School/Recurse Center - No feigning surprise, No ’Well-Actually’s, No back-seat driving, no subtle -isms)</a:t>
+            </a:r>
+          </a:p>
+        </p:txBody>
+      </p:sp>
+    </p:spTree>
+  </p:cSld>
+</p:sld>
+</file>
+
+<file path=ppt/slides/slide41.xml><?xml version="1.0" encoding="utf-8"?>
+<p:sld xmlns:a="http://schemas.openxmlformats.org/drawingml/2006/main" xmlns:r="http://schemas.openxmlformats.org/officeDocument/2006/relationships" xmlns:p="http://schemas.openxmlformats.org/presentationml/2006/main">
+  <p:cSld>
+    <p:spTree>
+      <p:nvGrpSpPr>
+        <p:cNvPr id="1" name=""/>
+        <p:cNvGrpSpPr/>
+        <p:nvPr/>
+      </p:nvGrpSpPr>
+      <p:grpSpPr>
+        <a:xfrm>
+          <a:off x="0" y="0"/>
+          <a:ext cx="0" cy="0"/>
+          <a:chOff x="0" y="0"/>
+          <a:chExt cx="0" cy="0"/>
+        </a:xfrm>
+      </p:grpSpPr>
+      <p:sp>
+        <p:nvSpPr>
+          <p:cNvPr id="2" name="Title 1">
+            <a:extLst>
+              <a:ext uri="{FF2B5EF4-FFF2-40B4-BE49-F238E27FC236}">
+                <a16:creationId xmlns:a16="http://schemas.microsoft.com/office/drawing/2014/main" id="{DD9B8E45-0772-954C-8D4B-6E6808DFEDED}"/>
+              </a:ext>
+            </a:extLst>
+          </p:cNvPr>
+          <p:cNvSpPr>
+            <a:spLocks noGrp="1"/>
+          </p:cNvSpPr>
+          <p:nvPr>
+            <p:ph type="title"/>
+          </p:nvPr>
+        </p:nvSpPr>
+        <p:spPr>
+          <a:xfrm>
+            <a:off x="838200" y="365129"/>
+            <a:ext cx="10002520" cy="1325563"/>
+          </a:xfrm>
+          <a:prstGeom prst="rect">
+            <a:avLst/>
+          </a:prstGeom>
+        </p:spPr>
+        <p:txBody>
+          <a:bodyPr/>
+          <a:lstStyle/>
+          <a:p>
+            <a:pPr lvl="0" indent="0" marL="0">
+              <a:buNone/>
+            </a:pPr>
+            <a:r>
+              <a:rPr/>
+              <a:t>How will we approach the following?</a:t>
+            </a:r>
+          </a:p>
+        </p:txBody>
+      </p:sp>
+      <p:sp>
+        <p:nvSpPr>
+          <p:cNvPr id="3" name="Content Placeholder 2">
+            <a:extLst>
+              <a:ext uri="{FF2B5EF4-FFF2-40B4-BE49-F238E27FC236}">
+                <a16:creationId xmlns:a16="http://schemas.microsoft.com/office/drawing/2014/main" id="{A4EB24F9-04F1-C843-9D71-56C5C024552B}"/>
+              </a:ext>
+            </a:extLst>
+          </p:cNvPr>
+          <p:cNvSpPr>
+            <a:spLocks noGrp="1"/>
+          </p:cNvSpPr>
+          <p:nvPr>
+            <p:ph idx="1"/>
+          </p:nvPr>
+        </p:nvSpPr>
+        <p:spPr/>
+        <p:txBody>
+          <a:bodyPr/>
+          <a:lstStyle/>
+          <a:p>
+            <a:pPr lvl="0" indent="0" marL="0">
+              <a:buNone/>
+            </a:pPr>
+            <a:r>
+              <a:rPr/>
+              <a:t>Inclusivity, Diversity, Equity, Privilege, Power, Intersectionality</a:t>
+            </a:r>
+          </a:p>
+          <a:p>
+            <a:pPr lvl="0" indent="0" marL="0">
+              <a:buNone/>
+            </a:pPr>
+            <a:r>
+              <a:rPr/>
+              <a:t>Communication, Accommodation, Environment, Accessibility, Collaboration</a:t>
+            </a:r>
+          </a:p>
+        </p:txBody>
+      </p:sp>
+    </p:spTree>
+  </p:cSld>
+</p:sld>
+</file>
+
+<file path=ppt/slides/slide42.xml><?xml version="1.0" encoding="utf-8"?>
+<p:sld xmlns:a="http://schemas.openxmlformats.org/drawingml/2006/main" xmlns:r="http://schemas.openxmlformats.org/officeDocument/2006/relationships" xmlns:p="http://schemas.openxmlformats.org/presentationml/2006/main">
+  <p:cSld>
+    <p:spTree>
+      <p:nvGrpSpPr>
+        <p:cNvPr id="1" name=""/>
+        <p:cNvGrpSpPr/>
+        <p:nvPr/>
+      </p:nvGrpSpPr>
+      <p:grpSpPr>
+        <a:xfrm>
+          <a:off x="0" y="0"/>
+          <a:ext cx="0" cy="0"/>
+          <a:chOff x="0" y="0"/>
+          <a:chExt cx="0" cy="0"/>
+        </a:xfrm>
+      </p:grpSpPr>
+      <p:sp>
+        <p:nvSpPr>
+          <p:cNvPr id="2" name="Title 1">
+            <a:extLst>
+              <a:ext uri="{FF2B5EF4-FFF2-40B4-BE49-F238E27FC236}">
+                <a16:creationId xmlns:a16="http://schemas.microsoft.com/office/drawing/2014/main" id="{DD9B8E45-0772-954C-8D4B-6E6808DFEDED}"/>
+              </a:ext>
+            </a:extLst>
+          </p:cNvPr>
+          <p:cNvSpPr>
+            <a:spLocks noGrp="1"/>
+          </p:cNvSpPr>
+          <p:nvPr>
+            <p:ph type="title"/>
+          </p:nvPr>
+        </p:nvSpPr>
+        <p:spPr>
+          <a:xfrm>
+            <a:off x="838200" y="365129"/>
+            <a:ext cx="10002520" cy="1325563"/>
+          </a:xfrm>
+          <a:prstGeom prst="rect">
+            <a:avLst/>
+          </a:prstGeom>
+        </p:spPr>
+        <p:txBody>
+          <a:bodyPr/>
+          <a:lstStyle/>
+          <a:p>
+            <a:pPr lvl="0" indent="0" marL="0">
+              <a:buNone/>
+            </a:pPr>
+            <a:r>
+              <a:rPr/>
+              <a:t>Data Carpentry suggests the following for their labs</a:t>
+            </a:r>
+          </a:p>
+        </p:txBody>
+      </p:sp>
+      <p:sp>
+        <p:nvSpPr>
+          <p:cNvPr id="3" name="Content Placeholder 2">
+            <a:extLst>
+              <a:ext uri="{FF2B5EF4-FFF2-40B4-BE49-F238E27FC236}">
+                <a16:creationId xmlns:a16="http://schemas.microsoft.com/office/drawing/2014/main" id="{A4EB24F9-04F1-C843-9D71-56C5C024552B}"/>
+              </a:ext>
+            </a:extLst>
+          </p:cNvPr>
+          <p:cNvSpPr>
+            <a:spLocks noGrp="1"/>
+          </p:cNvSpPr>
+          <p:nvPr>
+            <p:ph idx="1"/>
+          </p:nvPr>
+        </p:nvSpPr>
+        <p:spPr/>
+        <p:txBody>
+          <a:bodyPr/>
+          <a:lstStyle/>
+          <a:p>
+            <a:pPr lvl="0"/>
+            <a:r>
+              <a:rPr/>
+              <a:t>Use welcoming and inclusive language</a:t>
+            </a:r>
+          </a:p>
+          <a:p>
+            <a:pPr lvl="0"/>
+            <a:r>
+              <a:rPr/>
+              <a:t>Be respectful of different viewpoints and experiences</a:t>
+            </a:r>
+          </a:p>
+          <a:p>
+            <a:pPr lvl="0"/>
+            <a:r>
+              <a:rPr/>
+              <a:t>Gracefully accept constructive criticism</a:t>
+            </a:r>
+          </a:p>
+          <a:p>
+            <a:pPr lvl="0"/>
+            <a:r>
+              <a:rPr/>
+              <a:t>Focus on what is best for the community</a:t>
+            </a:r>
+          </a:p>
+          <a:p>
+            <a:pPr lvl="0"/>
+            <a:r>
+              <a:rPr/>
+              <a:t>Show courtesy and respect towards other community members</a:t>
+            </a:r>
+          </a:p>
+        </p:txBody>
+      </p:sp>
+    </p:spTree>
+  </p:cSld>
+</p:sld>
+</file>
+
+<file path=ppt/slides/slide43.xml><?xml version="1.0" encoding="utf-8"?>
+<p:sld xmlns:a="http://schemas.openxmlformats.org/drawingml/2006/main" xmlns:r="http://schemas.openxmlformats.org/officeDocument/2006/relationships" xmlns:p="http://schemas.openxmlformats.org/presentationml/2006/main">
+  <p:cSld>
+    <p:spTree>
+      <p:nvGrpSpPr>
+        <p:cNvPr id="1" name=""/>
+        <p:cNvGrpSpPr/>
+        <p:nvPr/>
+      </p:nvGrpSpPr>
+      <p:grpSpPr>
+        <a:xfrm>
+          <a:off x="0" y="0"/>
+          <a:ext cx="0" cy="0"/>
+          <a:chOff x="0" y="0"/>
+          <a:chExt cx="0" cy="0"/>
+        </a:xfrm>
+      </p:grpSpPr>
+      <p:sp>
+        <p:nvSpPr>
+          <p:cNvPr id="2" name="Title 1">
+            <a:extLst>
+              <a:ext uri="{FF2B5EF4-FFF2-40B4-BE49-F238E27FC236}">
+                <a16:creationId xmlns:a16="http://schemas.microsoft.com/office/drawing/2014/main" id="{DD9B8E45-0772-954C-8D4B-6E6808DFEDED}"/>
+              </a:ext>
+            </a:extLst>
+          </p:cNvPr>
+          <p:cNvSpPr>
+            <a:spLocks noGrp="1"/>
+          </p:cNvSpPr>
+          <p:nvPr>
+            <p:ph type="title"/>
+          </p:nvPr>
+        </p:nvSpPr>
+        <p:spPr>
+          <a:xfrm>
+            <a:off x="838200" y="365129"/>
+            <a:ext cx="10002520" cy="1325563"/>
+          </a:xfrm>
+          <a:prstGeom prst="rect">
+            <a:avLst/>
+          </a:prstGeom>
+        </p:spPr>
+        <p:txBody>
+          <a:bodyPr/>
+          <a:lstStyle/>
+          <a:p>
+            <a:pPr lvl="0" indent="0" marL="0">
+              <a:buNone/>
+            </a:pPr>
+            <a:r>
+              <a:rPr/>
+              <a:t>Recurse Center ‘Social Rules’</a:t>
+            </a:r>
+          </a:p>
+        </p:txBody>
+      </p:sp>
       <p:pic>
         <p:nvPicPr>
-          <p:cNvPr descr="images/TestImage.png" id="0" name="Picture 1"/>
+          <p:cNvPr descr="images/paste-753EB69B.png" id="0" name="Picture 1"/>
           <p:cNvPicPr>
             <a:picLocks noGrp="1" noChangeAspect="1"/>
           </p:cNvPicPr>
@@ -5361,8 +11775,8 @@
         </p:blipFill>
         <p:spPr bwMode="auto">
           <a:xfrm>
-            <a:off x="1257300" y="1816100"/>
-            <a:ext cx="4343400" cy="4343400"/>
+            <a:off x="4648200" y="1816100"/>
+            <a:ext cx="2895600" cy="4343400"/>
           </a:xfrm>
           <a:prstGeom prst="rect">
             <a:avLst/>
@@ -5375,23 +11789,53 @@
           </a:ln>
         </p:spPr>
       </p:pic>
-      <p:sp>
-        <p:nvSpPr>
-          <p:cNvPr id="4" name="Content Placeholder 3">
-            <a:extLst>
-              <a:ext uri="{FF2B5EF4-FFF2-40B4-BE49-F238E27FC236}">
-                <a16:creationId xmlns:a16="http://schemas.microsoft.com/office/drawing/2014/main" id="{3B974A49-6A1E-2F48-B419-02B0A17B9692}"/>
-              </a:ext>
-            </a:extLst>
-          </p:cNvPr>
-          <p:cNvSpPr>
-            <a:spLocks noGrp="1"/>
-          </p:cNvSpPr>
-          <p:nvPr>
-            <p:ph idx="2" sz="half"/>
-          </p:nvPr>
-        </p:nvSpPr>
-        <p:spPr/>
+    </p:spTree>
+  </p:cSld>
+</p:sld>
+</file>
+
+<file path=ppt/slides/slide44.xml><?xml version="1.0" encoding="utf-8"?>
+<p:sld xmlns:a="http://schemas.openxmlformats.org/drawingml/2006/main" xmlns:r="http://schemas.openxmlformats.org/officeDocument/2006/relationships" xmlns:p="http://schemas.openxmlformats.org/presentationml/2006/main">
+  <p:cSld>
+    <p:spTree>
+      <p:nvGrpSpPr>
+        <p:cNvPr id="1" name=""/>
+        <p:cNvGrpSpPr/>
+        <p:nvPr/>
+      </p:nvGrpSpPr>
+      <p:grpSpPr>
+        <a:xfrm>
+          <a:off x="0" y="0"/>
+          <a:ext cx="0" cy="0"/>
+          <a:chOff x="0" y="0"/>
+          <a:chExt cx="0" cy="0"/>
+        </a:xfrm>
+      </p:grpSpPr>
+      <p:sp>
+        <p:nvSpPr>
+          <p:cNvPr id="2" name="Title 1">
+            <a:extLst>
+              <a:ext uri="{FF2B5EF4-FFF2-40B4-BE49-F238E27FC236}">
+                <a16:creationId xmlns:a16="http://schemas.microsoft.com/office/drawing/2014/main" id="{DD9B8E45-0772-954C-8D4B-6E6808DFEDED}"/>
+              </a:ext>
+            </a:extLst>
+          </p:cNvPr>
+          <p:cNvSpPr>
+            <a:spLocks noGrp="1"/>
+          </p:cNvSpPr>
+          <p:nvPr>
+            <p:ph type="title"/>
+          </p:nvPr>
+        </p:nvSpPr>
+        <p:spPr>
+          <a:xfrm>
+            <a:off x="838200" y="365129"/>
+            <a:ext cx="10002520" cy="1325563"/>
+          </a:xfrm>
+          <a:prstGeom prst="rect">
+            <a:avLst/>
+          </a:prstGeom>
+        </p:spPr>
         <p:txBody>
           <a:bodyPr/>
           <a:lstStyle/>
@@ -5401,28 +11845,111 @@
             </a:pPr>
             <a:r>
               <a:rPr/>
-              <a:t>Here is some text</a:t>
-            </a:r>
-          </a:p>
-          <a:p>
-            <a:pPr lvl="0"/>
-            <a:r>
-              <a:rPr/>
-              <a:t>Bullet 1</a:t>
-            </a:r>
-          </a:p>
-          <a:p>
-            <a:pPr lvl="0"/>
-            <a:r>
-              <a:rPr/>
-              <a:t>Bullet 2</a:t>
-            </a:r>
-          </a:p>
-          <a:p>
-            <a:pPr lvl="0"/>
-            <a:r>
-              <a:rPr/>
-              <a:t>Bullet 3</a:t>
+              <a:t>On behalf of the whole teaching team</a:t>
+            </a:r>
+          </a:p>
+        </p:txBody>
+      </p:sp>
+      <p:sp>
+        <p:nvSpPr>
+          <p:cNvPr id="3" name="Content Placeholder 2">
+            <a:extLst>
+              <a:ext uri="{FF2B5EF4-FFF2-40B4-BE49-F238E27FC236}">
+                <a16:creationId xmlns:a16="http://schemas.microsoft.com/office/drawing/2014/main" id="{A4EB24F9-04F1-C843-9D71-56C5C024552B}"/>
+              </a:ext>
+            </a:extLst>
+          </p:cNvPr>
+          <p:cNvSpPr>
+            <a:spLocks noGrp="1"/>
+          </p:cNvSpPr>
+          <p:nvPr>
+            <p:ph idx="1"/>
+          </p:nvPr>
+        </p:nvSpPr>
+        <p:spPr/>
+        <p:txBody>
+          <a:bodyPr/>
+          <a:lstStyle/>
+          <a:p>
+            <a:pPr lvl="0" indent="0" marL="0">
+              <a:buNone/>
+            </a:pPr>
+            <a:r>
+              <a:rPr/>
+              <a:t>Have a wonderful year!</a:t>
+            </a:r>
+          </a:p>
+          <a:p>
+            <a:pPr lvl="0" indent="0" marL="0">
+              <a:spcBef>
+                <a:spcPts val="3000"/>
+              </a:spcBef>
+              <a:buNone/>
+            </a:pPr>
+            <a:r>
+              <a:rPr b="1"/>
+              <a:t>Any Questions?</a:t>
+            </a:r>
+          </a:p>
+        </p:txBody>
+      </p:sp>
+    </p:spTree>
+  </p:cSld>
+</p:sld>
+</file>
+
+<file path=ppt/slides/slide45.xml><?xml version="1.0" encoding="utf-8"?>
+<p:sld xmlns:a="http://schemas.openxmlformats.org/drawingml/2006/main" xmlns:r="http://schemas.openxmlformats.org/officeDocument/2006/relationships" xmlns:p="http://schemas.openxmlformats.org/presentationml/2006/main">
+  <p:cSld>
+    <p:spTree>
+      <p:nvGrpSpPr>
+        <p:cNvPr id="1" name=""/>
+        <p:cNvGrpSpPr/>
+        <p:nvPr/>
+      </p:nvGrpSpPr>
+      <p:grpSpPr>
+        <a:xfrm>
+          <a:off x="0" y="0"/>
+          <a:ext cx="0" cy="0"/>
+          <a:chOff x="0" y="0"/>
+          <a:chExt cx="0" cy="0"/>
+        </a:xfrm>
+      </p:grpSpPr>
+      <p:sp>
+        <p:nvSpPr>
+          <p:cNvPr id="2" name="Title 1">
+            <a:extLst>
+              <a:ext uri="{FF2B5EF4-FFF2-40B4-BE49-F238E27FC236}">
+                <a16:creationId xmlns:a16="http://schemas.microsoft.com/office/drawing/2014/main" id="{DD9B8E45-0772-954C-8D4B-6E6808DFEDED}"/>
+              </a:ext>
+            </a:extLst>
+          </p:cNvPr>
+          <p:cNvSpPr>
+            <a:spLocks noGrp="1"/>
+          </p:cNvSpPr>
+          <p:nvPr>
+            <p:ph type="title"/>
+          </p:nvPr>
+        </p:nvSpPr>
+        <p:spPr>
+          <a:xfrm>
+            <a:off x="838200" y="365129"/>
+            <a:ext cx="10002520" cy="1325563"/>
+          </a:xfrm>
+          <a:prstGeom prst="rect">
+            <a:avLst/>
+          </a:prstGeom>
+        </p:spPr>
+        <p:txBody>
+          <a:bodyPr/>
+          <a:lstStyle/>
+          <a:p>
+            <a:pPr lvl="0" indent="0" marL="0">
+              <a:buNone/>
+            </a:pPr>
+            <a:r>
+              <a:rPr/>
+              <a:t>References</a:t>
             </a:r>
           </a:p>
         </p:txBody>
@@ -5451,408 +11978,380 @@
       </p:grpSpPr>
       <p:sp>
         <p:nvSpPr>
-          <p:cNvPr id="4" name="Text Placeholder 3">
-            <a:extLst>
-              <a:ext uri="{FF2B5EF4-FFF2-40B4-BE49-F238E27FC236}">
-                <a16:creationId xmlns:a16="http://schemas.microsoft.com/office/drawing/2014/main" id="{898BA411-2A54-A94A-B3FC-826281DBEADF}"/>
-              </a:ext>
-            </a:extLst>
-          </p:cNvPr>
-          <p:cNvSpPr>
-            <a:spLocks noGrp="1"/>
-          </p:cNvSpPr>
-          <p:nvPr>
-            <p:ph idx="2" sz="half" type="body"/>
-          </p:nvPr>
-        </p:nvSpPr>
-        <p:spPr/>
-        <p:txBody>
-          <a:bodyPr/>
-          <a:lstStyle/>
-          <a:p>
-            <a:pPr lvl="0" indent="0" marL="0">
-              <a:spcBef>
-                <a:spcPts val="3000"/>
-              </a:spcBef>
-              <a:buNone/>
-            </a:pPr>
-            <a:r>
-              <a:rPr b="1"/>
-              <a:t>Callouts</a:t>
-            </a:r>
-          </a:p>
-          <a:p>
-            <a:pPr lvl="0" indent="0" marL="0">
-              <a:spcBef>
-                <a:spcPts val="3000"/>
-              </a:spcBef>
-              <a:buNone/>
-            </a:pPr>
-            <a:r>
-              <a:rPr b="1"/>
-              <a:t>Note Callouts</a:t>
-            </a:r>
-          </a:p>
-          <a:p>
-            <a:pPr lvl="0" indent="0" marL="1270000">
-              <a:buNone/>
-            </a:pPr>
-            <a:r>
-              <a:rPr sz="2000" b="1"/>
-              <a:t>Note default</a:t>
-            </a:r>
-          </a:p>
-          <a:p>
-            <a:pPr lvl="0" indent="0" marL="1270000">
-              <a:buNone/>
-            </a:pPr>
-            <a:r>
-              <a:rPr sz="2000"/>
-              <a:t>content</a:t>
-            </a:r>
-          </a:p>
-          <a:p>
-            <a:pPr lvl="0" indent="0" marL="1270000">
-              <a:buNone/>
-            </a:pPr>
-            <a:r>
-              <a:rPr sz="2000" b="1"/>
-              <a:t>Note simple</a:t>
-            </a:r>
-          </a:p>
-          <a:p>
-            <a:pPr lvl="0" indent="0" marL="1270000">
-              <a:buNone/>
-            </a:pPr>
-            <a:r>
-              <a:rPr sz="2000"/>
-              <a:t>content</a:t>
-            </a:r>
-          </a:p>
-          <a:p>
-            <a:pPr lvl="0" indent="0" marL="1270000">
-              <a:buNone/>
-            </a:pPr>
-            <a:r>
-              <a:rPr sz="2000" b="1"/>
-              <a:t>Note minimal</a:t>
-            </a:r>
-          </a:p>
-          <a:p>
-            <a:pPr lvl="0" indent="0" marL="1270000">
-              <a:buNone/>
-            </a:pPr>
-            <a:r>
-              <a:rPr sz="2000"/>
-              <a:t>content</a:t>
-            </a:r>
-          </a:p>
-          <a:p>
-            <a:pPr lvl="0" indent="0" marL="0">
-              <a:spcBef>
-                <a:spcPts val="3000"/>
-              </a:spcBef>
-              <a:buNone/>
-            </a:pPr>
-            <a:r>
-              <a:rPr b="1"/>
-              <a:t>Icons by FontAwesome</a:t>
-            </a:r>
-          </a:p>
-          <a:p>
-            <a:pPr lvl="0" indent="0" marL="0">
-              <a:buNone/>
-            </a:pPr>
-            <a:r>
-              <a:rPr/>
-              <a:t>These are cool  but they do need a full render e.g. </a:t>
-            </a:r>
-            <a:r>
-              <a:rPr>
-                <a:latin typeface="Courier"/>
-              </a:rPr>
-              <a:t>$ quarto render</a:t>
-            </a:r>
-            <a:r>
-              <a:rPr/>
-              <a:t> in order to be seen.</a:t>
-            </a:r>
-          </a:p>
-          <a:p>
-            <a:pPr lvl="0" indent="0" marL="0">
-              <a:buNone/>
-            </a:pPr>
-            <a:r>
-              <a:rPr/>
-              <a:t>They can also be used in pdfs</a:t>
-            </a:r>
-          </a:p>
-        </p:txBody>
-      </p:sp>
-      <p:graphicFrame>
-        <p:nvGraphicFramePr>
-          <p:cNvPr id="6" name="Content Placeholder 5"/>
-          <p:cNvGraphicFramePr>
-            <a:graphicFrameLocks noGrp="1"/>
-          </p:cNvGraphicFramePr>
-          <p:nvPr>
-            <p:ph idx="1"/>
-          </p:nvPr>
-        </p:nvGraphicFramePr>
-        <p:xfrm>
-          <a:off x="5181600" y="977900"/>
-          <a:ext cx="6172200" cy="4356100"/>
-        </p:xfrm>
-        <a:graphic>
-          <a:graphicData uri="http://schemas.openxmlformats.org/drawingml/2006/table">
-            <a:tbl>
-              <a:tblPr firstRow="1" bandRow="1">
-                <a:tableStyleId>{5C22544A-7EE6-4342-B048-85BDC9FD1C3A}</a:tableStyleId>
-              </a:tblPr>
-              <a:tblGrid>
-                <a:gridCol w="3086100"/>
-                <a:gridCol w="3086100"/>
-              </a:tblGrid>
-              <a:tr h="0">
-                <a:tc>
-                  <a:txBody>
-                    <a:bodyPr/>
-                    <a:lstStyle/>
-                    <a:p>
-                      <a:pPr lvl="0" indent="0" marL="0" algn="l">
-                        <a:buNone/>
-                      </a:pPr>
-                      <a:r>
-                        <a:rPr/>
-                        <a:t>input</a:t>
-                      </a:r>
-                    </a:p>
-                  </a:txBody>
-                  <a:tcPr/>
-                </a:tc>
-                <a:tc>
-                  <a:txBody>
-                    <a:bodyPr/>
-                    <a:lstStyle/>
-                    <a:p>
-                      <a:pPr lvl="0" indent="0" marL="0" algn="ctr">
-                        <a:buNone/>
-                      </a:pPr>
-                      <a:r>
-                        <a:rPr/>
-                        <a:t>output</a:t>
-                      </a:r>
-                    </a:p>
-                  </a:txBody>
-                  <a:tcPr/>
-                </a:tc>
-              </a:tr>
-              <a:tr h="0">
-                <a:tc>
-                  <a:txBody>
-                    <a:bodyPr/>
-                    <a:lstStyle/>
-                    <a:p>
-                      <a:pPr lvl="0" indent="0" marL="0" algn="l">
-                        <a:buNone/>
-                      </a:pPr>
-                      <a:r>
-                        <a:rPr>
-                          <a:latin typeface="Courier"/>
-                        </a:rPr>
-                        <a:t>{{&lt; fa binoculars &gt;}}</a:t>
-                      </a:r>
-                    </a:p>
-                  </a:txBody>
-                </a:tc>
-                <a:tc>
-                  <a:txBody>
-                    <a:bodyPr/>
-                    <a:lstStyle/>
-                    <a:p>
-                      <a:pPr lvl="0" indent="0" marL="0" algn="ctr">
-                        <a:buNone/>
-                      </a:pPr>
-                      <a:r>
-                        <a:rPr/>
-                        <a:t> Prepare</a:t>
-                      </a:r>
-                    </a:p>
-                  </a:txBody>
-                </a:tc>
-              </a:tr>
-              <a:tr h="0">
-                <a:tc>
-                  <a:txBody>
-                    <a:bodyPr/>
-                    <a:lstStyle/>
-                    <a:p>
-                      <a:pPr lvl="0" indent="0" marL="0" algn="l">
-                        <a:buNone/>
-                      </a:pPr>
-                      <a:r>
-                        <a:rPr>
-                          <a:latin typeface="Courier"/>
-                        </a:rPr>
-                        <a:t>{{&lt; fa chalkboard-teacher &gt;}}</a:t>
-                      </a:r>
-                    </a:p>
-                  </a:txBody>
-                </a:tc>
-                <a:tc>
-                  <a:txBody>
-                    <a:bodyPr/>
-                    <a:lstStyle/>
-                    <a:p>
-                      <a:pPr lvl="0" indent="0" marL="0" algn="ctr">
-                        <a:buNone/>
-                      </a:pPr>
-                      <a:r>
-                        <a:rPr/>
-                        <a:t> Lecture</a:t>
-                      </a:r>
-                    </a:p>
-                  </a:txBody>
-                </a:tc>
-              </a:tr>
-              <a:tr h="0">
-                <a:tc>
-                  <a:txBody>
-                    <a:bodyPr/>
-                    <a:lstStyle/>
-                    <a:p>
-                      <a:pPr lvl="0" indent="0" marL="0" algn="l">
-                        <a:buNone/>
-                      </a:pPr>
-                      <a:r>
-                        <a:rPr>
-                          <a:latin typeface="Courier"/>
-                        </a:rPr>
-                        <a:t>{{&lt; fa users &gt;}}</a:t>
-                      </a:r>
-                    </a:p>
-                  </a:txBody>
-                </a:tc>
-                <a:tc>
-                  <a:txBody>
-                    <a:bodyPr/>
-                    <a:lstStyle/>
-                    <a:p>
-                      <a:pPr lvl="0" indent="0" marL="0" algn="ctr">
-                        <a:buNone/>
-                      </a:pPr>
-                      <a:r>
-                        <a:rPr/>
-                        <a:t> Lab</a:t>
-                      </a:r>
-                    </a:p>
-                  </a:txBody>
-                </a:tc>
-              </a:tr>
-              <a:tr h="0">
-                <a:tc>
-                  <a:txBody>
-                    <a:bodyPr/>
-                    <a:lstStyle/>
-                    <a:p>
-                      <a:pPr lvl="0" indent="0" marL="0" algn="l">
-                        <a:buNone/>
-                      </a:pPr>
-                      <a:r>
-                        <a:rPr>
-                          <a:latin typeface="Courier"/>
-                        </a:rPr>
-                        <a:t>{{&lt; fa bookmark &gt;}}</a:t>
-                      </a:r>
-                    </a:p>
-                  </a:txBody>
-                </a:tc>
-                <a:tc>
-                  <a:txBody>
-                    <a:bodyPr/>
-                    <a:lstStyle/>
-                    <a:p>
-                      <a:pPr lvl="0" indent="0" marL="0" algn="ctr">
-                        <a:buNone/>
-                      </a:pPr>
-                      <a:r>
-                        <a:rPr/>
-                        <a:t> Reading</a:t>
-                      </a:r>
-                    </a:p>
-                  </a:txBody>
-                </a:tc>
-              </a:tr>
-              <a:tr h="0">
-                <a:tc>
-                  <a:txBody>
-                    <a:bodyPr/>
-                    <a:lstStyle/>
-                    <a:p>
-                      <a:pPr lvl="0" indent="0" marL="0" algn="l">
-                        <a:buNone/>
-                      </a:pPr>
-                      <a:r>
-                        <a:rPr>
-                          <a:latin typeface="Courier"/>
-                        </a:rPr>
-                        <a:t>{{&lt; fa book &gt;}}</a:t>
-                      </a:r>
-                    </a:p>
-                  </a:txBody>
-                </a:tc>
-                <a:tc>
-                  <a:txBody>
-                    <a:bodyPr/>
-                    <a:lstStyle/>
-                    <a:p>
-                      <a:pPr lvl="0" indent="0" marL="0" algn="ctr">
-                        <a:buNone/>
-                      </a:pPr>
-                      <a:r>
-                        <a:rPr/>
-                        <a:t> Mini-Dissertation</a:t>
-                      </a:r>
-                    </a:p>
-                  </a:txBody>
-                </a:tc>
-              </a:tr>
-            </a:tbl>
-          </a:graphicData>
-        </a:graphic>
-      </p:graphicFrame>
-      <p:sp>
-        <p:nvSpPr>
-          <p:cNvPr id="1" name="TextBox 3"/>
-          <p:cNvSpPr txBox="1"/>
-          <p:nvPr/>
+          <p:cNvPr id="2" name="Title 1">
+            <a:extLst>
+              <a:ext uri="{FF2B5EF4-FFF2-40B4-BE49-F238E27FC236}">
+                <a16:creationId xmlns:a16="http://schemas.microsoft.com/office/drawing/2014/main" id="{DD9B8E45-0772-954C-8D4B-6E6808DFEDED}"/>
+              </a:ext>
+            </a:extLst>
+          </p:cNvPr>
+          <p:cNvSpPr>
+            <a:spLocks noGrp="1"/>
+          </p:cNvSpPr>
+          <p:nvPr>
+            <p:ph type="title"/>
+          </p:nvPr>
         </p:nvSpPr>
         <p:spPr>
           <a:xfrm>
-            <a:off x="5181600" y="5334000"/>
-            <a:ext cx="6172200" cy="508000"/>
+            <a:off x="838200" y="365129"/>
+            <a:ext cx="10002520" cy="1325563"/>
           </a:xfrm>
           <a:prstGeom prst="rect">
             <a:avLst/>
           </a:prstGeom>
-          <a:noFill/>
         </p:spPr>
         <p:txBody>
           <a:bodyPr/>
           <a:lstStyle/>
           <a:p>
-            <a:pPr lvl="0" indent="0" marL="0" algn="ctr">
+            <a:pPr lvl="0" indent="0" marL="0">
               <a:buNone/>
             </a:pPr>
             <a:r>
               <a:rPr/>
-              <a:t>Fontawesome</a:t>
+              <a:t>But seriously…</a:t>
+            </a:r>
+          </a:p>
+        </p:txBody>
+      </p:sp>
+      <p:sp>
+        <p:nvSpPr>
+          <p:cNvPr id="3" name="Content Placeholder 2">
+            <a:extLst>
+              <a:ext uri="{FF2B5EF4-FFF2-40B4-BE49-F238E27FC236}">
+                <a16:creationId xmlns:a16="http://schemas.microsoft.com/office/drawing/2014/main" id="{A4EB24F9-04F1-C843-9D71-56C5C024552B}"/>
+              </a:ext>
+            </a:extLst>
+          </p:cNvPr>
+          <p:cNvSpPr>
+            <a:spLocks noGrp="1"/>
+          </p:cNvSpPr>
+          <p:nvPr>
+            <p:ph idx="1"/>
+          </p:nvPr>
+        </p:nvSpPr>
+        <p:spPr/>
+        <p:txBody>
+          <a:bodyPr/>
+          <a:lstStyle/>
+          <a:p>
+            <a:pPr lvl="0"/>
+            <a:r>
+              <a:rPr/>
+              <a:t>Formerly worked in advertising industry for big agencies</a:t>
+            </a:r>
+          </a:p>
+          <a:p>
+            <a:pPr lvl="0"/>
+            <a:r>
+              <a:rPr/>
+              <a:t>Impulsively started a Psych degree in 2006 (age 30+)</a:t>
+            </a:r>
+          </a:p>
+          <a:p>
+            <a:pPr lvl="0"/>
+            <a:r>
+              <a:rPr/>
+              <a:t>My research interests are interpersonal deception, antagonistic personalities and behaviours, and how people obtain, process, and use social information/person perception in their everyday lives</a:t>
+            </a:r>
+          </a:p>
+          <a:p>
+            <a:pPr lvl="0"/>
+            <a:r>
+              <a:rPr/>
+              <a:t>Got my PhD in 2014, post-doc with the Intelligence Agencies, Teaching Fellow then Lecturer in the department of Psychology</a:t>
+            </a:r>
+          </a:p>
+          <a:p>
+            <a:pPr lvl="0"/>
+            <a:r>
+              <a:rPr/>
+              <a:t>And I LOVE IT !! The Psychology we do here is unique!</a:t>
             </a:r>
           </a:p>
         </p:txBody>
       </p:sp>
     </p:spTree>
   </p:cSld>
+  <p:timing>
+    <p:tnLst>
+      <p:par>
+        <p:cTn id="1" dur="indefinite" restart="never" nodeType="tmRoot">
+          <p:childTnLst>
+            <p:seq concurrent="1" nextAc="seek">
+              <p:cTn id="2" dur="indefinite" nodeType="mainSeq">
+                <p:childTnLst>
+                  <p:par>
+                    <p:cTn id="3" fill="hold">
+                      <p:stCondLst>
+                        <p:cond delay="indefinite"/>
+                      </p:stCondLst>
+                      <p:childTnLst>
+                        <p:par>
+                          <p:cTn id="4" fill="hold">
+                            <p:stCondLst>
+                              <p:cond delay="0"/>
+                            </p:stCondLst>
+                            <p:childTnLst>
+                              <p:par>
+                                <p:cTn id="5" presetID="1" presetClass="entr" presetSubtype="0" fill="hold" grpId="0" nodeType="clickEffect">
+                                  <p:stCondLst>
+                                    <p:cond delay="0"/>
+                                  </p:stCondLst>
+                                  <p:childTnLst>
+                                    <p:set>
+                                      <p:cBhvr>
+                                        <p:cTn id="6" dur="1" fill="hold">
+                                          <p:stCondLst>
+                                            <p:cond delay="0"/>
+                                          </p:stCondLst>
+                                        </p:cTn>
+                                        <p:tgtEl>
+                                          <p:spTgt spid="3">
+                                            <p:txEl>
+                                              <p:pRg st="0" end="0"/>
+                                            </p:txEl>
+                                          </p:spTgt>
+                                        </p:tgtEl>
+                                        <p:attrNameLst>
+                                          <p:attrName>style.visibility</p:attrName>
+                                        </p:attrNameLst>
+                                      </p:cBhvr>
+                                      <p:to>
+                                        <p:strVal val="visible"/>
+                                      </p:to>
+                                    </p:set>
+                                  </p:childTnLst>
+                                </p:cTn>
+                              </p:par>
+                            </p:childTnLst>
+                          </p:cTn>
+                        </p:par>
+                      </p:childTnLst>
+                    </p:cTn>
+                  </p:par>
+                  <p:par>
+                    <p:cTn id="7" fill="hold">
+                      <p:stCondLst>
+                        <p:cond delay="indefinite"/>
+                      </p:stCondLst>
+                      <p:childTnLst>
+                        <p:par>
+                          <p:cTn id="8" fill="hold">
+                            <p:stCondLst>
+                              <p:cond delay="0"/>
+                            </p:stCondLst>
+                            <p:childTnLst>
+                              <p:par>
+                                <p:cTn id="9" presetID="1" presetClass="entr" presetSubtype="0" fill="hold" grpId="0" nodeType="clickEffect">
+                                  <p:stCondLst>
+                                    <p:cond delay="0"/>
+                                  </p:stCondLst>
+                                  <p:childTnLst>
+                                    <p:set>
+                                      <p:cBhvr>
+                                        <p:cTn id="10" dur="1" fill="hold">
+                                          <p:stCondLst>
+                                            <p:cond delay="0"/>
+                                          </p:stCondLst>
+                                        </p:cTn>
+                                        <p:tgtEl>
+                                          <p:spTgt spid="3">
+                                            <p:txEl>
+                                              <p:pRg st="1" end="1"/>
+                                            </p:txEl>
+                                          </p:spTgt>
+                                        </p:tgtEl>
+                                        <p:attrNameLst>
+                                          <p:attrName>style.visibility</p:attrName>
+                                        </p:attrNameLst>
+                                      </p:cBhvr>
+                                      <p:to>
+                                        <p:strVal val="visible"/>
+                                      </p:to>
+                                    </p:set>
+                                  </p:childTnLst>
+                                </p:cTn>
+                              </p:par>
+                            </p:childTnLst>
+                          </p:cTn>
+                        </p:par>
+                      </p:childTnLst>
+                    </p:cTn>
+                  </p:par>
+                  <p:par>
+                    <p:cTn id="11" fill="hold">
+                      <p:stCondLst>
+                        <p:cond delay="indefinite"/>
+                      </p:stCondLst>
+                      <p:childTnLst>
+                        <p:par>
+                          <p:cTn id="12" fill="hold">
+                            <p:stCondLst>
+                              <p:cond delay="0"/>
+                            </p:stCondLst>
+                            <p:childTnLst>
+                              <p:par>
+                                <p:cTn id="13" presetID="1" presetClass="entr" presetSubtype="0" fill="hold" grpId="0" nodeType="clickEffect">
+                                  <p:stCondLst>
+                                    <p:cond delay="0"/>
+                                  </p:stCondLst>
+                                  <p:childTnLst>
+                                    <p:set>
+                                      <p:cBhvr>
+                                        <p:cTn id="14" dur="1" fill="hold">
+                                          <p:stCondLst>
+                                            <p:cond delay="0"/>
+                                          </p:stCondLst>
+                                        </p:cTn>
+                                        <p:tgtEl>
+                                          <p:spTgt spid="3">
+                                            <p:txEl>
+                                              <p:pRg st="2" end="2"/>
+                                            </p:txEl>
+                                          </p:spTgt>
+                                        </p:tgtEl>
+                                        <p:attrNameLst>
+                                          <p:attrName>style.visibility</p:attrName>
+                                        </p:attrNameLst>
+                                      </p:cBhvr>
+                                      <p:to>
+                                        <p:strVal val="visible"/>
+                                      </p:to>
+                                    </p:set>
+                                  </p:childTnLst>
+                                </p:cTn>
+                              </p:par>
+                            </p:childTnLst>
+                          </p:cTn>
+                        </p:par>
+                      </p:childTnLst>
+                    </p:cTn>
+                  </p:par>
+                  <p:par>
+                    <p:cTn id="15" fill="hold">
+                      <p:stCondLst>
+                        <p:cond delay="indefinite"/>
+                      </p:stCondLst>
+                      <p:childTnLst>
+                        <p:par>
+                          <p:cTn id="16" fill="hold">
+                            <p:stCondLst>
+                              <p:cond delay="0"/>
+                            </p:stCondLst>
+                            <p:childTnLst>
+                              <p:par>
+                                <p:cTn id="17" presetID="1" presetClass="entr" presetSubtype="0" fill="hold" grpId="0" nodeType="clickEffect">
+                                  <p:stCondLst>
+                                    <p:cond delay="0"/>
+                                  </p:stCondLst>
+                                  <p:childTnLst>
+                                    <p:set>
+                                      <p:cBhvr>
+                                        <p:cTn id="18" dur="1" fill="hold">
+                                          <p:stCondLst>
+                                            <p:cond delay="0"/>
+                                          </p:stCondLst>
+                                        </p:cTn>
+                                        <p:tgtEl>
+                                          <p:spTgt spid="3">
+                                            <p:txEl>
+                                              <p:pRg st="3" end="3"/>
+                                            </p:txEl>
+                                          </p:spTgt>
+                                        </p:tgtEl>
+                                        <p:attrNameLst>
+                                          <p:attrName>style.visibility</p:attrName>
+                                        </p:attrNameLst>
+                                      </p:cBhvr>
+                                      <p:to>
+                                        <p:strVal val="visible"/>
+                                      </p:to>
+                                    </p:set>
+                                  </p:childTnLst>
+                                </p:cTn>
+                              </p:par>
+                            </p:childTnLst>
+                          </p:cTn>
+                        </p:par>
+                      </p:childTnLst>
+                    </p:cTn>
+                  </p:par>
+                  <p:par>
+                    <p:cTn id="19" fill="hold">
+                      <p:stCondLst>
+                        <p:cond delay="indefinite"/>
+                      </p:stCondLst>
+                      <p:childTnLst>
+                        <p:par>
+                          <p:cTn id="20" fill="hold">
+                            <p:stCondLst>
+                              <p:cond delay="0"/>
+                            </p:stCondLst>
+                            <p:childTnLst>
+                              <p:par>
+                                <p:cTn id="21" presetID="1" presetClass="entr" presetSubtype="0" fill="hold" grpId="0" nodeType="clickEffect">
+                                  <p:stCondLst>
+                                    <p:cond delay="0"/>
+                                  </p:stCondLst>
+                                  <p:childTnLst>
+                                    <p:set>
+                                      <p:cBhvr>
+                                        <p:cTn id="22" dur="1" fill="hold">
+                                          <p:stCondLst>
+                                            <p:cond delay="0"/>
+                                          </p:stCondLst>
+                                        </p:cTn>
+                                        <p:tgtEl>
+                                          <p:spTgt spid="3">
+                                            <p:txEl>
+                                              <p:pRg st="4" end="4"/>
+                                            </p:txEl>
+                                          </p:spTgt>
+                                        </p:tgtEl>
+                                        <p:attrNameLst>
+                                          <p:attrName>style.visibility</p:attrName>
+                                        </p:attrNameLst>
+                                      </p:cBhvr>
+                                      <p:to>
+                                        <p:strVal val="visible"/>
+                                      </p:to>
+                                    </p:set>
+                                  </p:childTnLst>
+                                </p:cTn>
+                              </p:par>
+                            </p:childTnLst>
+                          </p:cTn>
+                        </p:par>
+                      </p:childTnLst>
+                    </p:cTn>
+                  </p:par>
+                </p:childTnLst>
+              </p:cTn>
+              <p:prevCondLst>
+                <p:cond evt="onPrev" delay="0">
+                  <p:tgtEl>
+                    <p:sldTgt/>
+                  </p:tgtEl>
+                </p:cond>
+              </p:prevCondLst>
+              <p:nextCondLst>
+                <p:cond evt="onNext" delay="0">
+                  <p:tgtEl>
+                    <p:sldTgt/>
+                  </p:tgtEl>
+                </p:cond>
+              </p:nextCondLst>
+            </p:seq>
+          </p:childTnLst>
+        </p:cTn>
+      </p:par>
+    </p:tnLst>
+    <p:bldLst>
+      <p:bldP spid="3" grpId="0" uiExpand="1" build="p"/>
+    </p:bldLst>
+  </p:timing>
 </p:sld>
 </file>
 
@@ -5875,100 +12374,745 @@
       </p:grpSpPr>
       <p:sp>
         <p:nvSpPr>
-          <p:cNvPr id="3" name="Content Placeholder 2">
-            <a:extLst>
-              <a:ext uri="{FF2B5EF4-FFF2-40B4-BE49-F238E27FC236}">
-                <a16:creationId xmlns:a16="http://schemas.microsoft.com/office/drawing/2014/main" id="{A4EB24F9-04F1-C843-9D71-56C5C024552B}"/>
-              </a:ext>
-            </a:extLst>
-          </p:cNvPr>
-          <p:cNvSpPr>
-            <a:spLocks noGrp="1"/>
-          </p:cNvSpPr>
-          <p:nvPr>
-            <p:ph idx="1"/>
-          </p:nvPr>
-        </p:nvSpPr>
-        <p:spPr/>
+          <p:cNvPr id="2" name="Title 1">
+            <a:extLst>
+              <a:ext uri="{FF2B5EF4-FFF2-40B4-BE49-F238E27FC236}">
+                <a16:creationId xmlns:a16="http://schemas.microsoft.com/office/drawing/2014/main" id="{DD9B8E45-0772-954C-8D4B-6E6808DFEDED}"/>
+              </a:ext>
+            </a:extLst>
+          </p:cNvPr>
+          <p:cNvSpPr>
+            <a:spLocks noGrp="1"/>
+          </p:cNvSpPr>
+          <p:nvPr>
+            <p:ph type="title"/>
+          </p:nvPr>
+        </p:nvSpPr>
+        <p:spPr>
+          <a:xfrm>
+            <a:off x="838200" y="365129"/>
+            <a:ext cx="10002520" cy="1325563"/>
+          </a:xfrm>
+          <a:prstGeom prst="rect">
+            <a:avLst/>
+          </a:prstGeom>
+        </p:spPr>
         <p:txBody>
           <a:bodyPr/>
           <a:lstStyle/>
           <a:p>
             <a:pPr lvl="0" indent="0" marL="0">
-              <a:spcBef>
-                <a:spcPts val="3000"/>
-              </a:spcBef>
               <a:buNone/>
             </a:pPr>
             <a:r>
+              <a:rPr/>
+              <a:t>But first</a:t>
+            </a:r>
+          </a:p>
+        </p:txBody>
+      </p:sp>
+      <p:sp>
+        <p:nvSpPr>
+          <p:cNvPr id="3" name="Content Placeholder 2">
+            <a:extLst>
+              <a:ext uri="{FF2B5EF4-FFF2-40B4-BE49-F238E27FC236}">
+                <a16:creationId xmlns:a16="http://schemas.microsoft.com/office/drawing/2014/main" id="{A4EB24F9-04F1-C843-9D71-56C5C024552B}"/>
+              </a:ext>
+            </a:extLst>
+          </p:cNvPr>
+          <p:cNvSpPr>
+            <a:spLocks noGrp="1"/>
+          </p:cNvSpPr>
+          <p:nvPr>
+            <p:ph idx="1"/>
+          </p:nvPr>
+        </p:nvSpPr>
+        <p:spPr/>
+        <p:txBody>
+          <a:bodyPr/>
+          <a:lstStyle/>
+          <a:p>
+            <a:pPr lvl="0"/>
+            <a:r>
+              <a:rPr/>
+              <a:t>The importance of your ‘participation’</a:t>
+            </a:r>
+          </a:p>
+          <a:p>
+            <a:pPr lvl="0"/>
+            <a:r>
+              <a:rPr/>
+              <a:t>If you don’t engage, it is difficult to respond to your needs</a:t>
+            </a:r>
+          </a:p>
+          <a:p>
+            <a:pPr lvl="0"/>
+            <a:r>
+              <a:rPr/>
+              <a:t>I want you to find </a:t>
+            </a:r>
+            <a:r>
               <a:rPr b="1"/>
-              <a:t>References</a:t>
-            </a:r>
-          </a:p>
+              <a:t>“MyPsychology”</a:t>
+            </a:r>
+          </a:p>
+          <a:p>
+            <a:pPr lvl="0"/>
+            <a:r>
+              <a:rPr/>
+              <a:t>Easier to keep up than catch-up</a:t>
+            </a:r>
+          </a:p>
+          <a:p>
+            <a:pPr lvl="0"/>
+            <a:r>
+              <a:rPr/>
+              <a:t>We have numerous safeguards in place to protect you this year</a:t>
+            </a:r>
+          </a:p>
+          <a:p>
+            <a:pPr lvl="0"/>
+            <a:r>
+              <a:rPr/>
+              <a:t>The only thing that should be worried this year is Shoddy Science!</a:t>
+            </a:r>
+          </a:p>
+        </p:txBody>
+      </p:sp>
+    </p:spTree>
+  </p:cSld>
+  <p:timing>
+    <p:tnLst>
+      <p:par>
+        <p:cTn id="1" dur="indefinite" restart="never" nodeType="tmRoot">
+          <p:childTnLst>
+            <p:seq concurrent="1" nextAc="seek">
+              <p:cTn id="2" dur="indefinite" nodeType="mainSeq">
+                <p:childTnLst>
+                  <p:par>
+                    <p:cTn id="3" fill="hold">
+                      <p:stCondLst>
+                        <p:cond delay="indefinite"/>
+                      </p:stCondLst>
+                      <p:childTnLst>
+                        <p:par>
+                          <p:cTn id="4" fill="hold">
+                            <p:stCondLst>
+                              <p:cond delay="0"/>
+                            </p:stCondLst>
+                            <p:childTnLst>
+                              <p:par>
+                                <p:cTn id="5" presetID="1" presetClass="entr" presetSubtype="0" fill="hold" grpId="0" nodeType="clickEffect">
+                                  <p:stCondLst>
+                                    <p:cond delay="0"/>
+                                  </p:stCondLst>
+                                  <p:childTnLst>
+                                    <p:set>
+                                      <p:cBhvr>
+                                        <p:cTn id="6" dur="1" fill="hold">
+                                          <p:stCondLst>
+                                            <p:cond delay="0"/>
+                                          </p:stCondLst>
+                                        </p:cTn>
+                                        <p:tgtEl>
+                                          <p:spTgt spid="3">
+                                            <p:txEl>
+                                              <p:pRg st="0" end="0"/>
+                                            </p:txEl>
+                                          </p:spTgt>
+                                        </p:tgtEl>
+                                        <p:attrNameLst>
+                                          <p:attrName>style.visibility</p:attrName>
+                                        </p:attrNameLst>
+                                      </p:cBhvr>
+                                      <p:to>
+                                        <p:strVal val="visible"/>
+                                      </p:to>
+                                    </p:set>
+                                  </p:childTnLst>
+                                </p:cTn>
+                              </p:par>
+                            </p:childTnLst>
+                          </p:cTn>
+                        </p:par>
+                      </p:childTnLst>
+                    </p:cTn>
+                  </p:par>
+                  <p:par>
+                    <p:cTn id="7" fill="hold">
+                      <p:stCondLst>
+                        <p:cond delay="indefinite"/>
+                      </p:stCondLst>
+                      <p:childTnLst>
+                        <p:par>
+                          <p:cTn id="8" fill="hold">
+                            <p:stCondLst>
+                              <p:cond delay="0"/>
+                            </p:stCondLst>
+                            <p:childTnLst>
+                              <p:par>
+                                <p:cTn id="9" presetID="1" presetClass="entr" presetSubtype="0" fill="hold" grpId="0" nodeType="clickEffect">
+                                  <p:stCondLst>
+                                    <p:cond delay="0"/>
+                                  </p:stCondLst>
+                                  <p:childTnLst>
+                                    <p:set>
+                                      <p:cBhvr>
+                                        <p:cTn id="10" dur="1" fill="hold">
+                                          <p:stCondLst>
+                                            <p:cond delay="0"/>
+                                          </p:stCondLst>
+                                        </p:cTn>
+                                        <p:tgtEl>
+                                          <p:spTgt spid="3">
+                                            <p:txEl>
+                                              <p:pRg st="1" end="1"/>
+                                            </p:txEl>
+                                          </p:spTgt>
+                                        </p:tgtEl>
+                                        <p:attrNameLst>
+                                          <p:attrName>style.visibility</p:attrName>
+                                        </p:attrNameLst>
+                                      </p:cBhvr>
+                                      <p:to>
+                                        <p:strVal val="visible"/>
+                                      </p:to>
+                                    </p:set>
+                                  </p:childTnLst>
+                                </p:cTn>
+                              </p:par>
+                            </p:childTnLst>
+                          </p:cTn>
+                        </p:par>
+                      </p:childTnLst>
+                    </p:cTn>
+                  </p:par>
+                  <p:par>
+                    <p:cTn id="11" fill="hold">
+                      <p:stCondLst>
+                        <p:cond delay="indefinite"/>
+                      </p:stCondLst>
+                      <p:childTnLst>
+                        <p:par>
+                          <p:cTn id="12" fill="hold">
+                            <p:stCondLst>
+                              <p:cond delay="0"/>
+                            </p:stCondLst>
+                            <p:childTnLst>
+                              <p:par>
+                                <p:cTn id="13" presetID="1" presetClass="entr" presetSubtype="0" fill="hold" grpId="0" nodeType="clickEffect">
+                                  <p:stCondLst>
+                                    <p:cond delay="0"/>
+                                  </p:stCondLst>
+                                  <p:childTnLst>
+                                    <p:set>
+                                      <p:cBhvr>
+                                        <p:cTn id="14" dur="1" fill="hold">
+                                          <p:stCondLst>
+                                            <p:cond delay="0"/>
+                                          </p:stCondLst>
+                                        </p:cTn>
+                                        <p:tgtEl>
+                                          <p:spTgt spid="3">
+                                            <p:txEl>
+                                              <p:pRg st="2" end="2"/>
+                                            </p:txEl>
+                                          </p:spTgt>
+                                        </p:tgtEl>
+                                        <p:attrNameLst>
+                                          <p:attrName>style.visibility</p:attrName>
+                                        </p:attrNameLst>
+                                      </p:cBhvr>
+                                      <p:to>
+                                        <p:strVal val="visible"/>
+                                      </p:to>
+                                    </p:set>
+                                  </p:childTnLst>
+                                </p:cTn>
+                              </p:par>
+                            </p:childTnLst>
+                          </p:cTn>
+                        </p:par>
+                      </p:childTnLst>
+                    </p:cTn>
+                  </p:par>
+                  <p:par>
+                    <p:cTn id="15" fill="hold">
+                      <p:stCondLst>
+                        <p:cond delay="indefinite"/>
+                      </p:stCondLst>
+                      <p:childTnLst>
+                        <p:par>
+                          <p:cTn id="16" fill="hold">
+                            <p:stCondLst>
+                              <p:cond delay="0"/>
+                            </p:stCondLst>
+                            <p:childTnLst>
+                              <p:par>
+                                <p:cTn id="17" presetID="1" presetClass="entr" presetSubtype="0" fill="hold" grpId="0" nodeType="clickEffect">
+                                  <p:stCondLst>
+                                    <p:cond delay="0"/>
+                                  </p:stCondLst>
+                                  <p:childTnLst>
+                                    <p:set>
+                                      <p:cBhvr>
+                                        <p:cTn id="18" dur="1" fill="hold">
+                                          <p:stCondLst>
+                                            <p:cond delay="0"/>
+                                          </p:stCondLst>
+                                        </p:cTn>
+                                        <p:tgtEl>
+                                          <p:spTgt spid="3">
+                                            <p:txEl>
+                                              <p:pRg st="3" end="3"/>
+                                            </p:txEl>
+                                          </p:spTgt>
+                                        </p:tgtEl>
+                                        <p:attrNameLst>
+                                          <p:attrName>style.visibility</p:attrName>
+                                        </p:attrNameLst>
+                                      </p:cBhvr>
+                                      <p:to>
+                                        <p:strVal val="visible"/>
+                                      </p:to>
+                                    </p:set>
+                                  </p:childTnLst>
+                                </p:cTn>
+                              </p:par>
+                            </p:childTnLst>
+                          </p:cTn>
+                        </p:par>
+                      </p:childTnLst>
+                    </p:cTn>
+                  </p:par>
+                  <p:par>
+                    <p:cTn id="19" fill="hold">
+                      <p:stCondLst>
+                        <p:cond delay="indefinite"/>
+                      </p:stCondLst>
+                      <p:childTnLst>
+                        <p:par>
+                          <p:cTn id="20" fill="hold">
+                            <p:stCondLst>
+                              <p:cond delay="0"/>
+                            </p:stCondLst>
+                            <p:childTnLst>
+                              <p:par>
+                                <p:cTn id="21" presetID="1" presetClass="entr" presetSubtype="0" fill="hold" grpId="0" nodeType="clickEffect">
+                                  <p:stCondLst>
+                                    <p:cond delay="0"/>
+                                  </p:stCondLst>
+                                  <p:childTnLst>
+                                    <p:set>
+                                      <p:cBhvr>
+                                        <p:cTn id="22" dur="1" fill="hold">
+                                          <p:stCondLst>
+                                            <p:cond delay="0"/>
+                                          </p:stCondLst>
+                                        </p:cTn>
+                                        <p:tgtEl>
+                                          <p:spTgt spid="3">
+                                            <p:txEl>
+                                              <p:pRg st="4" end="4"/>
+                                            </p:txEl>
+                                          </p:spTgt>
+                                        </p:tgtEl>
+                                        <p:attrNameLst>
+                                          <p:attrName>style.visibility</p:attrName>
+                                        </p:attrNameLst>
+                                      </p:cBhvr>
+                                      <p:to>
+                                        <p:strVal val="visible"/>
+                                      </p:to>
+                                    </p:set>
+                                  </p:childTnLst>
+                                </p:cTn>
+                              </p:par>
+                            </p:childTnLst>
+                          </p:cTn>
+                        </p:par>
+                      </p:childTnLst>
+                    </p:cTn>
+                  </p:par>
+                  <p:par>
+                    <p:cTn id="23" fill="hold">
+                      <p:stCondLst>
+                        <p:cond delay="indefinite"/>
+                      </p:stCondLst>
+                      <p:childTnLst>
+                        <p:par>
+                          <p:cTn id="24" fill="hold">
+                            <p:stCondLst>
+                              <p:cond delay="0"/>
+                            </p:stCondLst>
+                            <p:childTnLst>
+                              <p:par>
+                                <p:cTn id="25" presetID="1" presetClass="entr" presetSubtype="0" fill="hold" grpId="0" nodeType="clickEffect">
+                                  <p:stCondLst>
+                                    <p:cond delay="0"/>
+                                  </p:stCondLst>
+                                  <p:childTnLst>
+                                    <p:set>
+                                      <p:cBhvr>
+                                        <p:cTn id="26" dur="1" fill="hold">
+                                          <p:stCondLst>
+                                            <p:cond delay="0"/>
+                                          </p:stCondLst>
+                                        </p:cTn>
+                                        <p:tgtEl>
+                                          <p:spTgt spid="3">
+                                            <p:txEl>
+                                              <p:pRg st="5" end="5"/>
+                                            </p:txEl>
+                                          </p:spTgt>
+                                        </p:tgtEl>
+                                        <p:attrNameLst>
+                                          <p:attrName>style.visibility</p:attrName>
+                                        </p:attrNameLst>
+                                      </p:cBhvr>
+                                      <p:to>
+                                        <p:strVal val="visible"/>
+                                      </p:to>
+                                    </p:set>
+                                  </p:childTnLst>
+                                </p:cTn>
+                              </p:par>
+                            </p:childTnLst>
+                          </p:cTn>
+                        </p:par>
+                      </p:childTnLst>
+                    </p:cTn>
+                  </p:par>
+                </p:childTnLst>
+              </p:cTn>
+              <p:prevCondLst>
+                <p:cond evt="onPrev" delay="0">
+                  <p:tgtEl>
+                    <p:sldTgt/>
+                  </p:tgtEl>
+                </p:cond>
+              </p:prevCondLst>
+              <p:nextCondLst>
+                <p:cond evt="onNext" delay="0">
+                  <p:tgtEl>
+                    <p:sldTgt/>
+                  </p:tgtEl>
+                </p:cond>
+              </p:nextCondLst>
+            </p:seq>
+          </p:childTnLst>
+        </p:cTn>
+      </p:par>
+    </p:tnLst>
+    <p:bldLst>
+      <p:bldP spid="3" grpId="0" uiExpand="1" build="p"/>
+    </p:bldLst>
+  </p:timing>
+</p:sld>
+</file>
+
+<file path=ppt/slides/slide7.xml><?xml version="1.0" encoding="utf-8"?>
+<p:sld xmlns:a="http://schemas.openxmlformats.org/drawingml/2006/main" xmlns:r="http://schemas.openxmlformats.org/officeDocument/2006/relationships" xmlns:p="http://schemas.openxmlformats.org/presentationml/2006/main">
+  <p:cSld>
+    <p:spTree>
+      <p:nvGrpSpPr>
+        <p:cNvPr id="1" name=""/>
+        <p:cNvGrpSpPr/>
+        <p:nvPr/>
+      </p:nvGrpSpPr>
+      <p:grpSpPr>
+        <a:xfrm>
+          <a:off x="0" y="0"/>
+          <a:ext cx="0" cy="0"/>
+          <a:chOff x="0" y="0"/>
+          <a:chExt cx="0" cy="0"/>
+        </a:xfrm>
+      </p:grpSpPr>
+      <p:sp>
+        <p:nvSpPr>
+          <p:cNvPr id="2" name="Title 1">
+            <a:extLst>
+              <a:ext uri="{FF2B5EF4-FFF2-40B4-BE49-F238E27FC236}">
+                <a16:creationId xmlns:a16="http://schemas.microsoft.com/office/drawing/2014/main" id="{FF6A6CB2-D1B6-B94A-84C1-83C65423C650}"/>
+              </a:ext>
+            </a:extLst>
+          </p:cNvPr>
+          <p:cNvSpPr>
+            <a:spLocks noGrp="1"/>
+          </p:cNvSpPr>
+          <p:nvPr>
+            <p:ph type="title"/>
+          </p:nvPr>
+        </p:nvSpPr>
+        <p:spPr>
+          <a:xfrm>
+            <a:off x="831851" y="1709742"/>
+            <a:ext cx="10515600" cy="2852737"/>
+          </a:xfrm>
+          <a:prstGeom prst="rect">
+            <a:avLst/>
+          </a:prstGeom>
+        </p:spPr>
+        <p:txBody>
+          <a:bodyPr/>
+          <a:lstStyle/>
           <a:p>
             <a:pPr lvl="0" indent="0" marL="0">
               <a:buNone/>
             </a:pPr>
             <a:r>
               <a:rPr/>
-              <a:t>Cohen, J. (1992). A power primer. </a:t>
-            </a:r>
-            <a:r>
-              <a:rPr i="1"/>
-              <a:t>Psychological Bulletin</a:t>
-            </a:r>
-            <a:r>
-              <a:rPr/>
-              <a:t>, </a:t>
-            </a:r>
-            <a:r>
-              <a:rPr i="1"/>
-              <a:t>112</a:t>
-            </a:r>
-            <a:r>
-              <a:rPr/>
-              <a:t>, 155–155. </a:t>
-            </a:r>
+              <a:t>Module Overview</a:t>
+            </a:r>
+          </a:p>
+        </p:txBody>
+      </p:sp>
+    </p:spTree>
+  </p:cSld>
+</p:sld>
+</file>
+
+<file path=ppt/slides/slide8.xml><?xml version="1.0" encoding="utf-8"?>
+<p:sld xmlns:a="http://schemas.openxmlformats.org/drawingml/2006/main" xmlns:r="http://schemas.openxmlformats.org/officeDocument/2006/relationships" xmlns:p="http://schemas.openxmlformats.org/presentationml/2006/main">
+  <p:cSld>
+    <p:spTree>
+      <p:nvGrpSpPr>
+        <p:cNvPr id="1" name=""/>
+        <p:cNvGrpSpPr/>
+        <p:nvPr/>
+      </p:nvGrpSpPr>
+      <p:grpSpPr>
+        <a:xfrm>
+          <a:off x="0" y="0"/>
+          <a:ext cx="0" cy="0"/>
+          <a:chOff x="0" y="0"/>
+          <a:chExt cx="0" cy="0"/>
+        </a:xfrm>
+      </p:grpSpPr>
+      <p:sp>
+        <p:nvSpPr>
+          <p:cNvPr id="2" name="Title 1">
+            <a:extLst>
+              <a:ext uri="{FF2B5EF4-FFF2-40B4-BE49-F238E27FC236}">
+                <a16:creationId xmlns:a16="http://schemas.microsoft.com/office/drawing/2014/main" id="{DD9B8E45-0772-954C-8D4B-6E6808DFEDED}"/>
+              </a:ext>
+            </a:extLst>
+          </p:cNvPr>
+          <p:cNvSpPr>
+            <a:spLocks noGrp="1"/>
+          </p:cNvSpPr>
+          <p:nvPr>
+            <p:ph type="title"/>
+          </p:nvPr>
+        </p:nvSpPr>
+        <p:spPr>
+          <a:xfrm>
+            <a:off x="838200" y="365129"/>
+            <a:ext cx="10002520" cy="1325563"/>
+          </a:xfrm>
+          <a:prstGeom prst="rect">
+            <a:avLst/>
+          </a:prstGeom>
+        </p:spPr>
+        <p:txBody>
+          <a:bodyPr/>
+          <a:lstStyle/>
+          <a:p>
+            <a:pPr lvl="0" indent="0" marL="0">
+              <a:buNone/>
+            </a:pPr>
+            <a:r>
+              <a:rPr/>
+              <a:t>Module weighting and assessment</a:t>
+            </a:r>
+          </a:p>
+        </p:txBody>
+      </p:sp>
+      <p:sp>
+        <p:nvSpPr>
+          <p:cNvPr id="3" name="Content Placeholder 2">
+            <a:extLst>
+              <a:ext uri="{FF2B5EF4-FFF2-40B4-BE49-F238E27FC236}">
+                <a16:creationId xmlns:a16="http://schemas.microsoft.com/office/drawing/2014/main" id="{A4EB24F9-04F1-C843-9D71-56C5C024552B}"/>
+              </a:ext>
+            </a:extLst>
+          </p:cNvPr>
+          <p:cNvSpPr>
+            <a:spLocks noGrp="1"/>
+          </p:cNvSpPr>
+          <p:nvPr>
+            <p:ph idx="1"/>
+          </p:nvPr>
+        </p:nvSpPr>
+        <p:spPr/>
+        <p:txBody>
+          <a:bodyPr/>
+          <a:lstStyle/>
+          <a:p>
+            <a:pPr lvl="0" indent="0" marL="0">
+              <a:buNone/>
+            </a:pPr>
+            <a:r>
+              <a:rPr/>
+              <a:t>Research Methods is a core module with a 30 credit weighting</a:t>
+            </a:r>
+          </a:p>
+          <a:p>
+            <a:pPr lvl="0" indent="0" marL="0">
+              <a:buNone/>
+            </a:pPr>
+            <a:r>
+              <a:rPr/>
+              <a:t>This means that in order to progress to Y3, you must pass all 3 assessment elements:</a:t>
+            </a:r>
+          </a:p>
+          <a:p>
+            <a:pPr lvl="0"/>
+            <a:r>
+              <a:rPr/>
+              <a:t>Critical Proposal 1,800 words (15%)</a:t>
+            </a:r>
+          </a:p>
+          <a:p>
+            <a:pPr lvl="0"/>
+            <a:r>
+              <a:rPr/>
+              <a:t>Mini-Dissertation 2,500 words (70%)</a:t>
+            </a:r>
+          </a:p>
+          <a:p>
+            <a:pPr lvl="0"/>
+            <a:r>
+              <a:rPr/>
+              <a:t>CHIP Learning Log 1,200 words (15%)</a:t>
+            </a:r>
+          </a:p>
+        </p:txBody>
+      </p:sp>
+    </p:spTree>
+  </p:cSld>
+</p:sld>
+</file>
+
+<file path=ppt/slides/slide9.xml><?xml version="1.0" encoding="utf-8"?>
+<p:sld xmlns:a="http://schemas.openxmlformats.org/drawingml/2006/main" xmlns:r="http://schemas.openxmlformats.org/officeDocument/2006/relationships" xmlns:p="http://schemas.openxmlformats.org/presentationml/2006/main">
+  <p:cSld>
+    <p:spTree>
+      <p:nvGrpSpPr>
+        <p:cNvPr id="1" name=""/>
+        <p:cNvGrpSpPr/>
+        <p:nvPr/>
+      </p:nvGrpSpPr>
+      <p:grpSpPr>
+        <a:xfrm>
+          <a:off x="0" y="0"/>
+          <a:ext cx="0" cy="0"/>
+          <a:chOff x="0" y="0"/>
+          <a:chExt cx="0" cy="0"/>
+        </a:xfrm>
+      </p:grpSpPr>
+      <p:sp>
+        <p:nvSpPr>
+          <p:cNvPr id="2" name="Title 1">
+            <a:extLst>
+              <a:ext uri="{FF2B5EF4-FFF2-40B4-BE49-F238E27FC236}">
+                <a16:creationId xmlns:a16="http://schemas.microsoft.com/office/drawing/2014/main" id="{F3186003-B489-CA46-A95C-C1AECC0CA4D3}"/>
+              </a:ext>
+            </a:extLst>
+          </p:cNvPr>
+          <p:cNvSpPr>
+            <a:spLocks noGrp="1"/>
+          </p:cNvSpPr>
+          <p:nvPr>
+            <p:ph type="title"/>
+          </p:nvPr>
+        </p:nvSpPr>
+        <p:spPr>
+          <a:xfrm>
+            <a:off x="839788" y="457200"/>
+            <a:ext cx="3932237" cy="1600200"/>
+          </a:xfrm>
+          <a:prstGeom prst="rect">
+            <a:avLst/>
+          </a:prstGeom>
+        </p:spPr>
+        <p:txBody>
+          <a:bodyPr/>
+          <a:lstStyle/>
+          <a:p>
+            <a:pPr lvl="0" indent="0" marL="0">
+              <a:buNone/>
+            </a:pPr>
+            <a:r>
+              <a:rPr/>
+              <a:t>Welcome to Research Methods!</a:t>
+            </a:r>
+          </a:p>
+        </p:txBody>
+      </p:sp>
+      <p:sp>
+        <p:nvSpPr>
+          <p:cNvPr id="4" name="Text Placeholder 3">
+            <a:extLst>
+              <a:ext uri="{FF2B5EF4-FFF2-40B4-BE49-F238E27FC236}">
+                <a16:creationId xmlns:a16="http://schemas.microsoft.com/office/drawing/2014/main" id="{898BA411-2A54-A94A-B3FC-826281DBEADF}"/>
+              </a:ext>
+            </a:extLst>
+          </p:cNvPr>
+          <p:cNvSpPr>
+            <a:spLocks noGrp="1"/>
+          </p:cNvSpPr>
+          <p:nvPr>
+            <p:ph idx="2" sz="half" type="body"/>
+          </p:nvPr>
+        </p:nvSpPr>
+        <p:spPr/>
+        <p:txBody>
+          <a:bodyPr/>
+          <a:lstStyle/>
+          <a:p>
+            <a:pPr lvl="0" indent="0" marL="0">
+              <a:buNone/>
+            </a:pPr>
             <a:r>
               <a:rPr>
                 <a:hlinkClick r:id="rId2"/>
               </a:rPr>
-              <a:t>https://doi.org/10.1037/0033-2909.112.1.155</a:t>
-            </a:r>
-          </a:p>
-          <a:p>
-            <a:pPr lvl="0" indent="0" marL="0">
-              <a:buNone/>
-            </a:pPr>
-            <a:r>
-              <a:rPr/>
-              <a:t>Wright, G. R. T., Berry, C. J., &amp; Bird, G. (2012). “You can’t kid a kidder”: association between production and detection of deception in an interactive deception task. u1 - wright2012. </a:t>
-            </a:r>
-            <a:r>
-              <a:rPr i="1"/>
-              <a:t>Frontiers in Human Neuroscience</a:t>
-            </a:r>
-            <a:r>
-              <a:rPr/>
-              <a:t>, </a:t>
-            </a:r>
-            <a:r>
-              <a:rPr i="1"/>
-              <a:t>6</a:t>
-            </a:r>
-            <a:r>
-              <a:rPr/>
-              <a:t>, 87. </a:t>
-            </a:r>
-            <a:r>
-              <a:rPr>
-                <a:hlinkClick r:id="rId3"/>
-              </a:rPr>
-              <a:t>https://doi.org/10.3389/fnhum.2012.00087</a:t>
-            </a:r>
-          </a:p>
-        </p:txBody>
-      </p:sp>
+              <a:t>APA Skillful Psychology Student</a:t>
+            </a:r>
+          </a:p>
+        </p:txBody>
+      </p:sp>
+      <p:pic>
+        <p:nvPicPr>
+          <p:cNvPr descr="images/paste-51D3847E.png" id="0" name="Picture 1"/>
+          <p:cNvPicPr>
+            <a:picLocks noGrp="1" noChangeAspect="1"/>
+          </p:cNvPicPr>
+          <p:nvPr/>
+        </p:nvPicPr>
+        <p:blipFill>
+          <a:blip r:embed="rId3"/>
+          <a:stretch>
+            <a:fillRect/>
+          </a:stretch>
+        </p:blipFill>
+        <p:spPr bwMode="auto">
+          <a:xfrm>
+            <a:off x="6400800" y="977900"/>
+            <a:ext cx="3733800" cy="4864100"/>
+          </a:xfrm>
+          <a:prstGeom prst="rect">
+            <a:avLst/>
+          </a:prstGeom>
+          <a:noFill/>
+          <a:ln w="9525">
+            <a:noFill/>
+            <a:headEnd/>
+            <a:tailEnd/>
+          </a:ln>
+        </p:spPr>
+      </p:pic>
     </p:spTree>
   </p:cSld>
 </p:sld>

--- a/_site/slides/week01/lecture.pptx
+++ b/_site/slides/week01/lecture.pptx
@@ -318,7 +318,7 @@
             <a:fld id="{241EB5C9-1307-BA42-ABA2-0BC069CD8E7F}" type="datetimeFigureOut">
               <a:rPr lang="en-US" smtClean="0"/>
               <a:pPr/>
-              <a:t>9/24/23</a:t>
+              <a:t>9/26/23</a:t>
             </a:fld>
             <a:endParaRPr lang="en-US" dirty="0"/>
           </a:p>
@@ -661,7 +661,7 @@
             <a:fld id="{241EB5C9-1307-BA42-ABA2-0BC069CD8E7F}" type="datetimeFigureOut">
               <a:rPr lang="en-US" smtClean="0"/>
               <a:pPr/>
-              <a:t>9/24/23</a:t>
+              <a:t>9/26/23</a:t>
             </a:fld>
             <a:endParaRPr lang="en-US"/>
           </a:p>
@@ -979,7 +979,7 @@
             <a:fld id="{241EB5C9-1307-BA42-ABA2-0BC069CD8E7F}" type="datetimeFigureOut">
               <a:rPr lang="en-US" smtClean="0"/>
               <a:pPr/>
-              <a:t>9/24/23</a:t>
+              <a:t>9/26/23</a:t>
             </a:fld>
             <a:endParaRPr lang="en-US"/>
           </a:p>
@@ -1295,7 +1295,7 @@
           <a:p>
             <a:fld id="{241EB5C9-1307-BA42-ABA2-0BC069CD8E7F}" type="datetimeFigureOut">
               <a:rPr lang="en-US" smtClean="0"/>
-              <a:t>9/24/23</a:t>
+              <a:t>9/26/23</a:t>
             </a:fld>
             <a:endParaRPr lang="en-US"/>
           </a:p>
@@ -1641,7 +1641,7 @@
             <a:fld id="{241EB5C9-1307-BA42-ABA2-0BC069CD8E7F}" type="datetimeFigureOut">
               <a:rPr lang="en-US" smtClean="0"/>
               <a:pPr/>
-              <a:t>9/24/23</a:t>
+              <a:t>9/26/23</a:t>
             </a:fld>
             <a:endParaRPr lang="en-US"/>
           </a:p>
@@ -1834,7 +1834,7 @@
           <a:p>
             <a:fld id="{241EB5C9-1307-BA42-ABA2-0BC069CD8E7F}" type="datetimeFigureOut">
               <a:rPr lang="en-US" smtClean="0"/>
-              <a:t>9/24/23</a:t>
+              <a:t>9/26/23</a:t>
             </a:fld>
             <a:endParaRPr lang="en-US"/>
           </a:p>
@@ -2352,7 +2352,7 @@
             <a:fld id="{241EB5C9-1307-BA42-ABA2-0BC069CD8E7F}" type="datetimeFigureOut">
               <a:rPr lang="en-US" smtClean="0"/>
               <a:pPr/>
-              <a:t>9/24/23</a:t>
+              <a:t>9/26/23</a:t>
             </a:fld>
             <a:endParaRPr lang="en-US"/>
           </a:p>
@@ -3005,7 +3005,7 @@
             <a:fld id="{241EB5C9-1307-BA42-ABA2-0BC069CD8E7F}" type="datetimeFigureOut">
               <a:rPr lang="en-US" smtClean="0"/>
               <a:pPr/>
-              <a:t>9/24/23</a:t>
+              <a:t>9/26/23</a:t>
             </a:fld>
             <a:endParaRPr lang="en-US"/>
           </a:p>
@@ -3209,7 +3209,7 @@
             <a:fld id="{241EB5C9-1307-BA42-ABA2-0BC069CD8E7F}" type="datetimeFigureOut">
               <a:rPr lang="en-US" smtClean="0"/>
               <a:pPr/>
-              <a:t>9/24/23</a:t>
+              <a:t>9/26/23</a:t>
             </a:fld>
             <a:endParaRPr lang="en-US"/>
           </a:p>
@@ -3382,7 +3382,7 @@
           <a:p>
             <a:fld id="{241EB5C9-1307-BA42-ABA2-0BC069CD8E7F}" type="datetimeFigureOut">
               <a:rPr lang="en-US" smtClean="0"/>
-              <a:t>9/24/23</a:t>
+              <a:t>9/26/23</a:t>
             </a:fld>
             <a:endParaRPr lang="en-US"/>
           </a:p>
@@ -3801,7 +3801,7 @@
             <a:fld id="{241EB5C9-1307-BA42-ABA2-0BC069CD8E7F}" type="datetimeFigureOut">
               <a:rPr lang="en-US" smtClean="0"/>
               <a:pPr/>
-              <a:t>9/24/23</a:t>
+              <a:t>9/26/23</a:t>
             </a:fld>
             <a:endParaRPr lang="en-US"/>
           </a:p>
@@ -4165,7 +4165,7 @@
             <a:fld id="{241EB5C9-1307-BA42-ABA2-0BC069CD8E7F}" type="datetimeFigureOut">
               <a:rPr lang="en-US" smtClean="0"/>
               <a:pPr/>
-              <a:t>9/24/23</a:t>
+              <a:t>9/26/23</a:t>
             </a:fld>
             <a:endParaRPr lang="en-US"/>
           </a:p>
@@ -4409,7 +4409,7 @@
             <a:fld id="{241EB5C9-1307-BA42-ABA2-0BC069CD8E7F}" type="datetimeFigureOut">
               <a:rPr lang="en-US" smtClean="0"/>
               <a:pPr/>
-              <a:t>9/24/23</a:t>
+              <a:t>9/26/23</a:t>
             </a:fld>
             <a:endParaRPr lang="en-US"/>
           </a:p>

--- a/_site/slides/week01/lecture.pptx
+++ b/_site/slides/week01/lecture.pptx
@@ -7016,7 +7016,7 @@
       </p:sp>
       <p:pic>
         <p:nvPicPr>
-          <p:cNvPr descr="images/Term1%20Lectures.png" id="0" name="Picture 1"/>
+          <p:cNvPr descr="images/Term1 Lectures.png" id="0" name="Picture 1"/>
           <p:cNvPicPr>
             <a:picLocks noGrp="1" noChangeAspect="1"/>
           </p:cNvPicPr>
@@ -7102,7 +7102,7 @@
       </p:sp>
       <p:pic>
         <p:nvPicPr>
-          <p:cNvPr descr="images/Term2%20Lectures.png" id="0" name="Picture 1"/>
+          <p:cNvPr descr="images/Term2 Lectures.png" id="0" name="Picture 1"/>
           <p:cNvPicPr>
             <a:picLocks noGrp="1" noChangeAspect="1"/>
           </p:cNvPicPr>
@@ -7188,7 +7188,7 @@
       </p:sp>
       <p:pic>
         <p:nvPicPr>
-          <p:cNvPr descr="images/Term1%20Labs.png" id="0" name="Picture 1"/>
+          <p:cNvPr descr="images/Term1 Labs.png" id="0" name="Picture 1"/>
           <p:cNvPicPr>
             <a:picLocks noGrp="1" noChangeAspect="1"/>
           </p:cNvPicPr>
@@ -7274,7 +7274,7 @@
       </p:sp>
       <p:pic>
         <p:nvPicPr>
-          <p:cNvPr descr="images/Term2%20labs.png" id="0" name="Picture 1"/>
+          <p:cNvPr descr="images/Term2 labs.png" id="0" name="Picture 1"/>
           <p:cNvPicPr>
             <a:picLocks noGrp="1" noChangeAspect="1"/>
           </p:cNvPicPr>
@@ -8465,10 +8465,6 @@
             <a:pPr lvl="0" indent="0" marL="1270000">
               <a:buNone/>
             </a:pPr>
-            <a:r>
-              <a:rPr sz="2000" b="1"/>
-              <a:t>Important</a:t>
-            </a:r>
           </a:p>
           <a:p>
             <a:pPr lvl="0" indent="0" marL="1270000">
@@ -10289,7 +10285,7 @@
       </p:sp>
       <p:pic>
         <p:nvPicPr>
-          <p:cNvPr descr="images/Gantt%20of%20deadlines.png" id="0" name="Picture 1"/>
+          <p:cNvPr descr="images/Gantt of deadlines.png" id="0" name="Picture 1"/>
           <p:cNvPicPr>
             <a:picLocks noGrp="1" noChangeAspect="1"/>
           </p:cNvPicPr>

--- a/_site/slides/week01/lecture.pptx
+++ b/_site/slides/week01/lecture.pptx
@@ -24,7 +24,6 @@
     <p:sldId id="272" r:id="rId18"/>
     <p:sldId id="273" r:id="rId19"/>
     <p:sldId id="274" r:id="rId20"/>
-    <p:sldId id="275" r:id="rId21"/>
   </p:sldIdLst>
   <p:sldSz cx="12192000" cy="6858000"/>
   <p:notesSz cx="6858000" cy="9144000"/>
@@ -5007,10 +5006,10 @@
       </p:grpSpPr>
       <p:sp>
         <p:nvSpPr>
-          <p:cNvPr id="4" name="Text Placeholder 3">
+          <p:cNvPr id="3" name="Content Placeholder 2">
             <a:extLst>
               <a:ext uri="{FF2B5EF4-FFF2-40B4-BE49-F238E27FC236}">
-                <a16:creationId xmlns:a16="http://schemas.microsoft.com/office/drawing/2014/main" id="{898BA411-2A54-A94A-B3FC-826281DBEADF}"/>
+                <a16:creationId xmlns:a16="http://schemas.microsoft.com/office/drawing/2014/main" id="{A4EB24F9-04F1-C843-9D71-56C5C024552B}"/>
               </a:ext>
             </a:extLst>
           </p:cNvPr>
@@ -5018,7 +5017,7 @@
             <a:spLocks noGrp="1"/>
           </p:cNvSpPr>
           <p:nvPr>
-            <p:ph idx="2" sz="half" type="body"/>
+            <p:ph idx="1"/>
           </p:nvPr>
         </p:nvSpPr>
         <p:spPr/>
@@ -5512,8 +5511,8 @@
         </p:blipFill>
         <p:spPr bwMode="auto">
           <a:xfrm>
-            <a:off x="5181600" y="1549400"/>
-            <a:ext cx="6172200" cy="3213100"/>
+            <a:off x="2413000" y="1816100"/>
+            <a:ext cx="7366000" cy="3835400"/>
           </a:xfrm>
           <a:prstGeom prst="rect">
             <a:avLst/>
@@ -5534,8 +5533,8 @@
         </p:nvSpPr>
         <p:spPr>
           <a:xfrm>
-            <a:off x="5181600" y="5334000"/>
-            <a:ext cx="6172200" cy="508000"/>
+            <a:off x="838200" y="5651500"/>
+            <a:ext cx="10515600" cy="508000"/>
           </a:xfrm>
           <a:prstGeom prst="rect">
             <a:avLst/>
@@ -5552,6 +5551,58 @@
             <a:r>
               <a:rPr/>
               <a:t>Lab structure</a:t>
+            </a:r>
+          </a:p>
+        </p:txBody>
+      </p:sp>
+      <p:sp>
+        <p:nvSpPr>
+          <p:cNvPr id="3" name="Content Placeholder 2">
+            <a:extLst>
+              <a:ext uri="{FF2B5EF4-FFF2-40B4-BE49-F238E27FC236}">
+                <a16:creationId xmlns:a16="http://schemas.microsoft.com/office/drawing/2014/main" id="{A4EB24F9-04F1-C843-9D71-56C5C024552B}"/>
+              </a:ext>
+            </a:extLst>
+          </p:cNvPr>
+          <p:cNvSpPr>
+            <a:spLocks noGrp="1"/>
+          </p:cNvSpPr>
+          <p:nvPr>
+            <p:ph idx="1"/>
+          </p:nvPr>
+        </p:nvSpPr>
+        <p:spPr/>
+        <p:txBody>
+          <a:bodyPr/>
+          <a:lstStyle/>
+          <a:p>
+            <a:pPr lvl="0"/>
+            <a:r>
+              <a:rPr b="1"/>
+              <a:t>Lab Notebook</a:t>
+            </a:r>
+            <a:r>
+              <a:rPr/>
+              <a:t> - find a solution that works for you, but make sure that you have it every week, so a cloud-based system would be best. You will be expected to show notes of your progress to your Lab Tutor</a:t>
+            </a:r>
+          </a:p>
+          <a:p>
+            <a:pPr lvl="0"/>
+            <a:r>
+              <a:rPr/>
+              <a:t>Lots can be achieved in the labs, but independent study and coordinated group work will be required. We will be asking about this aspect of the process regularly.</a:t>
+            </a:r>
+          </a:p>
+          <a:p>
+            <a:pPr lvl="0" indent="0" marL="0">
+              <a:spcBef>
+                <a:spcPts val="3000"/>
+              </a:spcBef>
+              <a:buNone/>
+            </a:pPr>
+            <a:r>
+              <a:rPr b="1"/>
+              <a:t>DangerZone</a:t>
             </a:r>
           </a:p>
         </p:txBody>
@@ -5592,7 +5643,7 @@
                                           </p:stCondLst>
                                         </p:cTn>
                                         <p:tgtEl>
-                                          <p:spTgt spid="4">
+                                          <p:spTgt spid="3">
                                             <p:txEl>
                                               <p:pRg st="2" end="2"/>
                                             </p:txEl>
@@ -5641,7 +5692,7 @@
                                           </p:stCondLst>
                                         </p:cTn>
                                         <p:tgtEl>
-                                          <p:spTgt spid="4">
+                                          <p:spTgt spid="3">
                                             <p:txEl>
                                               <p:pRg st="3" end="3"/>
                                             </p:txEl>
@@ -5690,7 +5741,7 @@
                                           </p:stCondLst>
                                         </p:cTn>
                                         <p:tgtEl>
-                                          <p:spTgt spid="4">
+                                          <p:spTgt spid="3">
                                             <p:txEl>
                                               <p:pRg st="4" end="4"/>
                                             </p:txEl>
@@ -5739,7 +5790,7 @@
                                           </p:stCondLst>
                                         </p:cTn>
                                         <p:tgtEl>
-                                          <p:spTgt spid="4">
+                                          <p:spTgt spid="3">
                                             <p:txEl>
                                               <p:pRg st="5" end="5"/>
                                             </p:txEl>
@@ -5788,7 +5839,7 @@
                                           </p:stCondLst>
                                         </p:cTn>
                                         <p:tgtEl>
-                                          <p:spTgt spid="4">
+                                          <p:spTgt spid="3">
                                             <p:txEl>
                                               <p:pRg st="6" end="6"/>
                                             </p:txEl>
@@ -5837,7 +5888,7 @@
                                           </p:stCondLst>
                                         </p:cTn>
                                         <p:tgtEl>
-                                          <p:spTgt spid="4">
+                                          <p:spTgt spid="3">
                                             <p:txEl>
                                               <p:pRg st="7" end="7"/>
                                             </p:txEl>
@@ -5886,7 +5937,7 @@
                                           </p:stCondLst>
                                         </p:cTn>
                                         <p:tgtEl>
-                                          <p:spTgt spid="4">
+                                          <p:spTgt spid="3">
                                             <p:txEl>
                                               <p:pRg st="10" end="10"/>
                                             </p:txEl>
@@ -5935,7 +5986,7 @@
                                           </p:stCondLst>
                                         </p:cTn>
                                         <p:tgtEl>
-                                          <p:spTgt spid="4">
+                                          <p:spTgt spid="3">
                                             <p:txEl>
                                               <p:pRg st="11" end="11"/>
                                             </p:txEl>
@@ -5984,7 +6035,7 @@
                                           </p:stCondLst>
                                         </p:cTn>
                                         <p:tgtEl>
-                                          <p:spTgt spid="4">
+                                          <p:spTgt spid="3">
                                             <p:txEl>
                                               <p:pRg st="12" end="12"/>
                                             </p:txEl>
@@ -6033,7 +6084,7 @@
                                           </p:stCondLst>
                                         </p:cTn>
                                         <p:tgtEl>
-                                          <p:spTgt spid="4">
+                                          <p:spTgt spid="3">
                                             <p:txEl>
                                               <p:pRg st="13" end="13"/>
                                             </p:txEl>
@@ -6082,7 +6133,7 @@
                                           </p:stCondLst>
                                         </p:cTn>
                                         <p:tgtEl>
-                                          <p:spTgt spid="4">
+                                          <p:spTgt spid="3">
                                             <p:txEl>
                                               <p:pRg st="14" end="14"/>
                                             </p:txEl>
@@ -6131,7 +6182,7 @@
                                           </p:stCondLst>
                                         </p:cTn>
                                         <p:tgtEl>
-                                          <p:spTgt spid="4">
+                                          <p:spTgt spid="3">
                                             <p:txEl>
                                               <p:pRg st="15" end="15"/>
                                             </p:txEl>
@@ -6180,7 +6231,7 @@
                                           </p:stCondLst>
                                         </p:cTn>
                                         <p:tgtEl>
-                                          <p:spTgt spid="4">
+                                          <p:spTgt spid="3">
                                             <p:txEl>
                                               <p:pRg st="16" end="16"/>
                                             </p:txEl>
@@ -6229,7 +6280,7 @@
                                           </p:stCondLst>
                                         </p:cTn>
                                         <p:tgtEl>
-                                          <p:spTgt spid="4">
+                                          <p:spTgt spid="3">
                                             <p:txEl>
                                               <p:pRg st="17" end="17"/>
                                             </p:txEl>
@@ -6278,7 +6329,7 @@
                                           </p:stCondLst>
                                         </p:cTn>
                                         <p:tgtEl>
-                                          <p:spTgt spid="4">
+                                          <p:spTgt spid="3">
                                             <p:txEl>
                                               <p:pRg st="18" end="18"/>
                                             </p:txEl>
@@ -6327,7 +6378,7 @@
                                           </p:stCondLst>
                                         </p:cTn>
                                         <p:tgtEl>
-                                          <p:spTgt spid="4">
+                                          <p:spTgt spid="3">
                                             <p:txEl>
                                               <p:pRg st="28" end="28"/>
                                             </p:txEl>
@@ -6376,7 +6427,7 @@
                                           </p:stCondLst>
                                         </p:cTn>
                                         <p:tgtEl>
-                                          <p:spTgt spid="4">
+                                          <p:spTgt spid="3">
                                             <p:txEl>
                                               <p:pRg st="29" end="29"/>
                                             </p:txEl>
@@ -6425,7 +6476,7 @@
                                           </p:stCondLst>
                                         </p:cTn>
                                         <p:tgtEl>
-                                          <p:spTgt spid="4">
+                                          <p:spTgt spid="3">
                                             <p:txEl>
                                               <p:pRg st="30" end="30"/>
                                             </p:txEl>
@@ -6474,7 +6525,7 @@
                                           </p:stCondLst>
                                         </p:cTn>
                                         <p:tgtEl>
-                                          <p:spTgt spid="4">
+                                          <p:spTgt spid="3">
                                             <p:txEl>
                                               <p:pRg st="31" end="31"/>
                                             </p:txEl>
@@ -6523,7 +6574,7 @@
                                           </p:stCondLst>
                                         </p:cTn>
                                         <p:tgtEl>
-                                          <p:spTgt spid="4">
+                                          <p:spTgt spid="3">
                                             <p:txEl>
                                               <p:pRg st="32" end="32"/>
                                             </p:txEl>
@@ -6572,7 +6623,7 @@
                                           </p:stCondLst>
                                         </p:cTn>
                                         <p:tgtEl>
-                                          <p:spTgt spid="4">
+                                          <p:spTgt spid="3">
                                             <p:txEl>
                                               <p:pRg st="33" end="33"/>
                                             </p:txEl>
@@ -6617,87 +6668,13 @@
       </p:par>
     </p:tnLst>
     <p:bldLst>
-      <p:bldP spid="4" grpId="0" uiExpand="1" build="p"/>
+      <p:bldP spid="3" grpId="0" uiExpand="1" build="p"/>
     </p:bldLst>
   </p:timing>
 </p:sld>
 </file>
 
 <file path=ppt/slides/slide11.xml><?xml version="1.0" encoding="utf-8"?>
-<p:sld xmlns:a="http://schemas.openxmlformats.org/drawingml/2006/main" xmlns:r="http://schemas.openxmlformats.org/officeDocument/2006/relationships" xmlns:p="http://schemas.openxmlformats.org/presentationml/2006/main">
-  <p:cSld>
-    <p:spTree>
-      <p:nvGrpSpPr>
-        <p:cNvPr id="1" name=""/>
-        <p:cNvGrpSpPr/>
-        <p:nvPr/>
-      </p:nvGrpSpPr>
-      <p:grpSpPr>
-        <a:xfrm>
-          <a:off x="0" y="0"/>
-          <a:ext cx="0" cy="0"/>
-          <a:chOff x="0" y="0"/>
-          <a:chExt cx="0" cy="0"/>
-        </a:xfrm>
-      </p:grpSpPr>
-      <p:sp>
-        <p:nvSpPr>
-          <p:cNvPr id="3" name="Content Placeholder 2">
-            <a:extLst>
-              <a:ext uri="{FF2B5EF4-FFF2-40B4-BE49-F238E27FC236}">
-                <a16:creationId xmlns:a16="http://schemas.microsoft.com/office/drawing/2014/main" id="{A4EB24F9-04F1-C843-9D71-56C5C024552B}"/>
-              </a:ext>
-            </a:extLst>
-          </p:cNvPr>
-          <p:cNvSpPr>
-            <a:spLocks noGrp="1"/>
-          </p:cNvSpPr>
-          <p:nvPr>
-            <p:ph idx="1"/>
-          </p:nvPr>
-        </p:nvSpPr>
-        <p:spPr/>
-        <p:txBody>
-          <a:bodyPr/>
-          <a:lstStyle/>
-          <a:p>
-            <a:pPr lvl="0"/>
-            <a:r>
-              <a:rPr b="1"/>
-              <a:t>Lab Notebook</a:t>
-            </a:r>
-            <a:r>
-              <a:rPr/>
-              <a:t> - find a solution that works for you, but make sure that you have it every week, so a cloud-based system would be best. You will be expected to show notes of your progress to your Lab Tutor</a:t>
-            </a:r>
-          </a:p>
-          <a:p>
-            <a:pPr lvl="0"/>
-            <a:r>
-              <a:rPr/>
-              <a:t>Lots can be achieved in the labs, but independent study and coordinated group work will be required. We will be asking about this aspect of the process regularly.</a:t>
-            </a:r>
-          </a:p>
-          <a:p>
-            <a:pPr lvl="0" indent="0" marL="0">
-              <a:spcBef>
-                <a:spcPts val="3000"/>
-              </a:spcBef>
-              <a:buNone/>
-            </a:pPr>
-            <a:r>
-              <a:rPr b="1"/>
-              <a:t>DangerZone</a:t>
-            </a:r>
-          </a:p>
-        </p:txBody>
-      </p:sp>
-    </p:spTree>
-  </p:cSld>
-</p:sld>
-</file>
-
-<file path=ppt/slides/slide12.xml><?xml version="1.0" encoding="utf-8"?>
 <p:sld xmlns:a="http://schemas.openxmlformats.org/drawingml/2006/main" xmlns:r="http://schemas.openxmlformats.org/officeDocument/2006/relationships" xmlns:p="http://schemas.openxmlformats.org/presentationml/2006/main">
   <p:cSld>
     <p:spTree>
@@ -6825,6 +6802,230 @@
 </p:sld>
 </file>
 
+<file path=ppt/slides/slide12.xml><?xml version="1.0" encoding="utf-8"?>
+<p:sld xmlns:a="http://schemas.openxmlformats.org/drawingml/2006/main" xmlns:r="http://schemas.openxmlformats.org/officeDocument/2006/relationships" xmlns:p="http://schemas.openxmlformats.org/presentationml/2006/main">
+  <p:cSld>
+    <p:spTree>
+      <p:nvGrpSpPr>
+        <p:cNvPr id="1" name=""/>
+        <p:cNvGrpSpPr/>
+        <p:nvPr/>
+      </p:nvGrpSpPr>
+      <p:grpSpPr>
+        <a:xfrm>
+          <a:off x="0" y="0"/>
+          <a:ext cx="0" cy="0"/>
+          <a:chOff x="0" y="0"/>
+          <a:chExt cx="0" cy="0"/>
+        </a:xfrm>
+      </p:grpSpPr>
+      <p:sp>
+        <p:nvSpPr>
+          <p:cNvPr id="4" name="Text Placeholder 3">
+            <a:extLst>
+              <a:ext uri="{FF2B5EF4-FFF2-40B4-BE49-F238E27FC236}">
+                <a16:creationId xmlns:a16="http://schemas.microsoft.com/office/drawing/2014/main" id="{898BA411-2A54-A94A-B3FC-826281DBEADF}"/>
+              </a:ext>
+            </a:extLst>
+          </p:cNvPr>
+          <p:cNvSpPr>
+            <a:spLocks noGrp="1"/>
+          </p:cNvSpPr>
+          <p:nvPr>
+            <p:ph idx="2" sz="half" type="body"/>
+          </p:nvPr>
+        </p:nvSpPr>
+        <p:spPr/>
+        <p:txBody>
+          <a:bodyPr/>
+          <a:lstStyle/>
+          <a:p>
+            <a:pPr lvl="0" indent="0" marL="0">
+              <a:spcBef>
+                <a:spcPts val="3000"/>
+              </a:spcBef>
+              <a:buNone/>
+            </a:pPr>
+            <a:r>
+              <a:rPr b="1"/>
+              <a:t>Coursework</a:t>
+            </a:r>
+          </a:p>
+          <a:p>
+            <a:pPr lvl="0" indent="0" marL="0">
+              <a:buNone/>
+            </a:pPr>
+            <a:r>
+              <a:rPr/>
+              <a:t>The courseworks ALL require critical reflection and meta-cognitive practice. This will be discussed in a number of lectures, but it contributes to effective learning and your integration of the skills and experience of doing this research exercise.</a:t>
+            </a:r>
+          </a:p>
+          <a:p>
+            <a:pPr lvl="0" indent="0" marL="0">
+              <a:spcBef>
+                <a:spcPts val="3000"/>
+              </a:spcBef>
+              <a:buNone/>
+            </a:pPr>
+            <a:r>
+              <a:rPr b="1"/>
+              <a:t>Time management and teamwork</a:t>
+            </a:r>
+          </a:p>
+          <a:p>
+            <a:pPr lvl="0" indent="0" marL="0">
+              <a:buNone/>
+            </a:pPr>
+            <a:r>
+              <a:rPr/>
+              <a:t>..will both be required.</a:t>
+            </a:r>
+          </a:p>
+          <a:p>
+            <a:pPr lvl="0" indent="0" marL="0">
+              <a:buNone/>
+            </a:pPr>
+            <a:r>
+              <a:rPr/>
+              <a:t>I ask you to see both as an opportunity to develop these important skills.</a:t>
+            </a:r>
+          </a:p>
+          <a:p>
+            <a:pPr lvl="0" indent="0" marL="0">
+              <a:buNone/>
+            </a:pPr>
+            <a:r>
+              <a:rPr/>
+              <a:t>You will see we have some ideas to make this more relevant to careers and employability</a:t>
+            </a:r>
+          </a:p>
+          <a:p>
+            <a:pPr lvl="0" indent="0" marL="0">
+              <a:buNone/>
+            </a:pPr>
+            <a:r>
+              <a:rPr/>
+              <a:t>It is easier to ‘keep up than to catch up’.</a:t>
+            </a:r>
+          </a:p>
+          <a:p>
+            <a:pPr lvl="0" indent="0" marL="0">
+              <a:spcBef>
+                <a:spcPts val="3000"/>
+              </a:spcBef>
+              <a:buNone/>
+            </a:pPr>
+            <a:r>
+              <a:rPr b="1"/>
+              <a:t>Resources</a:t>
+            </a:r>
+          </a:p>
+          <a:p>
+            <a:pPr lvl="0" indent="0" marL="0">
+              <a:buNone/>
+            </a:pPr>
+            <a:r>
+              <a:rPr/>
+              <a:t>We will be releasing a series of valuable resources to help you through every step of the process</a:t>
+            </a:r>
+          </a:p>
+          <a:p>
+            <a:pPr lvl="0" indent="0" marL="0">
+              <a:buNone/>
+            </a:pPr>
+            <a:r>
+              <a:rPr/>
+              <a:t>These will have value for your final year dissertation too.</a:t>
+            </a:r>
+          </a:p>
+          <a:p>
+            <a:pPr lvl="0" indent="0" marL="0">
+              <a:buNone/>
+            </a:pPr>
+            <a:r>
+              <a:rPr/>
+              <a:t>Contribution to and comment on these is welcome and hoped for!</a:t>
+            </a:r>
+          </a:p>
+          <a:p>
+            <a:pPr lvl="0" indent="0" marL="0">
+              <a:buNone/>
+            </a:pPr>
+            <a:r>
+              <a:rPr/>
+              <a:t>Open Educational Resources will be used extensively, and most core readings are available online via the library.</a:t>
+            </a:r>
+          </a:p>
+          <a:p>
+            <a:pPr lvl="0" indent="0" marL="0">
+              <a:spcBef>
+                <a:spcPts val="3000"/>
+              </a:spcBef>
+              <a:buNone/>
+            </a:pPr>
+            <a:r>
+              <a:rPr b="1"/>
+              <a:t>Before tomorrow, please…</a:t>
+            </a:r>
+          </a:p>
+          <a:p>
+            <a:pPr lvl="0" indent="0" marL="0">
+              <a:buNone/>
+            </a:pPr>
+            <a:r>
+              <a:rPr/>
+              <a:t>Add an email signature to your college email, including your student number, programme, lab tutor, and personal tutor. It will speed up responses to any emails you send to staff.</a:t>
+            </a:r>
+          </a:p>
+          <a:p>
+            <a:pPr lvl="0" indent="0" marL="0">
+              <a:spcBef>
+                <a:spcPts val="3000"/>
+              </a:spcBef>
+              <a:buNone/>
+            </a:pPr>
+            <a:r>
+              <a:rPr b="1"/>
+              <a:t>Lectures Term One</a:t>
+            </a:r>
+          </a:p>
+        </p:txBody>
+      </p:sp>
+      <p:pic>
+        <p:nvPicPr>
+          <p:cNvPr descr="images/Term1%20Lectures.png" id="0" name="Picture 1"/>
+          <p:cNvPicPr>
+            <a:picLocks noGrp="1" noChangeAspect="1"/>
+          </p:cNvPicPr>
+          <p:nvPr/>
+        </p:nvPicPr>
+        <p:blipFill>
+          <a:blip r:embed="rId2"/>
+          <a:stretch>
+            <a:fillRect/>
+          </a:stretch>
+        </p:blipFill>
+        <p:spPr bwMode="auto">
+          <a:xfrm>
+            <a:off x="5181600" y="1155700"/>
+            <a:ext cx="6172200" cy="4508500"/>
+          </a:xfrm>
+          <a:prstGeom prst="rect">
+            <a:avLst/>
+          </a:prstGeom>
+          <a:noFill/>
+          <a:ln w="9525">
+            <a:noFill/>
+            <a:headEnd/>
+            <a:tailEnd/>
+          </a:ln>
+        </p:spPr>
+      </p:pic>
+    </p:spTree>
+  </p:cSld>
+</p:sld>
+</file>
+
 <file path=ppt/slides/slide13.xml><?xml version="1.0" encoding="utf-8"?>
 <p:sld xmlns:a="http://schemas.openxmlformats.org/drawingml/2006/main" xmlns:r="http://schemas.openxmlformats.org/officeDocument/2006/relationships" xmlns:p="http://schemas.openxmlformats.org/presentationml/2006/main">
   <p:cSld>
@@ -6871,152 +7072,14 @@
             </a:pPr>
             <a:r>
               <a:rPr b="1"/>
-              <a:t>Coursework</a:t>
-            </a:r>
-          </a:p>
-          <a:p>
-            <a:pPr lvl="0" indent="0" marL="0">
-              <a:buNone/>
-            </a:pPr>
-            <a:r>
-              <a:rPr/>
-              <a:t>The courseworks ALL require critical reflection and meta-cognitive practice. This will be discussed in a number of lectures, but it contributes to effective learning and your integration of the skills and experience of doing this research exercise.</a:t>
-            </a:r>
-          </a:p>
-          <a:p>
-            <a:pPr lvl="0" indent="0" marL="0">
-              <a:spcBef>
-                <a:spcPts val="3000"/>
-              </a:spcBef>
-              <a:buNone/>
-            </a:pPr>
-            <a:r>
-              <a:rPr b="1"/>
-              <a:t>Time management and teamwork</a:t>
-            </a:r>
-          </a:p>
-          <a:p>
-            <a:pPr lvl="0" indent="0" marL="0">
-              <a:buNone/>
-            </a:pPr>
-            <a:r>
-              <a:rPr/>
-              <a:t>..will both be required.</a:t>
-            </a:r>
-          </a:p>
-          <a:p>
-            <a:pPr lvl="0" indent="0" marL="0">
-              <a:buNone/>
-            </a:pPr>
-            <a:r>
-              <a:rPr/>
-              <a:t>I ask you to see both as an opportunity to develop these important skills.</a:t>
-            </a:r>
-          </a:p>
-          <a:p>
-            <a:pPr lvl="0" indent="0" marL="0">
-              <a:buNone/>
-            </a:pPr>
-            <a:r>
-              <a:rPr/>
-              <a:t>You will see we have some ideas to make this more relevant to careers and employability</a:t>
-            </a:r>
-          </a:p>
-          <a:p>
-            <a:pPr lvl="0" indent="0" marL="0">
-              <a:buNone/>
-            </a:pPr>
-            <a:r>
-              <a:rPr/>
-              <a:t>It is easier to ‘keep up than to catch up’.</a:t>
-            </a:r>
-          </a:p>
-          <a:p>
-            <a:pPr lvl="0" indent="0" marL="0">
-              <a:spcBef>
-                <a:spcPts val="3000"/>
-              </a:spcBef>
-              <a:buNone/>
-            </a:pPr>
-            <a:r>
-              <a:rPr b="1"/>
-              <a:t>Resources</a:t>
-            </a:r>
-          </a:p>
-          <a:p>
-            <a:pPr lvl="0" indent="0" marL="0">
-              <a:buNone/>
-            </a:pPr>
-            <a:r>
-              <a:rPr/>
-              <a:t>We will be releasing a series of valuable resources to help you through every step of the process</a:t>
-            </a:r>
-          </a:p>
-          <a:p>
-            <a:pPr lvl="0" indent="0" marL="0">
-              <a:buNone/>
-            </a:pPr>
-            <a:r>
-              <a:rPr/>
-              <a:t>These will have value for your final year dissertation too.</a:t>
-            </a:r>
-          </a:p>
-          <a:p>
-            <a:pPr lvl="0" indent="0" marL="0">
-              <a:buNone/>
-            </a:pPr>
-            <a:r>
-              <a:rPr/>
-              <a:t>Contribution to and comment on these is welcome and hoped for!</a:t>
-            </a:r>
-          </a:p>
-          <a:p>
-            <a:pPr lvl="0" indent="0" marL="0">
-              <a:buNone/>
-            </a:pPr>
-            <a:r>
-              <a:rPr/>
-              <a:t>Open Educational Resources will be used extensively, and most core readings are available online via the library.</a:t>
-            </a:r>
-          </a:p>
-          <a:p>
-            <a:pPr lvl="0" indent="0" marL="0">
-              <a:spcBef>
-                <a:spcPts val="3000"/>
-              </a:spcBef>
-              <a:buNone/>
-            </a:pPr>
-            <a:r>
-              <a:rPr b="1"/>
-              <a:t>Before tomorrow, please…</a:t>
-            </a:r>
-          </a:p>
-          <a:p>
-            <a:pPr lvl="0" indent="0" marL="0">
-              <a:buNone/>
-            </a:pPr>
-            <a:r>
-              <a:rPr/>
-              <a:t>Add an email signature to your college email, including your student number, programme, lab tutor, and personal tutor. It will speed up responses to any emails you send to staff.</a:t>
-            </a:r>
-          </a:p>
-          <a:p>
-            <a:pPr lvl="0" indent="0" marL="0">
-              <a:spcBef>
-                <a:spcPts val="3000"/>
-              </a:spcBef>
-              <a:buNone/>
-            </a:pPr>
-            <a:r>
-              <a:rPr b="1"/>
-              <a:t>Lectures Term One</a:t>
+              <a:t>Lectures Term Two</a:t>
             </a:r>
           </a:p>
         </p:txBody>
       </p:sp>
       <p:pic>
         <p:nvPicPr>
-          <p:cNvPr descr="images/Term1 Lectures.png" id="0" name="Picture 1"/>
+          <p:cNvPr descr="images/Term2%20Lectures.png" id="0" name="Picture 1"/>
           <p:cNvPicPr>
             <a:picLocks noGrp="1" noChangeAspect="1"/>
           </p:cNvPicPr>
@@ -7095,14 +7158,14 @@
             </a:pPr>
             <a:r>
               <a:rPr b="1"/>
-              <a:t>Lectures Term Two</a:t>
+              <a:t>Labs Term One</a:t>
             </a:r>
           </a:p>
         </p:txBody>
       </p:sp>
       <p:pic>
         <p:nvPicPr>
-          <p:cNvPr descr="images/Term2 Lectures.png" id="0" name="Picture 1"/>
+          <p:cNvPr descr="images/Term1%20Labs.png" id="0" name="Picture 1"/>
           <p:cNvPicPr>
             <a:picLocks noGrp="1" noChangeAspect="1"/>
           </p:cNvPicPr>
@@ -7116,8 +7179,8 @@
         </p:blipFill>
         <p:spPr bwMode="auto">
           <a:xfrm>
-            <a:off x="5181600" y="1155700"/>
-            <a:ext cx="6172200" cy="4508500"/>
+            <a:off x="5181600" y="1257300"/>
+            <a:ext cx="6172200" cy="4318000"/>
           </a:xfrm>
           <a:prstGeom prst="rect">
             <a:avLst/>
@@ -7181,100 +7244,14 @@
             </a:pPr>
             <a:r>
               <a:rPr b="1"/>
-              <a:t>Labs Term One</a:t>
+              <a:t>Labs Term Two</a:t>
             </a:r>
           </a:p>
         </p:txBody>
       </p:sp>
       <p:pic>
         <p:nvPicPr>
-          <p:cNvPr descr="images/Term1 Labs.png" id="0" name="Picture 1"/>
-          <p:cNvPicPr>
-            <a:picLocks noGrp="1" noChangeAspect="1"/>
-          </p:cNvPicPr>
-          <p:nvPr/>
-        </p:nvPicPr>
-        <p:blipFill>
-          <a:blip r:embed="rId2"/>
-          <a:stretch>
-            <a:fillRect/>
-          </a:stretch>
-        </p:blipFill>
-        <p:spPr bwMode="auto">
-          <a:xfrm>
-            <a:off x="5181600" y="1257300"/>
-            <a:ext cx="6172200" cy="4318000"/>
-          </a:xfrm>
-          <a:prstGeom prst="rect">
-            <a:avLst/>
-          </a:prstGeom>
-          <a:noFill/>
-          <a:ln w="9525">
-            <a:noFill/>
-            <a:headEnd/>
-            <a:tailEnd/>
-          </a:ln>
-        </p:spPr>
-      </p:pic>
-    </p:spTree>
-  </p:cSld>
-</p:sld>
-</file>
-
-<file path=ppt/slides/slide16.xml><?xml version="1.0" encoding="utf-8"?>
-<p:sld xmlns:a="http://schemas.openxmlformats.org/drawingml/2006/main" xmlns:r="http://schemas.openxmlformats.org/officeDocument/2006/relationships" xmlns:p="http://schemas.openxmlformats.org/presentationml/2006/main">
-  <p:cSld>
-    <p:spTree>
-      <p:nvGrpSpPr>
-        <p:cNvPr id="1" name=""/>
-        <p:cNvGrpSpPr/>
-        <p:nvPr/>
-      </p:nvGrpSpPr>
-      <p:grpSpPr>
-        <a:xfrm>
-          <a:off x="0" y="0"/>
-          <a:ext cx="0" cy="0"/>
-          <a:chOff x="0" y="0"/>
-          <a:chExt cx="0" cy="0"/>
-        </a:xfrm>
-      </p:grpSpPr>
-      <p:sp>
-        <p:nvSpPr>
-          <p:cNvPr id="4" name="Text Placeholder 3">
-            <a:extLst>
-              <a:ext uri="{FF2B5EF4-FFF2-40B4-BE49-F238E27FC236}">
-                <a16:creationId xmlns:a16="http://schemas.microsoft.com/office/drawing/2014/main" id="{898BA411-2A54-A94A-B3FC-826281DBEADF}"/>
-              </a:ext>
-            </a:extLst>
-          </p:cNvPr>
-          <p:cNvSpPr>
-            <a:spLocks noGrp="1"/>
-          </p:cNvSpPr>
-          <p:nvPr>
-            <p:ph idx="2" sz="half" type="body"/>
-          </p:nvPr>
-        </p:nvSpPr>
-        <p:spPr/>
-        <p:txBody>
-          <a:bodyPr/>
-          <a:lstStyle/>
-          <a:p>
-            <a:pPr lvl="0" indent="0" marL="0">
-              <a:spcBef>
-                <a:spcPts val="3000"/>
-              </a:spcBef>
-              <a:buNone/>
-            </a:pPr>
-            <a:r>
-              <a:rPr b="1"/>
-              <a:t>Labs Term Two</a:t>
-            </a:r>
-          </a:p>
-        </p:txBody>
-      </p:sp>
-      <p:pic>
-        <p:nvPicPr>
-          <p:cNvPr descr="images/Term2 labs.png" id="0" name="Picture 1"/>
+          <p:cNvPr descr="images/Term2%20labs.png" id="0" name="Picture 1"/>
           <p:cNvPicPr>
             <a:picLocks noGrp="1" noChangeAspect="1"/>
           </p:cNvPicPr>
@@ -7307,7 +7284,7 @@
 </p:sld>
 </file>
 
-<file path=ppt/slides/slide17.xml><?xml version="1.0" encoding="utf-8"?>
+<file path=ppt/slides/slide16.xml><?xml version="1.0" encoding="utf-8"?>
 <p:sld xmlns:a="http://schemas.openxmlformats.org/drawingml/2006/main" xmlns:r="http://schemas.openxmlformats.org/officeDocument/2006/relationships" xmlns:p="http://schemas.openxmlformats.org/presentationml/2006/main">
   <p:cSld>
     <p:spTree>
@@ -8192,7 +8169,7 @@
 </p:sld>
 </file>
 
-<file path=ppt/slides/slide18.xml><?xml version="1.0" encoding="utf-8"?>
+<file path=ppt/slides/slide17.xml><?xml version="1.0" encoding="utf-8"?>
 <p:sld xmlns:a="http://schemas.openxmlformats.org/drawingml/2006/main" xmlns:r="http://schemas.openxmlformats.org/officeDocument/2006/relationships" xmlns:p="http://schemas.openxmlformats.org/presentationml/2006/main">
   <p:cSld>
     <p:spTree>
@@ -8317,7 +8294,7 @@
 </p:sld>
 </file>
 
-<file path=ppt/slides/slide19.xml><?xml version="1.0" encoding="utf-8"?>
+<file path=ppt/slides/slide18.xml><?xml version="1.0" encoding="utf-8"?>
 <p:sld xmlns:a="http://schemas.openxmlformats.org/drawingml/2006/main" xmlns:r="http://schemas.openxmlformats.org/officeDocument/2006/relationships" xmlns:p="http://schemas.openxmlformats.org/presentationml/2006/main">
   <p:cSld>
     <p:spTree>
@@ -8465,6 +8442,10 @@
             <a:pPr lvl="0" indent="0" marL="1270000">
               <a:buNone/>
             </a:pPr>
+            <a:r>
+              <a:rPr sz="2000" b="1"/>
+              <a:t>Important</a:t>
+            </a:r>
           </a:p>
           <a:p>
             <a:pPr lvl="0" indent="0" marL="1270000">
@@ -9168,6 +9149,95 @@
       <p:bldP spid="4" grpId="0" uiExpand="1" build="p"/>
     </p:bldLst>
   </p:timing>
+</p:sld>
+</file>
+
+<file path=ppt/slides/slide19.xml><?xml version="1.0" encoding="utf-8"?>
+<p:sld xmlns:a="http://schemas.openxmlformats.org/drawingml/2006/main" xmlns:r="http://schemas.openxmlformats.org/officeDocument/2006/relationships" xmlns:p="http://schemas.openxmlformats.org/presentationml/2006/main">
+  <p:cSld>
+    <p:spTree>
+      <p:nvGrpSpPr>
+        <p:cNvPr id="1" name=""/>
+        <p:cNvGrpSpPr/>
+        <p:nvPr/>
+      </p:nvGrpSpPr>
+      <p:grpSpPr>
+        <a:xfrm>
+          <a:off x="0" y="0"/>
+          <a:ext cx="0" cy="0"/>
+          <a:chOff x="0" y="0"/>
+          <a:chExt cx="0" cy="0"/>
+        </a:xfrm>
+      </p:grpSpPr>
+      <p:sp>
+        <p:nvSpPr>
+          <p:cNvPr id="3" name="Content Placeholder 2">
+            <a:extLst>
+              <a:ext uri="{FF2B5EF4-FFF2-40B4-BE49-F238E27FC236}">
+                <a16:creationId xmlns:a16="http://schemas.microsoft.com/office/drawing/2014/main" id="{A4EB24F9-04F1-C843-9D71-56C5C024552B}"/>
+              </a:ext>
+            </a:extLst>
+          </p:cNvPr>
+          <p:cNvSpPr>
+            <a:spLocks noGrp="1"/>
+          </p:cNvSpPr>
+          <p:nvPr>
+            <p:ph idx="1"/>
+          </p:nvPr>
+        </p:nvSpPr>
+        <p:spPr/>
+        <p:txBody>
+          <a:bodyPr/>
+          <a:lstStyle/>
+          <a:p>
+            <a:pPr lvl="0" indent="0" marL="0">
+              <a:spcBef>
+                <a:spcPts val="3000"/>
+              </a:spcBef>
+              <a:buNone/>
+            </a:pPr>
+            <a:r>
+              <a:rPr b="1"/>
+              <a:t>On behalf of the whole teaching team</a:t>
+            </a:r>
+          </a:p>
+          <a:p>
+            <a:pPr lvl="0" indent="0" marL="0">
+              <a:buNone/>
+            </a:pPr>
+            <a:r>
+              <a:rPr/>
+              <a:t>Have a wonderful year!</a:t>
+            </a:r>
+          </a:p>
+          <a:p>
+            <a:pPr lvl="0" indent="0" marL="0">
+              <a:spcBef>
+                <a:spcPts val="3000"/>
+              </a:spcBef>
+              <a:buNone/>
+            </a:pPr>
+            <a:r>
+              <a:rPr b="1"/>
+              <a:t>Any Questions?</a:t>
+            </a:r>
+          </a:p>
+          <a:p>
+            <a:pPr lvl="0" indent="0" marL="0">
+              <a:spcBef>
+                <a:spcPts val="3000"/>
+              </a:spcBef>
+              <a:buNone/>
+            </a:pPr>
+            <a:r>
+              <a:rPr b="1"/>
+              <a:t>References</a:t>
+            </a:r>
+          </a:p>
+        </p:txBody>
+      </p:sp>
+    </p:spTree>
+  </p:cSld>
 </p:sld>
 </file>
 
@@ -10047,95 +10117,6 @@
 </p:sld>
 </file>
 
-<file path=ppt/slides/slide20.xml><?xml version="1.0" encoding="utf-8"?>
-<p:sld xmlns:a="http://schemas.openxmlformats.org/drawingml/2006/main" xmlns:r="http://schemas.openxmlformats.org/officeDocument/2006/relationships" xmlns:p="http://schemas.openxmlformats.org/presentationml/2006/main">
-  <p:cSld>
-    <p:spTree>
-      <p:nvGrpSpPr>
-        <p:cNvPr id="1" name=""/>
-        <p:cNvGrpSpPr/>
-        <p:nvPr/>
-      </p:nvGrpSpPr>
-      <p:grpSpPr>
-        <a:xfrm>
-          <a:off x="0" y="0"/>
-          <a:ext cx="0" cy="0"/>
-          <a:chOff x="0" y="0"/>
-          <a:chExt cx="0" cy="0"/>
-        </a:xfrm>
-      </p:grpSpPr>
-      <p:sp>
-        <p:nvSpPr>
-          <p:cNvPr id="3" name="Content Placeholder 2">
-            <a:extLst>
-              <a:ext uri="{FF2B5EF4-FFF2-40B4-BE49-F238E27FC236}">
-                <a16:creationId xmlns:a16="http://schemas.microsoft.com/office/drawing/2014/main" id="{A4EB24F9-04F1-C843-9D71-56C5C024552B}"/>
-              </a:ext>
-            </a:extLst>
-          </p:cNvPr>
-          <p:cNvSpPr>
-            <a:spLocks noGrp="1"/>
-          </p:cNvSpPr>
-          <p:nvPr>
-            <p:ph idx="1"/>
-          </p:nvPr>
-        </p:nvSpPr>
-        <p:spPr/>
-        <p:txBody>
-          <a:bodyPr/>
-          <a:lstStyle/>
-          <a:p>
-            <a:pPr lvl="0" indent="0" marL="0">
-              <a:spcBef>
-                <a:spcPts val="3000"/>
-              </a:spcBef>
-              <a:buNone/>
-            </a:pPr>
-            <a:r>
-              <a:rPr b="1"/>
-              <a:t>On behalf of the whole teaching team</a:t>
-            </a:r>
-          </a:p>
-          <a:p>
-            <a:pPr lvl="0" indent="0" marL="0">
-              <a:buNone/>
-            </a:pPr>
-            <a:r>
-              <a:rPr/>
-              <a:t>Have a wonderful year!</a:t>
-            </a:r>
-          </a:p>
-          <a:p>
-            <a:pPr lvl="0" indent="0" marL="0">
-              <a:spcBef>
-                <a:spcPts val="3000"/>
-              </a:spcBef>
-              <a:buNone/>
-            </a:pPr>
-            <a:r>
-              <a:rPr b="1"/>
-              <a:t>Any Questions?</a:t>
-            </a:r>
-          </a:p>
-          <a:p>
-            <a:pPr lvl="0" indent="0" marL="0">
-              <a:spcBef>
-                <a:spcPts val="3000"/>
-              </a:spcBef>
-              <a:buNone/>
-            </a:pPr>
-            <a:r>
-              <a:rPr b="1"/>
-              <a:t>References</a:t>
-            </a:r>
-          </a:p>
-        </p:txBody>
-      </p:sp>
-    </p:spTree>
-  </p:cSld>
-</p:sld>
-</file>
-
 <file path=ppt/slides/slide3.xml><?xml version="1.0" encoding="utf-8"?>
 <p:sld xmlns:a="http://schemas.openxmlformats.org/drawingml/2006/main" xmlns:r="http://schemas.openxmlformats.org/officeDocument/2006/relationships" xmlns:p="http://schemas.openxmlformats.org/presentationml/2006/main">
   <p:cSld>
@@ -10158,7 +10139,7 @@
           <p:cNvPr id="2" name="Title 1">
             <a:extLst>
               <a:ext uri="{FF2B5EF4-FFF2-40B4-BE49-F238E27FC236}">
-                <a16:creationId xmlns:a16="http://schemas.microsoft.com/office/drawing/2014/main" id="{F3186003-B489-CA46-A95C-C1AECC0CA4D3}"/>
+                <a16:creationId xmlns:a16="http://schemas.microsoft.com/office/drawing/2014/main" id="{DD9B8E45-0772-954C-8D4B-6E6808DFEDED}"/>
               </a:ext>
             </a:extLst>
           </p:cNvPr>
@@ -10171,8 +10152,8 @@
         </p:nvSpPr>
         <p:spPr>
           <a:xfrm>
-            <a:off x="839788" y="457200"/>
-            <a:ext cx="3932237" cy="1600200"/>
+            <a:off x="838200" y="365129"/>
+            <a:ext cx="10002520" cy="1325563"/>
           </a:xfrm>
           <a:prstGeom prst="rect">
             <a:avLst/>
@@ -10194,10 +10175,10 @@
       </p:sp>
       <p:sp>
         <p:nvSpPr>
-          <p:cNvPr id="4" name="Text Placeholder 3">
+          <p:cNvPr id="3" name="Content Placeholder 2">
             <a:extLst>
               <a:ext uri="{FF2B5EF4-FFF2-40B4-BE49-F238E27FC236}">
-                <a16:creationId xmlns:a16="http://schemas.microsoft.com/office/drawing/2014/main" id="{898BA411-2A54-A94A-B3FC-826281DBEADF}"/>
+                <a16:creationId xmlns:a16="http://schemas.microsoft.com/office/drawing/2014/main" id="{A4EB24F9-04F1-C843-9D71-56C5C024552B}"/>
               </a:ext>
             </a:extLst>
           </p:cNvPr>
@@ -10205,7 +10186,7 @@
             <a:spLocks noGrp="1"/>
           </p:cNvSpPr>
           <p:nvPr>
-            <p:ph idx="2" sz="half" type="body"/>
+            <p:ph idx="1"/>
           </p:nvPr>
         </p:nvSpPr>
         <p:spPr/>
@@ -10285,7 +10266,7 @@
       </p:sp>
       <p:pic>
         <p:nvPicPr>
-          <p:cNvPr descr="images/Gantt of deadlines.png" id="0" name="Picture 1"/>
+          <p:cNvPr descr="images/Gantt%20of%20deadlines.png" id="0" name="Picture 1"/>
           <p:cNvPicPr>
             <a:picLocks noGrp="1" noChangeAspect="1"/>
           </p:cNvPicPr>
@@ -10299,8 +10280,8 @@
         </p:blipFill>
         <p:spPr bwMode="auto">
           <a:xfrm>
-            <a:off x="5181600" y="1155700"/>
-            <a:ext cx="6172200" cy="4000500"/>
+            <a:off x="3136900" y="1816100"/>
+            <a:ext cx="5918200" cy="3835400"/>
           </a:xfrm>
           <a:prstGeom prst="rect">
             <a:avLst/>
@@ -10321,8 +10302,8 @@
         </p:nvSpPr>
         <p:spPr>
           <a:xfrm>
-            <a:off x="5181600" y="5334000"/>
-            <a:ext cx="6172200" cy="508000"/>
+            <a:off x="838200" y="5651500"/>
+            <a:ext cx="10515600" cy="508000"/>
           </a:xfrm>
           <a:prstGeom prst="rect">
             <a:avLst/>
